--- a/300lv notes /cyb309/CYB309 III.pptx
+++ b/300lv notes /cyb309/CYB309 III.pptx
@@ -1,56 +1,56 @@
 
 <file path=ppt/presentation.xml><?xml version="1.0" encoding="utf-8"?>
-<p:presentation xmlns:a="http://schemas.openxmlformats.org/drawingml/2006/main" xmlns:r="http://schemas.openxmlformats.org/officeDocument/2006/relationships" xmlns:p="http://schemas.openxmlformats.org/presentationml/2006/main" saveSubsetFonts="1">
+<p:presentation xmlns:a="http://schemas.openxmlformats.org/drawingml/2006/main" xmlns:r="http://schemas.openxmlformats.org/officeDocument/2006/relationships" xmlns:p="http://schemas.openxmlformats.org/presentationml/2006/main">
   <p:sldMasterIdLst>
-    <p:sldMasterId id="2147483660" r:id="rId1"/>
+    <p:sldMasterId id="2147483648" r:id="rId1"/>
   </p:sldMasterIdLst>
   <p:notesMasterIdLst>
-    <p:notesMasterId r:id="rId45"/>
+    <p:notesMasterId r:id="rId16"/>
   </p:notesMasterIdLst>
   <p:sldIdLst>
-    <p:sldId id="257" r:id="rId2"/>
-    <p:sldId id="258" r:id="rId3"/>
-    <p:sldId id="259" r:id="rId4"/>
-    <p:sldId id="260" r:id="rId5"/>
-    <p:sldId id="261" r:id="rId6"/>
-    <p:sldId id="262" r:id="rId7"/>
-    <p:sldId id="263" r:id="rId8"/>
-    <p:sldId id="264" r:id="rId9"/>
-    <p:sldId id="265" r:id="rId10"/>
-    <p:sldId id="266" r:id="rId11"/>
-    <p:sldId id="267" r:id="rId12"/>
-    <p:sldId id="268" r:id="rId13"/>
-    <p:sldId id="269" r:id="rId14"/>
-    <p:sldId id="270" r:id="rId15"/>
-    <p:sldId id="271" r:id="rId16"/>
-    <p:sldId id="272" r:id="rId17"/>
-    <p:sldId id="273" r:id="rId18"/>
-    <p:sldId id="274" r:id="rId19"/>
-    <p:sldId id="275" r:id="rId20"/>
-    <p:sldId id="276" r:id="rId21"/>
-    <p:sldId id="277" r:id="rId22"/>
-    <p:sldId id="280" r:id="rId23"/>
-    <p:sldId id="278" r:id="rId24"/>
-    <p:sldId id="279" r:id="rId25"/>
-    <p:sldId id="283" r:id="rId26"/>
-    <p:sldId id="281" r:id="rId27"/>
-    <p:sldId id="282" r:id="rId28"/>
-    <p:sldId id="284" r:id="rId29"/>
-    <p:sldId id="287" r:id="rId30"/>
-    <p:sldId id="288" r:id="rId31"/>
-    <p:sldId id="286" r:id="rId32"/>
-    <p:sldId id="285" r:id="rId33"/>
-    <p:sldId id="289" r:id="rId34"/>
-    <p:sldId id="291" r:id="rId35"/>
-    <p:sldId id="290" r:id="rId36"/>
-    <p:sldId id="292" r:id="rId37"/>
-    <p:sldId id="293" r:id="rId38"/>
-    <p:sldId id="296" r:id="rId39"/>
-    <p:sldId id="299" r:id="rId40"/>
-    <p:sldId id="300" r:id="rId41"/>
-    <p:sldId id="301" r:id="rId42"/>
-    <p:sldId id="302" r:id="rId43"/>
-    <p:sldId id="303" r:id="rId44"/>
+    <p:sldId id="257" r:id="rId3"/>
+    <p:sldId id="258" r:id="rId4"/>
+    <p:sldId id="259" r:id="rId5"/>
+    <p:sldId id="260" r:id="rId6"/>
+    <p:sldId id="261" r:id="rId7"/>
+    <p:sldId id="262" r:id="rId8"/>
+    <p:sldId id="263" r:id="rId9"/>
+    <p:sldId id="264" r:id="rId10"/>
+    <p:sldId id="265" r:id="rId11"/>
+    <p:sldId id="266" r:id="rId12"/>
+    <p:sldId id="267" r:id="rId13"/>
+    <p:sldId id="268" r:id="rId14"/>
+    <p:sldId id="269" r:id="rId15"/>
+    <p:sldId id="270" r:id="rId17"/>
+    <p:sldId id="271" r:id="rId18"/>
+    <p:sldId id="272" r:id="rId19"/>
+    <p:sldId id="273" r:id="rId20"/>
+    <p:sldId id="274" r:id="rId21"/>
+    <p:sldId id="275" r:id="rId22"/>
+    <p:sldId id="276" r:id="rId23"/>
+    <p:sldId id="277" r:id="rId24"/>
+    <p:sldId id="280" r:id="rId25"/>
+    <p:sldId id="278" r:id="rId26"/>
+    <p:sldId id="279" r:id="rId27"/>
+    <p:sldId id="283" r:id="rId28"/>
+    <p:sldId id="281" r:id="rId29"/>
+    <p:sldId id="282" r:id="rId30"/>
+    <p:sldId id="284" r:id="rId31"/>
+    <p:sldId id="287" r:id="rId32"/>
+    <p:sldId id="288" r:id="rId33"/>
+    <p:sldId id="286" r:id="rId34"/>
+    <p:sldId id="285" r:id="rId35"/>
+    <p:sldId id="289" r:id="rId36"/>
+    <p:sldId id="291" r:id="rId37"/>
+    <p:sldId id="290" r:id="rId38"/>
+    <p:sldId id="292" r:id="rId39"/>
+    <p:sldId id="293" r:id="rId40"/>
+    <p:sldId id="296" r:id="rId41"/>
+    <p:sldId id="299" r:id="rId42"/>
+    <p:sldId id="300" r:id="rId43"/>
+    <p:sldId id="301" r:id="rId44"/>
+    <p:sldId id="302" r:id="rId45"/>
+    <p:sldId id="303" r:id="rId46"/>
   </p:sldIdLst>
   <p:sldSz cx="12192000" cy="6858000"/>
   <p:notesSz cx="6858000" cy="9144000"/>
@@ -234,7 +234,6 @@
           <a:p>
             <a:fld id="{1ECE15ED-1D7A-4E7A-8B56-C050F0A59B4F}" type="datetimeFigureOut">
               <a:rPr lang="en-GB" smtClean="0"/>
-              <a:t>03/11/2023</a:t>
             </a:fld>
             <a:endParaRPr lang="en-GB"/>
           </a:p>
@@ -301,6 +300,7 @@
               <a:rPr lang="en-US"/>
               <a:t>Click to edit Master text styles</a:t>
             </a:r>
+            <a:endParaRPr lang="en-US"/>
           </a:p>
           <a:p>
             <a:pPr lvl="1"/>
@@ -308,6 +308,7 @@
               <a:rPr lang="en-US"/>
               <a:t>Second level</a:t>
             </a:r>
+            <a:endParaRPr lang="en-US"/>
           </a:p>
           <a:p>
             <a:pPr lvl="2"/>
@@ -315,6 +316,7 @@
               <a:rPr lang="en-US"/>
               <a:t>Third level</a:t>
             </a:r>
+            <a:endParaRPr lang="en-US"/>
           </a:p>
           <a:p>
             <a:pPr lvl="3"/>
@@ -322,6 +324,7 @@
               <a:rPr lang="en-US"/>
               <a:t>Fourth level</a:t>
             </a:r>
+            <a:endParaRPr lang="en-US"/>
           </a:p>
           <a:p>
             <a:pPr lvl="4"/>
@@ -393,18 +396,12 @@
           <a:p>
             <a:fld id="{1229514A-76E4-4AFA-A57B-A89279A6C0B4}" type="slidenum">
               <a:rPr lang="en-GB" smtClean="0"/>
-              <a:t>‹#›</a:t>
             </a:fld>
             <a:endParaRPr lang="en-GB"/>
           </a:p>
         </p:txBody>
       </p:sp>
     </p:spTree>
-    <p:extLst>
-      <p:ext uri="{BB962C8B-B14F-4D97-AF65-F5344CB8AC3E}">
-        <p14:creationId xmlns:p14="http://schemas.microsoft.com/office/powerpoint/2010/main" val="1618535311"/>
-      </p:ext>
-    </p:extLst>
   </p:cSld>
   <p:clrMap bg1="lt1" tx1="dk1" bg2="lt2" tx2="dk2" accent1="accent1" accent2="accent2" accent3="accent3" accent4="accent4" accent5="accent5" accent6="accent6" hlink="hlink" folHlink="folHlink"/>
   <p:notesStyle>
@@ -560,7 +557,6 @@
               <a:buSzTx/>
               <a:buFontTx/>
               <a:buNone/>
-              <a:tabLst/>
               <a:defRPr/>
             </a:pPr>
             <a:r>
@@ -591,18 +587,12 @@
           <a:p>
             <a:fld id="{1229514A-76E4-4AFA-A57B-A89279A6C0B4}" type="slidenum">
               <a:rPr lang="en-GB" smtClean="0"/>
-              <a:t>13</a:t>
             </a:fld>
             <a:endParaRPr lang="en-GB"/>
           </a:p>
         </p:txBody>
       </p:sp>
     </p:spTree>
-    <p:extLst>
-      <p:ext uri="{BB962C8B-B14F-4D97-AF65-F5344CB8AC3E}">
-        <p14:creationId xmlns:p14="http://schemas.microsoft.com/office/powerpoint/2010/main" val="4202468376"/>
-      </p:ext>
-    </p:extLst>
   </p:cSld>
   <p:clrMapOvr>
     <a:masterClrMapping/>
@@ -662,6 +652,7 @@
               <a:rPr lang="en-US" dirty="0"/>
               <a:t>With discretionary access controls, authorization is decided by the owner of the object.</a:t>
             </a:r>
+            <a:endParaRPr lang="en-US" dirty="0"/>
           </a:p>
           <a:p>
             <a:pPr marL="228600" indent="-228600">
@@ -672,6 +663,7 @@
               <a:rPr lang="en-US" dirty="0"/>
               <a:t>In a DAC system, access permissions are associated with the object.</a:t>
             </a:r>
+            <a:endParaRPr lang="en-US" dirty="0"/>
           </a:p>
           <a:p>
             <a:pPr marL="228600" indent="-228600">
@@ -703,18 +695,12 @@
           <a:p>
             <a:fld id="{1229514A-76E4-4AFA-A57B-A89279A6C0B4}" type="slidenum">
               <a:rPr lang="en-GB" smtClean="0"/>
-              <a:t>23</a:t>
             </a:fld>
             <a:endParaRPr lang="en-GB"/>
           </a:p>
         </p:txBody>
       </p:sp>
     </p:spTree>
-    <p:extLst>
-      <p:ext uri="{BB962C8B-B14F-4D97-AF65-F5344CB8AC3E}">
-        <p14:creationId xmlns:p14="http://schemas.microsoft.com/office/powerpoint/2010/main" val="2317233040"/>
-      </p:ext>
-    </p:extLst>
   </p:cSld>
   <p:clrMapOvr>
     <a:masterClrMapping/>
@@ -774,6 +760,7 @@
               <a:rPr lang="en-US" dirty="0"/>
               <a:t>With mandatory access controls, the operating system or policy enforcer decides on whether to grant access.</a:t>
             </a:r>
+            <a:endParaRPr lang="en-US" dirty="0"/>
           </a:p>
           <a:p>
             <a:pPr marL="228600" indent="-228600">
@@ -784,6 +771,7 @@
               <a:rPr lang="en-US" dirty="0"/>
               <a:t>The data owner does not have control and cannot decide to grant access to a resource.</a:t>
             </a:r>
+            <a:endParaRPr lang="en-US" dirty="0"/>
           </a:p>
           <a:p>
             <a:pPr marL="228600" indent="-228600">
@@ -815,18 +803,12 @@
           <a:p>
             <a:fld id="{1229514A-76E4-4AFA-A57B-A89279A6C0B4}" type="slidenum">
               <a:rPr lang="en-GB" smtClean="0"/>
-              <a:t>27</a:t>
             </a:fld>
             <a:endParaRPr lang="en-GB"/>
           </a:p>
         </p:txBody>
       </p:sp>
     </p:spTree>
-    <p:extLst>
-      <p:ext uri="{BB962C8B-B14F-4D97-AF65-F5344CB8AC3E}">
-        <p14:creationId xmlns:p14="http://schemas.microsoft.com/office/powerpoint/2010/main" val="2596314570"/>
-      </p:ext>
-    </p:extLst>
   </p:cSld>
   <p:clrMapOvr>
     <a:masterClrMapping/>
@@ -903,18 +885,12 @@
           <a:p>
             <a:fld id="{1229514A-76E4-4AFA-A57B-A89279A6C0B4}" type="slidenum">
               <a:rPr lang="en-GB" smtClean="0"/>
-              <a:t>36</a:t>
             </a:fld>
             <a:endParaRPr lang="en-GB"/>
           </a:p>
         </p:txBody>
       </p:sp>
     </p:spTree>
-    <p:extLst>
-      <p:ext uri="{BB962C8B-B14F-4D97-AF65-F5344CB8AC3E}">
-        <p14:creationId xmlns:p14="http://schemas.microsoft.com/office/powerpoint/2010/main" val="257599654"/>
-      </p:ext>
-    </p:extLst>
   </p:cSld>
   <p:clrMapOvr>
     <a:masterClrMapping/>
@@ -1110,7 +1086,6 @@
           <a:p>
             <a:fld id="{E0910086-ECD1-4273-BC0A-02990D5D5A20}" type="datetimeFigureOut">
               <a:rPr lang="en-GB" smtClean="0"/>
-              <a:t>01/11/2023</a:t>
             </a:fld>
             <a:endParaRPr lang="en-GB"/>
           </a:p>
@@ -1239,18 +1214,12 @@
           <a:p>
             <a:fld id="{A59CAE70-B2C8-4A4A-9721-5B5DC6EE2FF2}" type="slidenum">
               <a:rPr lang="en-GB" smtClean="0"/>
-              <a:t>‹#›</a:t>
             </a:fld>
             <a:endParaRPr lang="en-GB"/>
           </a:p>
         </p:txBody>
       </p:sp>
     </p:spTree>
-    <p:extLst>
-      <p:ext uri="{BB962C8B-B14F-4D97-AF65-F5344CB8AC3E}">
-        <p14:creationId xmlns:p14="http://schemas.microsoft.com/office/powerpoint/2010/main" val="96667705"/>
-      </p:ext>
-    </p:extLst>
   </p:cSld>
   <p:clrMapOvr>
     <a:masterClrMapping/>
@@ -1428,6 +1397,7 @@
               <a:rPr lang="en-US"/>
               <a:t>Edit Master text styles</a:t>
             </a:r>
+            <a:endParaRPr lang="en-US"/>
           </a:p>
         </p:txBody>
       </p:sp>
@@ -1448,7 +1418,6 @@
           <a:p>
             <a:fld id="{E0910086-ECD1-4273-BC0A-02990D5D5A20}" type="datetimeFigureOut">
               <a:rPr lang="en-GB" smtClean="0"/>
-              <a:t>01/11/2023</a:t>
             </a:fld>
             <a:endParaRPr lang="en-GB"/>
           </a:p>
@@ -1577,18 +1546,12 @@
           <a:p>
             <a:fld id="{A59CAE70-B2C8-4A4A-9721-5B5DC6EE2FF2}" type="slidenum">
               <a:rPr lang="en-GB" smtClean="0"/>
-              <a:t>‹#›</a:t>
             </a:fld>
             <a:endParaRPr lang="en-GB"/>
           </a:p>
         </p:txBody>
       </p:sp>
     </p:spTree>
-    <p:extLst>
-      <p:ext uri="{BB962C8B-B14F-4D97-AF65-F5344CB8AC3E}">
-        <p14:creationId xmlns:p14="http://schemas.microsoft.com/office/powerpoint/2010/main" val="1372471288"/>
-      </p:ext>
-    </p:extLst>
   </p:cSld>
   <p:clrMapOvr>
     <a:masterClrMapping/>
@@ -1707,6 +1670,7 @@
               <a:rPr lang="en-US"/>
               <a:t>Edit Master text styles</a:t>
             </a:r>
+            <a:endParaRPr lang="en-US"/>
           </a:p>
         </p:txBody>
       </p:sp>
@@ -1829,6 +1793,7 @@
               <a:rPr lang="en-US"/>
               <a:t>Edit Master text styles</a:t>
             </a:r>
+            <a:endParaRPr lang="en-US"/>
           </a:p>
         </p:txBody>
       </p:sp>
@@ -1849,7 +1814,6 @@
           <a:p>
             <a:fld id="{E0910086-ECD1-4273-BC0A-02990D5D5A20}" type="datetimeFigureOut">
               <a:rPr lang="en-GB" smtClean="0"/>
-              <a:t>01/11/2023</a:t>
             </a:fld>
             <a:endParaRPr lang="en-GB"/>
           </a:p>
@@ -1978,7 +1942,6 @@
           <a:p>
             <a:fld id="{A59CAE70-B2C8-4A4A-9721-5B5DC6EE2FF2}" type="slidenum">
               <a:rPr lang="en-GB" smtClean="0"/>
-              <a:t>‹#›</a:t>
             </a:fld>
             <a:endParaRPr lang="en-GB"/>
           </a:p>
@@ -2019,6 +1982,16 @@
               </a:rPr>
               <a:t>“</a:t>
             </a:r>
+            <a:endParaRPr lang="en-US" sz="8000" baseline="0" dirty="0">
+              <a:ln w="3175" cmpd="sng">
+                <a:noFill/>
+              </a:ln>
+              <a:solidFill>
+                <a:schemeClr val="accent1"/>
+              </a:solidFill>
+              <a:effectLst/>
+              <a:latin typeface="Arial"/>
+            </a:endParaRPr>
           </a:p>
         </p:txBody>
       </p:sp>
@@ -2057,15 +2030,20 @@
               </a:rPr>
               <a:t>”</a:t>
             </a:r>
+            <a:endParaRPr lang="en-US" sz="8000" baseline="0" dirty="0">
+              <a:ln w="3175" cmpd="sng">
+                <a:noFill/>
+              </a:ln>
+              <a:solidFill>
+                <a:schemeClr val="accent1"/>
+              </a:solidFill>
+              <a:effectLst/>
+              <a:latin typeface="Arial"/>
+            </a:endParaRPr>
           </a:p>
         </p:txBody>
       </p:sp>
     </p:spTree>
-    <p:extLst>
-      <p:ext uri="{BB962C8B-B14F-4D97-AF65-F5344CB8AC3E}">
-        <p14:creationId xmlns:p14="http://schemas.microsoft.com/office/powerpoint/2010/main" val="1665063847"/>
-      </p:ext>
-    </p:extLst>
   </p:cSld>
   <p:clrMapOvr>
     <a:masterClrMapping/>
@@ -2165,6 +2143,7 @@
               <a:rPr lang="en-US"/>
               <a:t>Edit Master text styles</a:t>
             </a:r>
+            <a:endParaRPr lang="en-US"/>
           </a:p>
         </p:txBody>
       </p:sp>
@@ -2185,7 +2164,6 @@
           <a:p>
             <a:fld id="{E0910086-ECD1-4273-BC0A-02990D5D5A20}" type="datetimeFigureOut">
               <a:rPr lang="en-GB" smtClean="0"/>
-              <a:t>01/11/2023</a:t>
             </a:fld>
             <a:endParaRPr lang="en-GB"/>
           </a:p>
@@ -2314,18 +2292,12 @@
           <a:p>
             <a:fld id="{A59CAE70-B2C8-4A4A-9721-5B5DC6EE2FF2}" type="slidenum">
               <a:rPr lang="en-GB" smtClean="0"/>
-              <a:t>‹#›</a:t>
             </a:fld>
             <a:endParaRPr lang="en-GB"/>
           </a:p>
         </p:txBody>
       </p:sp>
     </p:spTree>
-    <p:extLst>
-      <p:ext uri="{BB962C8B-B14F-4D97-AF65-F5344CB8AC3E}">
-        <p14:creationId xmlns:p14="http://schemas.microsoft.com/office/powerpoint/2010/main" val="3016979389"/>
-      </p:ext>
-    </p:extLst>
   </p:cSld>
   <p:clrMapOvr>
     <a:masterClrMapping/>
@@ -2441,6 +2413,7 @@
               <a:rPr lang="en-US"/>
               <a:t>Edit Master text styles</a:t>
             </a:r>
+            <a:endParaRPr lang="en-US"/>
           </a:p>
         </p:txBody>
       </p:sp>
@@ -2485,6 +2458,7 @@
               <a:rPr lang="en-US"/>
               <a:t>Edit Master text styles</a:t>
             </a:r>
+            <a:endParaRPr lang="en-US"/>
           </a:p>
         </p:txBody>
       </p:sp>
@@ -2505,7 +2479,6 @@
           <a:p>
             <a:fld id="{E0910086-ECD1-4273-BC0A-02990D5D5A20}" type="datetimeFigureOut">
               <a:rPr lang="en-GB" smtClean="0"/>
-              <a:t>01/11/2023</a:t>
             </a:fld>
             <a:endParaRPr lang="en-GB"/>
           </a:p>
@@ -2634,7 +2607,6 @@
           <a:p>
             <a:fld id="{A59CAE70-B2C8-4A4A-9721-5B5DC6EE2FF2}" type="slidenum">
               <a:rPr lang="en-GB" smtClean="0"/>
-              <a:t>‹#›</a:t>
             </a:fld>
             <a:endParaRPr lang="en-GB"/>
           </a:p>
@@ -2675,6 +2647,16 @@
               </a:rPr>
               <a:t>“</a:t>
             </a:r>
+            <a:endParaRPr lang="en-US" sz="8000" baseline="0" dirty="0">
+              <a:ln w="3175" cmpd="sng">
+                <a:noFill/>
+              </a:ln>
+              <a:solidFill>
+                <a:schemeClr val="accent1"/>
+              </a:solidFill>
+              <a:effectLst/>
+              <a:latin typeface="Arial"/>
+            </a:endParaRPr>
           </a:p>
         </p:txBody>
       </p:sp>
@@ -2713,15 +2695,20 @@
               </a:rPr>
               <a:t>”</a:t>
             </a:r>
+            <a:endParaRPr lang="en-US" sz="8000" baseline="0" dirty="0">
+              <a:ln w="3175" cmpd="sng">
+                <a:noFill/>
+              </a:ln>
+              <a:solidFill>
+                <a:schemeClr val="accent1"/>
+              </a:solidFill>
+              <a:effectLst/>
+              <a:latin typeface="Arial"/>
+            </a:endParaRPr>
           </a:p>
         </p:txBody>
       </p:sp>
     </p:spTree>
-    <p:extLst>
-      <p:ext uri="{BB962C8B-B14F-4D97-AF65-F5344CB8AC3E}">
-        <p14:creationId xmlns:p14="http://schemas.microsoft.com/office/powerpoint/2010/main" val="1247679333"/>
-      </p:ext>
-    </p:extLst>
   </p:cSld>
   <p:clrMapOvr>
     <a:masterClrMapping/>
@@ -2837,6 +2824,7 @@
               <a:rPr lang="en-US"/>
               <a:t>Edit Master text styles</a:t>
             </a:r>
+            <a:endParaRPr lang="en-US"/>
           </a:p>
         </p:txBody>
       </p:sp>
@@ -2881,6 +2869,7 @@
               <a:rPr lang="en-US"/>
               <a:t>Edit Master text styles</a:t>
             </a:r>
+            <a:endParaRPr lang="en-US"/>
           </a:p>
         </p:txBody>
       </p:sp>
@@ -2901,7 +2890,6 @@
           <a:p>
             <a:fld id="{E0910086-ECD1-4273-BC0A-02990D5D5A20}" type="datetimeFigureOut">
               <a:rPr lang="en-GB" smtClean="0"/>
-              <a:t>01/11/2023</a:t>
             </a:fld>
             <a:endParaRPr lang="en-GB"/>
           </a:p>
@@ -3030,18 +3018,12 @@
           <a:p>
             <a:fld id="{A59CAE70-B2C8-4A4A-9721-5B5DC6EE2FF2}" type="slidenum">
               <a:rPr lang="en-GB" smtClean="0"/>
-              <a:t>‹#›</a:t>
             </a:fld>
             <a:endParaRPr lang="en-GB"/>
           </a:p>
         </p:txBody>
       </p:sp>
     </p:spTree>
-    <p:extLst>
-      <p:ext uri="{BB962C8B-B14F-4D97-AF65-F5344CB8AC3E}">
-        <p14:creationId xmlns:p14="http://schemas.microsoft.com/office/powerpoint/2010/main" val="351010071"/>
-      </p:ext>
-    </p:extLst>
   </p:cSld>
   <p:clrMapOvr>
     <a:masterClrMapping/>
@@ -3109,6 +3091,7 @@
               <a:rPr lang="en-US"/>
               <a:t>Edit Master text styles</a:t>
             </a:r>
+            <a:endParaRPr lang="en-US"/>
           </a:p>
           <a:p>
             <a:pPr lvl="1"/>
@@ -3116,6 +3099,7 @@
               <a:rPr lang="en-US"/>
               <a:t>Second level</a:t>
             </a:r>
+            <a:endParaRPr lang="en-US"/>
           </a:p>
           <a:p>
             <a:pPr lvl="2"/>
@@ -3123,6 +3107,7 @@
               <a:rPr lang="en-US"/>
               <a:t>Third level</a:t>
             </a:r>
+            <a:endParaRPr lang="en-US"/>
           </a:p>
           <a:p>
             <a:pPr lvl="3"/>
@@ -3130,6 +3115,7 @@
               <a:rPr lang="en-US"/>
               <a:t>Fourth level</a:t>
             </a:r>
+            <a:endParaRPr lang="en-US"/>
           </a:p>
           <a:p>
             <a:pPr lvl="4"/>
@@ -3158,7 +3144,6 @@
           <a:p>
             <a:fld id="{E0910086-ECD1-4273-BC0A-02990D5D5A20}" type="datetimeFigureOut">
               <a:rPr lang="en-GB" smtClean="0"/>
-              <a:t>01/11/2023</a:t>
             </a:fld>
             <a:endParaRPr lang="en-GB"/>
           </a:p>
@@ -3282,18 +3267,12 @@
           <a:p>
             <a:fld id="{A59CAE70-B2C8-4A4A-9721-5B5DC6EE2FF2}" type="slidenum">
               <a:rPr lang="en-GB" smtClean="0"/>
-              <a:t>‹#›</a:t>
             </a:fld>
             <a:endParaRPr lang="en-GB"/>
           </a:p>
         </p:txBody>
       </p:sp>
     </p:spTree>
-    <p:extLst>
-      <p:ext uri="{BB962C8B-B14F-4D97-AF65-F5344CB8AC3E}">
-        <p14:creationId xmlns:p14="http://schemas.microsoft.com/office/powerpoint/2010/main" val="289966153"/>
-      </p:ext>
-    </p:extLst>
   </p:cSld>
   <p:clrMapOvr>
     <a:masterClrMapping/>
@@ -3371,6 +3350,7 @@
               <a:rPr lang="en-US"/>
               <a:t>Edit Master text styles</a:t>
             </a:r>
+            <a:endParaRPr lang="en-US"/>
           </a:p>
           <a:p>
             <a:pPr lvl="1"/>
@@ -3378,6 +3358,7 @@
               <a:rPr lang="en-US"/>
               <a:t>Second level</a:t>
             </a:r>
+            <a:endParaRPr lang="en-US"/>
           </a:p>
           <a:p>
             <a:pPr lvl="2"/>
@@ -3385,6 +3366,7 @@
               <a:rPr lang="en-US"/>
               <a:t>Third level</a:t>
             </a:r>
+            <a:endParaRPr lang="en-US"/>
           </a:p>
           <a:p>
             <a:pPr lvl="3"/>
@@ -3392,6 +3374,7 @@
               <a:rPr lang="en-US"/>
               <a:t>Fourth level</a:t>
             </a:r>
+            <a:endParaRPr lang="en-US"/>
           </a:p>
           <a:p>
             <a:pPr lvl="4"/>
@@ -3420,7 +3403,6 @@
           <a:p>
             <a:fld id="{E0910086-ECD1-4273-BC0A-02990D5D5A20}" type="datetimeFigureOut">
               <a:rPr lang="en-GB" smtClean="0"/>
-              <a:t>01/11/2023</a:t>
             </a:fld>
             <a:endParaRPr lang="en-GB"/>
           </a:p>
@@ -3544,18 +3526,12 @@
           <a:p>
             <a:fld id="{A59CAE70-B2C8-4A4A-9721-5B5DC6EE2FF2}" type="slidenum">
               <a:rPr lang="en-GB" smtClean="0"/>
-              <a:t>‹#›</a:t>
             </a:fld>
             <a:endParaRPr lang="en-GB"/>
           </a:p>
         </p:txBody>
       </p:sp>
     </p:spTree>
-    <p:extLst>
-      <p:ext uri="{BB962C8B-B14F-4D97-AF65-F5344CB8AC3E}">
-        <p14:creationId xmlns:p14="http://schemas.microsoft.com/office/powerpoint/2010/main" val="2875785969"/>
-      </p:ext>
-    </p:extLst>
   </p:cSld>
   <p:clrMapOvr>
     <a:masterClrMapping/>
@@ -3633,6 +3609,7 @@
               <a:rPr lang="en-US"/>
               <a:t>Edit Master text styles</a:t>
             </a:r>
+            <a:endParaRPr lang="en-US"/>
           </a:p>
           <a:p>
             <a:pPr lvl="1"/>
@@ -3640,6 +3617,7 @@
               <a:rPr lang="en-US"/>
               <a:t>Second level</a:t>
             </a:r>
+            <a:endParaRPr lang="en-US"/>
           </a:p>
           <a:p>
             <a:pPr lvl="2"/>
@@ -3647,6 +3625,7 @@
               <a:rPr lang="en-US"/>
               <a:t>Third level</a:t>
             </a:r>
+            <a:endParaRPr lang="en-US"/>
           </a:p>
           <a:p>
             <a:pPr lvl="3"/>
@@ -3654,6 +3633,7 @@
               <a:rPr lang="en-US"/>
               <a:t>Fourth level</a:t>
             </a:r>
+            <a:endParaRPr lang="en-US"/>
           </a:p>
           <a:p>
             <a:pPr lvl="4"/>
@@ -3682,7 +3662,6 @@
           <a:p>
             <a:fld id="{E0910086-ECD1-4273-BC0A-02990D5D5A20}" type="datetimeFigureOut">
               <a:rPr lang="en-GB" smtClean="0"/>
-              <a:t>01/11/2023</a:t>
             </a:fld>
             <a:endParaRPr lang="en-GB"/>
           </a:p>
@@ -3806,18 +3785,12 @@
           <a:p>
             <a:fld id="{A59CAE70-B2C8-4A4A-9721-5B5DC6EE2FF2}" type="slidenum">
               <a:rPr lang="en-GB" smtClean="0"/>
-              <a:t>‹#›</a:t>
             </a:fld>
             <a:endParaRPr lang="en-GB"/>
           </a:p>
         </p:txBody>
       </p:sp>
     </p:spTree>
-    <p:extLst>
-      <p:ext uri="{BB962C8B-B14F-4D97-AF65-F5344CB8AC3E}">
-        <p14:creationId xmlns:p14="http://schemas.microsoft.com/office/powerpoint/2010/main" val="2865234061"/>
-      </p:ext>
-    </p:extLst>
   </p:cSld>
   <p:clrMapOvr>
     <a:masterClrMapping/>
@@ -3991,6 +3964,7 @@
               <a:rPr lang="en-US"/>
               <a:t>Edit Master text styles</a:t>
             </a:r>
+            <a:endParaRPr lang="en-US"/>
           </a:p>
         </p:txBody>
       </p:sp>
@@ -4011,7 +3985,6 @@
           <a:p>
             <a:fld id="{E0910086-ECD1-4273-BC0A-02990D5D5A20}" type="datetimeFigureOut">
               <a:rPr lang="en-GB" smtClean="0"/>
-              <a:t>01/11/2023</a:t>
             </a:fld>
             <a:endParaRPr lang="en-GB"/>
           </a:p>
@@ -4140,18 +4113,12 @@
           <a:p>
             <a:fld id="{A59CAE70-B2C8-4A4A-9721-5B5DC6EE2FF2}" type="slidenum">
               <a:rPr lang="en-GB" smtClean="0"/>
-              <a:t>‹#›</a:t>
             </a:fld>
             <a:endParaRPr lang="en-GB"/>
           </a:p>
         </p:txBody>
       </p:sp>
     </p:spTree>
-    <p:extLst>
-      <p:ext uri="{BB962C8B-B14F-4D97-AF65-F5344CB8AC3E}">
-        <p14:creationId xmlns:p14="http://schemas.microsoft.com/office/powerpoint/2010/main" val="1699171281"/>
-      </p:ext>
-    </p:extLst>
   </p:cSld>
   <p:clrMapOvr>
     <a:masterClrMapping/>
@@ -4226,6 +4193,7 @@
               <a:rPr lang="en-US"/>
               <a:t>Edit Master text styles</a:t>
             </a:r>
+            <a:endParaRPr lang="en-US"/>
           </a:p>
           <a:p>
             <a:pPr lvl="1"/>
@@ -4233,6 +4201,7 @@
               <a:rPr lang="en-US"/>
               <a:t>Second level</a:t>
             </a:r>
+            <a:endParaRPr lang="en-US"/>
           </a:p>
           <a:p>
             <a:pPr lvl="2"/>
@@ -4240,6 +4209,7 @@
               <a:rPr lang="en-US"/>
               <a:t>Third level</a:t>
             </a:r>
+            <a:endParaRPr lang="en-US"/>
           </a:p>
           <a:p>
             <a:pPr lvl="3"/>
@@ -4247,6 +4217,7 @@
               <a:rPr lang="en-US"/>
               <a:t>Fourth level</a:t>
             </a:r>
+            <a:endParaRPr lang="en-US"/>
           </a:p>
           <a:p>
             <a:pPr lvl="4"/>
@@ -4285,6 +4256,7 @@
               <a:rPr lang="en-US"/>
               <a:t>Edit Master text styles</a:t>
             </a:r>
+            <a:endParaRPr lang="en-US"/>
           </a:p>
           <a:p>
             <a:pPr lvl="1"/>
@@ -4292,6 +4264,7 @@
               <a:rPr lang="en-US"/>
               <a:t>Second level</a:t>
             </a:r>
+            <a:endParaRPr lang="en-US"/>
           </a:p>
           <a:p>
             <a:pPr lvl="2"/>
@@ -4299,6 +4272,7 @@
               <a:rPr lang="en-US"/>
               <a:t>Third level</a:t>
             </a:r>
+            <a:endParaRPr lang="en-US"/>
           </a:p>
           <a:p>
             <a:pPr lvl="3"/>
@@ -4306,6 +4280,7 @@
               <a:rPr lang="en-US"/>
               <a:t>Fourth level</a:t>
             </a:r>
+            <a:endParaRPr lang="en-US"/>
           </a:p>
           <a:p>
             <a:pPr lvl="4"/>
@@ -4334,7 +4309,6 @@
           <a:p>
             <a:fld id="{E0910086-ECD1-4273-BC0A-02990D5D5A20}" type="datetimeFigureOut">
               <a:rPr lang="en-GB" smtClean="0"/>
-              <a:t>01/11/2023</a:t>
             </a:fld>
             <a:endParaRPr lang="en-GB"/>
           </a:p>
@@ -4463,18 +4437,12 @@
           <a:p>
             <a:fld id="{A59CAE70-B2C8-4A4A-9721-5B5DC6EE2FF2}" type="slidenum">
               <a:rPr lang="en-GB" smtClean="0"/>
-              <a:t>‹#›</a:t>
             </a:fld>
             <a:endParaRPr lang="en-GB"/>
           </a:p>
         </p:txBody>
       </p:sp>
     </p:spTree>
-    <p:extLst>
-      <p:ext uri="{BB962C8B-B14F-4D97-AF65-F5344CB8AC3E}">
-        <p14:creationId xmlns:p14="http://schemas.microsoft.com/office/powerpoint/2010/main" val="801431104"/>
-      </p:ext>
-    </p:extLst>
   </p:cSld>
   <p:clrMapOvr>
     <a:masterClrMapping/>
@@ -4586,6 +4554,7 @@
               <a:rPr lang="en-US"/>
               <a:t>Edit Master text styles</a:t>
             </a:r>
+            <a:endParaRPr lang="en-US"/>
           </a:p>
         </p:txBody>
       </p:sp>
@@ -4616,6 +4585,7 @@
               <a:rPr lang="en-US"/>
               <a:t>Edit Master text styles</a:t>
             </a:r>
+            <a:endParaRPr lang="en-US"/>
           </a:p>
           <a:p>
             <a:pPr lvl="1"/>
@@ -4623,6 +4593,7 @@
               <a:rPr lang="en-US"/>
               <a:t>Second level</a:t>
             </a:r>
+            <a:endParaRPr lang="en-US"/>
           </a:p>
           <a:p>
             <a:pPr lvl="2"/>
@@ -4630,6 +4601,7 @@
               <a:rPr lang="en-US"/>
               <a:t>Third level</a:t>
             </a:r>
+            <a:endParaRPr lang="en-US"/>
           </a:p>
           <a:p>
             <a:pPr lvl="3"/>
@@ -4637,6 +4609,7 @@
               <a:rPr lang="en-US"/>
               <a:t>Fourth level</a:t>
             </a:r>
+            <a:endParaRPr lang="en-US"/>
           </a:p>
           <a:p>
             <a:pPr lvl="4"/>
@@ -4712,6 +4685,7 @@
               <a:rPr lang="en-US"/>
               <a:t>Edit Master text styles</a:t>
             </a:r>
+            <a:endParaRPr lang="en-US"/>
           </a:p>
         </p:txBody>
       </p:sp>
@@ -4742,6 +4716,7 @@
               <a:rPr lang="en-US"/>
               <a:t>Edit Master text styles</a:t>
             </a:r>
+            <a:endParaRPr lang="en-US"/>
           </a:p>
           <a:p>
             <a:pPr lvl="1"/>
@@ -4749,6 +4724,7 @@
               <a:rPr lang="en-US"/>
               <a:t>Second level</a:t>
             </a:r>
+            <a:endParaRPr lang="en-US"/>
           </a:p>
           <a:p>
             <a:pPr lvl="2"/>
@@ -4756,6 +4732,7 @@
               <a:rPr lang="en-US"/>
               <a:t>Third level</a:t>
             </a:r>
+            <a:endParaRPr lang="en-US"/>
           </a:p>
           <a:p>
             <a:pPr lvl="3"/>
@@ -4763,6 +4740,7 @@
               <a:rPr lang="en-US"/>
               <a:t>Fourth level</a:t>
             </a:r>
+            <a:endParaRPr lang="en-US"/>
           </a:p>
           <a:p>
             <a:pPr lvl="4"/>
@@ -4791,7 +4769,6 @@
           <a:p>
             <a:fld id="{E0910086-ECD1-4273-BC0A-02990D5D5A20}" type="datetimeFigureOut">
               <a:rPr lang="en-GB" smtClean="0"/>
-              <a:t>01/11/2023</a:t>
             </a:fld>
             <a:endParaRPr lang="en-GB"/>
           </a:p>
@@ -4920,18 +4897,12 @@
           <a:p>
             <a:fld id="{A59CAE70-B2C8-4A4A-9721-5B5DC6EE2FF2}" type="slidenum">
               <a:rPr lang="en-GB" smtClean="0"/>
-              <a:t>‹#›</a:t>
             </a:fld>
             <a:endParaRPr lang="en-GB"/>
           </a:p>
         </p:txBody>
       </p:sp>
     </p:spTree>
-    <p:extLst>
-      <p:ext uri="{BB962C8B-B14F-4D97-AF65-F5344CB8AC3E}">
-        <p14:creationId xmlns:p14="http://schemas.microsoft.com/office/powerpoint/2010/main" val="2557168679"/>
-      </p:ext>
-    </p:extLst>
   </p:cSld>
   <p:clrMapOvr>
     <a:masterClrMapping/>
@@ -4996,7 +4967,6 @@
           <a:p>
             <a:fld id="{E0910086-ECD1-4273-BC0A-02990D5D5A20}" type="datetimeFigureOut">
               <a:rPr lang="en-GB" smtClean="0"/>
-              <a:t>01/11/2023</a:t>
             </a:fld>
             <a:endParaRPr lang="en-GB"/>
           </a:p>
@@ -5120,18 +5090,12 @@
           <a:p>
             <a:fld id="{A59CAE70-B2C8-4A4A-9721-5B5DC6EE2FF2}" type="slidenum">
               <a:rPr lang="en-GB" smtClean="0"/>
-              <a:t>‹#›</a:t>
             </a:fld>
             <a:endParaRPr lang="en-GB"/>
           </a:p>
         </p:txBody>
       </p:sp>
     </p:spTree>
-    <p:extLst>
-      <p:ext uri="{BB962C8B-B14F-4D97-AF65-F5344CB8AC3E}">
-        <p14:creationId xmlns:p14="http://schemas.microsoft.com/office/powerpoint/2010/main" val="2207196956"/>
-      </p:ext>
-    </p:extLst>
   </p:cSld>
   <p:clrMapOvr>
     <a:masterClrMapping/>
@@ -5173,7 +5137,6 @@
           <a:p>
             <a:fld id="{E0910086-ECD1-4273-BC0A-02990D5D5A20}" type="datetimeFigureOut">
               <a:rPr lang="en-GB" smtClean="0"/>
-              <a:t>01/11/2023</a:t>
             </a:fld>
             <a:endParaRPr lang="en-GB"/>
           </a:p>
@@ -5297,18 +5260,12 @@
           <a:p>
             <a:fld id="{A59CAE70-B2C8-4A4A-9721-5B5DC6EE2FF2}" type="slidenum">
               <a:rPr lang="en-GB" smtClean="0"/>
-              <a:t>‹#›</a:t>
             </a:fld>
             <a:endParaRPr lang="en-GB"/>
           </a:p>
         </p:txBody>
       </p:sp>
     </p:spTree>
-    <p:extLst>
-      <p:ext uri="{BB962C8B-B14F-4D97-AF65-F5344CB8AC3E}">
-        <p14:creationId xmlns:p14="http://schemas.microsoft.com/office/powerpoint/2010/main" val="3562618580"/>
-      </p:ext>
-    </p:extLst>
   </p:cSld>
   <p:clrMapOvr>
     <a:masterClrMapping/>
@@ -5392,6 +5349,7 @@
               <a:rPr lang="en-US"/>
               <a:t>Edit Master text styles</a:t>
             </a:r>
+            <a:endParaRPr lang="en-US"/>
           </a:p>
           <a:p>
             <a:pPr lvl="1"/>
@@ -5399,6 +5357,7 @@
               <a:rPr lang="en-US"/>
               <a:t>Second level</a:t>
             </a:r>
+            <a:endParaRPr lang="en-US"/>
           </a:p>
           <a:p>
             <a:pPr lvl="2"/>
@@ -5406,6 +5365,7 @@
               <a:rPr lang="en-US"/>
               <a:t>Third level</a:t>
             </a:r>
+            <a:endParaRPr lang="en-US"/>
           </a:p>
           <a:p>
             <a:pPr lvl="3"/>
@@ -5413,6 +5373,7 @@
               <a:rPr lang="en-US"/>
               <a:t>Fourth level</a:t>
             </a:r>
+            <a:endParaRPr lang="en-US"/>
           </a:p>
           <a:p>
             <a:pPr lvl="4"/>
@@ -5486,6 +5447,7 @@
               <a:rPr lang="en-US"/>
               <a:t>Edit Master text styles</a:t>
             </a:r>
+            <a:endParaRPr lang="en-US"/>
           </a:p>
         </p:txBody>
       </p:sp>
@@ -5506,7 +5468,6 @@
           <a:p>
             <a:fld id="{E0910086-ECD1-4273-BC0A-02990D5D5A20}" type="datetimeFigureOut">
               <a:rPr lang="en-GB" smtClean="0"/>
-              <a:t>01/11/2023</a:t>
             </a:fld>
             <a:endParaRPr lang="en-GB"/>
           </a:p>
@@ -5630,18 +5591,12 @@
           <a:p>
             <a:fld id="{A59CAE70-B2C8-4A4A-9721-5B5DC6EE2FF2}" type="slidenum">
               <a:rPr lang="en-GB" smtClean="0"/>
-              <a:t>‹#›</a:t>
             </a:fld>
             <a:endParaRPr lang="en-GB"/>
           </a:p>
         </p:txBody>
       </p:sp>
     </p:spTree>
-    <p:extLst>
-      <p:ext uri="{BB962C8B-B14F-4D97-AF65-F5344CB8AC3E}">
-        <p14:creationId xmlns:p14="http://schemas.microsoft.com/office/powerpoint/2010/main" val="2119719911"/>
-      </p:ext>
-    </p:extLst>
   </p:cSld>
   <p:clrMapOvr>
     <a:masterClrMapping/>
@@ -5831,6 +5786,7 @@
               <a:rPr lang="en-US"/>
               <a:t>Edit Master text styles</a:t>
             </a:r>
+            <a:endParaRPr lang="en-US"/>
           </a:p>
         </p:txBody>
       </p:sp>
@@ -5851,7 +5807,6 @@
           <a:p>
             <a:fld id="{E0910086-ECD1-4273-BC0A-02990D5D5A20}" type="datetimeFigureOut">
               <a:rPr lang="en-GB" smtClean="0"/>
-              <a:t>01/11/2023</a:t>
             </a:fld>
             <a:endParaRPr lang="en-GB"/>
           </a:p>
@@ -5980,18 +5935,12 @@
           <a:p>
             <a:fld id="{A59CAE70-B2C8-4A4A-9721-5B5DC6EE2FF2}" type="slidenum">
               <a:rPr lang="en-GB" smtClean="0"/>
-              <a:t>‹#›</a:t>
             </a:fld>
             <a:endParaRPr lang="en-GB"/>
           </a:p>
         </p:txBody>
       </p:sp>
     </p:spTree>
-    <p:extLst>
-      <p:ext uri="{BB962C8B-B14F-4D97-AF65-F5344CB8AC3E}">
-        <p14:creationId xmlns:p14="http://schemas.microsoft.com/office/powerpoint/2010/main" val="1247948444"/>
-      </p:ext>
-    </p:extLst>
   </p:cSld>
   <p:clrMapOvr>
     <a:masterClrMapping/>
@@ -7901,6 +7850,7 @@
               <a:rPr lang="en-US"/>
               <a:t>Edit Master text styles</a:t>
             </a:r>
+            <a:endParaRPr lang="en-US"/>
           </a:p>
           <a:p>
             <a:pPr lvl="1"/>
@@ -7908,6 +7858,7 @@
               <a:rPr lang="en-US"/>
               <a:t>Second level</a:t>
             </a:r>
+            <a:endParaRPr lang="en-US"/>
           </a:p>
           <a:p>
             <a:pPr lvl="2"/>
@@ -7915,6 +7866,7 @@
               <a:rPr lang="en-US"/>
               <a:t>Third level</a:t>
             </a:r>
+            <a:endParaRPr lang="en-US"/>
           </a:p>
           <a:p>
             <a:pPr lvl="3"/>
@@ -7922,6 +7874,7 @@
               <a:rPr lang="en-US"/>
               <a:t>Fourth level</a:t>
             </a:r>
+            <a:endParaRPr lang="en-US"/>
           </a:p>
           <a:p>
             <a:pPr lvl="4"/>
@@ -7968,7 +7921,6 @@
           <a:p>
             <a:fld id="{E0910086-ECD1-4273-BC0A-02990D5D5A20}" type="datetimeFigureOut">
               <a:rPr lang="en-GB" smtClean="0"/>
-              <a:t>01/11/2023</a:t>
             </a:fld>
             <a:endParaRPr lang="en-GB"/>
           </a:p>
@@ -8044,37 +7996,31 @@
           <a:p>
             <a:fld id="{A59CAE70-B2C8-4A4A-9721-5B5DC6EE2FF2}" type="slidenum">
               <a:rPr lang="en-GB" smtClean="0"/>
-              <a:t>‹#›</a:t>
             </a:fld>
             <a:endParaRPr lang="en-GB"/>
           </a:p>
         </p:txBody>
       </p:sp>
     </p:spTree>
-    <p:extLst>
-      <p:ext uri="{BB962C8B-B14F-4D97-AF65-F5344CB8AC3E}">
-        <p14:creationId xmlns:p14="http://schemas.microsoft.com/office/powerpoint/2010/main" val="81709128"/>
-      </p:ext>
-    </p:extLst>
   </p:cSld>
   <p:clrMap bg1="lt1" tx1="dk1" bg2="lt2" tx2="dk2" accent1="accent1" accent2="accent2" accent3="accent3" accent4="accent4" accent5="accent5" accent6="accent6" hlink="hlink" folHlink="folHlink"/>
   <p:sldLayoutIdLst>
-    <p:sldLayoutId id="2147483661" r:id="rId1"/>
-    <p:sldLayoutId id="2147483662" r:id="rId2"/>
-    <p:sldLayoutId id="2147483663" r:id="rId3"/>
-    <p:sldLayoutId id="2147483664" r:id="rId4"/>
-    <p:sldLayoutId id="2147483665" r:id="rId5"/>
-    <p:sldLayoutId id="2147483666" r:id="rId6"/>
-    <p:sldLayoutId id="2147483667" r:id="rId7"/>
-    <p:sldLayoutId id="2147483668" r:id="rId8"/>
-    <p:sldLayoutId id="2147483669" r:id="rId9"/>
-    <p:sldLayoutId id="2147483670" r:id="rId10"/>
-    <p:sldLayoutId id="2147483671" r:id="rId11"/>
-    <p:sldLayoutId id="2147483672" r:id="rId12"/>
-    <p:sldLayoutId id="2147483673" r:id="rId13"/>
-    <p:sldLayoutId id="2147483674" r:id="rId14"/>
-    <p:sldLayoutId id="2147483675" r:id="rId15"/>
-    <p:sldLayoutId id="2147483676" r:id="rId16"/>
+    <p:sldLayoutId id="2147483649" r:id="rId1"/>
+    <p:sldLayoutId id="2147483650" r:id="rId2"/>
+    <p:sldLayoutId id="2147483651" r:id="rId3"/>
+    <p:sldLayoutId id="2147483652" r:id="rId4"/>
+    <p:sldLayoutId id="2147483653" r:id="rId5"/>
+    <p:sldLayoutId id="2147483654" r:id="rId6"/>
+    <p:sldLayoutId id="2147483655" r:id="rId7"/>
+    <p:sldLayoutId id="2147483656" r:id="rId8"/>
+    <p:sldLayoutId id="2147483657" r:id="rId9"/>
+    <p:sldLayoutId id="2147483658" r:id="rId10"/>
+    <p:sldLayoutId id="2147483659" r:id="rId11"/>
+    <p:sldLayoutId id="2147483660" r:id="rId12"/>
+    <p:sldLayoutId id="2147483661" r:id="rId13"/>
+    <p:sldLayoutId id="2147483662" r:id="rId14"/>
+    <p:sldLayoutId id="2147483663" r:id="rId15"/>
+    <p:sldLayoutId id="2147483664" r:id="rId16"/>
   </p:sldLayoutIdLst>
   <p:txStyles>
     <p:titleStyle>
@@ -8488,13 +8434,7 @@
       </p:grpSpPr>
       <p:sp>
         <p:nvSpPr>
-          <p:cNvPr id="2" name="Title 1">
-            <a:extLst>
-              <a:ext uri="{FF2B5EF4-FFF2-40B4-BE49-F238E27FC236}">
-                <a16:creationId xmlns:a16="http://schemas.microsoft.com/office/drawing/2014/main" id="{AC5C1698-AD8C-419F-B746-D7EB96BE9BED}"/>
-              </a:ext>
-            </a:extLst>
-          </p:cNvPr>
+          <p:cNvPr id="2" name="Title 1"/>
           <p:cNvSpPr>
             <a:spLocks noGrp="1"/>
           </p:cNvSpPr>
@@ -8513,13 +8453,7 @@
       </p:sp>
       <p:sp>
         <p:nvSpPr>
-          <p:cNvPr id="3" name="Subtitle 2">
-            <a:extLst>
-              <a:ext uri="{FF2B5EF4-FFF2-40B4-BE49-F238E27FC236}">
-                <a16:creationId xmlns:a16="http://schemas.microsoft.com/office/drawing/2014/main" id="{55E45098-A3DF-4DF5-8DFC-287D91E43655}"/>
-              </a:ext>
-            </a:extLst>
-          </p:cNvPr>
+          <p:cNvPr id="3" name="Subtitle 2"/>
           <p:cNvSpPr>
             <a:spLocks noGrp="1"/>
           </p:cNvSpPr>
@@ -8537,11 +8471,6 @@
         </p:txBody>
       </p:sp>
     </p:spTree>
-    <p:extLst>
-      <p:ext uri="{BB962C8B-B14F-4D97-AF65-F5344CB8AC3E}">
-        <p14:creationId xmlns:p14="http://schemas.microsoft.com/office/powerpoint/2010/main" val="951809786"/>
-      </p:ext>
-    </p:extLst>
   </p:cSld>
   <p:clrMapOvr>
     <a:masterClrMapping/>
@@ -8568,13 +8497,7 @@
       </p:grpSpPr>
       <p:sp>
         <p:nvSpPr>
-          <p:cNvPr id="2" name="Title 1">
-            <a:extLst>
-              <a:ext uri="{FF2B5EF4-FFF2-40B4-BE49-F238E27FC236}">
-                <a16:creationId xmlns:a16="http://schemas.microsoft.com/office/drawing/2014/main" id="{200EE9B7-A296-4807-9F46-17560215E39E}"/>
-              </a:ext>
-            </a:extLst>
-          </p:cNvPr>
+          <p:cNvPr id="2" name="Title 1"/>
           <p:cNvSpPr>
             <a:spLocks noGrp="1"/>
           </p:cNvSpPr>
@@ -8596,18 +8519,13 @@
               <a:rPr lang="en-GB" dirty="0"/>
               <a:t>Access Control Policy</a:t>
             </a:r>
-          </a:p>
-        </p:txBody>
-      </p:sp>
-      <p:sp>
-        <p:nvSpPr>
-          <p:cNvPr id="3" name="Content Placeholder 2">
-            <a:extLst>
-              <a:ext uri="{FF2B5EF4-FFF2-40B4-BE49-F238E27FC236}">
-                <a16:creationId xmlns:a16="http://schemas.microsoft.com/office/drawing/2014/main" id="{C8335428-18B7-4AAF-9776-A0D36651B34F}"/>
-              </a:ext>
-            </a:extLst>
-          </p:cNvPr>
+            <a:endParaRPr lang="en-GB" dirty="0"/>
+          </a:p>
+        </p:txBody>
+      </p:sp>
+      <p:sp>
+        <p:nvSpPr>
+          <p:cNvPr id="3" name="Content Placeholder 2"/>
           <p:cNvSpPr>
             <a:spLocks noGrp="1"/>
           </p:cNvSpPr>
@@ -8632,6 +8550,7 @@
               <a:rPr lang="en-US" dirty="0"/>
               <a:t>Data in motion refers to data moving between two parties, meaning it is in transit. When in this state, the data is subject to higher risk because it goes outside of the security perimeter where the data owner might not have control. End-to-end encryption and VPN technologies are usually used to protect data in motion.</a:t>
             </a:r>
+            <a:endParaRPr lang="en-US" dirty="0"/>
           </a:p>
           <a:p>
             <a:pPr lvl="1" algn="just"/>
@@ -8652,11 +8571,6 @@
         </p:txBody>
       </p:sp>
     </p:spTree>
-    <p:extLst>
-      <p:ext uri="{BB962C8B-B14F-4D97-AF65-F5344CB8AC3E}">
-        <p14:creationId xmlns:p14="http://schemas.microsoft.com/office/powerpoint/2010/main" val="975429052"/>
-      </p:ext>
-    </p:extLst>
   </p:cSld>
   <p:clrMapOvr>
     <a:masterClrMapping/>
@@ -8683,13 +8597,7 @@
       </p:grpSpPr>
       <p:sp>
         <p:nvSpPr>
-          <p:cNvPr id="2" name="Title 1">
-            <a:extLst>
-              <a:ext uri="{FF2B5EF4-FFF2-40B4-BE49-F238E27FC236}">
-                <a16:creationId xmlns:a16="http://schemas.microsoft.com/office/drawing/2014/main" id="{18748886-0762-45D0-81ED-F32C5BEBE16D}"/>
-              </a:ext>
-            </a:extLst>
-          </p:cNvPr>
+          <p:cNvPr id="2" name="Title 1"/>
           <p:cNvSpPr>
             <a:spLocks noGrp="1"/>
           </p:cNvSpPr>
@@ -8711,18 +8619,13 @@
               <a:rPr lang="en-GB" dirty="0"/>
               <a:t>Data Disposal</a:t>
             </a:r>
-          </a:p>
-        </p:txBody>
-      </p:sp>
-      <p:sp>
-        <p:nvSpPr>
-          <p:cNvPr id="3" name="Content Placeholder 2">
-            <a:extLst>
-              <a:ext uri="{FF2B5EF4-FFF2-40B4-BE49-F238E27FC236}">
-                <a16:creationId xmlns:a16="http://schemas.microsoft.com/office/drawing/2014/main" id="{6C9F4BFC-FBA1-4F9B-9472-FD87B3232FAE}"/>
-              </a:ext>
-            </a:extLst>
-          </p:cNvPr>
+            <a:endParaRPr lang="en-GB" dirty="0"/>
+          </a:p>
+        </p:txBody>
+      </p:sp>
+      <p:sp>
+        <p:nvSpPr>
+          <p:cNvPr id="3" name="Content Placeholder 2"/>
           <p:cNvSpPr>
             <a:spLocks noGrp="1"/>
           </p:cNvSpPr>
@@ -8747,6 +8650,7 @@
               <a:rPr lang="en-US" dirty="0"/>
               <a:t>An access control process should include information on how to dispose of an asset or data once it is not needed anymore, as defined by the organization’s data retention policy.</a:t>
             </a:r>
+            <a:endParaRPr lang="en-US" dirty="0"/>
           </a:p>
           <a:p>
             <a:pPr algn="just"/>
@@ -8758,6 +8662,7 @@
               <a:rPr lang="en-US" dirty="0"/>
               <a:t>Data disposal may take several steps and use different technology. </a:t>
             </a:r>
+            <a:endParaRPr lang="en-US" dirty="0"/>
           </a:p>
           <a:p>
             <a:pPr algn="just"/>
@@ -8769,6 +8674,7 @@
               <a:rPr lang="en-US" dirty="0"/>
               <a:t>In fact, having a strong process for disposing data is equally important as setting up a process to protect the data when still in use. For example, one type of technique malicious actors use is called dumpster diving. </a:t>
             </a:r>
+            <a:endParaRPr lang="en-US" dirty="0"/>
           </a:p>
           <a:p>
             <a:pPr algn="just"/>
@@ -8785,11 +8691,6 @@
         </p:txBody>
       </p:sp>
     </p:spTree>
-    <p:extLst>
-      <p:ext uri="{BB962C8B-B14F-4D97-AF65-F5344CB8AC3E}">
-        <p14:creationId xmlns:p14="http://schemas.microsoft.com/office/powerpoint/2010/main" val="3896016634"/>
-      </p:ext>
-    </p:extLst>
   </p:cSld>
   <p:clrMapOvr>
     <a:masterClrMapping/>
@@ -8816,13 +8717,7 @@
       </p:grpSpPr>
       <p:sp>
         <p:nvSpPr>
-          <p:cNvPr id="2" name="Title 1">
-            <a:extLst>
-              <a:ext uri="{FF2B5EF4-FFF2-40B4-BE49-F238E27FC236}">
-                <a16:creationId xmlns:a16="http://schemas.microsoft.com/office/drawing/2014/main" id="{EBDC5EDD-8B28-42C2-A981-9391657EAEDD}"/>
-              </a:ext>
-            </a:extLst>
-          </p:cNvPr>
+          <p:cNvPr id="2" name="Title 1"/>
           <p:cNvSpPr>
             <a:spLocks noGrp="1"/>
           </p:cNvSpPr>
@@ -8844,18 +8739,13 @@
               <a:rPr lang="en-GB" dirty="0"/>
               <a:t>Data Disposal</a:t>
             </a:r>
-          </a:p>
-        </p:txBody>
-      </p:sp>
-      <p:sp>
-        <p:nvSpPr>
-          <p:cNvPr id="3" name="Content Placeholder 2">
-            <a:extLst>
-              <a:ext uri="{FF2B5EF4-FFF2-40B4-BE49-F238E27FC236}">
-                <a16:creationId xmlns:a16="http://schemas.microsoft.com/office/drawing/2014/main" id="{D04250FD-FD14-4A37-A9AA-E5BBC8DD7041}"/>
-              </a:ext>
-            </a:extLst>
-          </p:cNvPr>
+            <a:endParaRPr lang="en-GB" dirty="0"/>
+          </a:p>
+        </p:txBody>
+      </p:sp>
+      <p:sp>
+        <p:nvSpPr>
+          <p:cNvPr id="3" name="Content Placeholder 2"/>
           <p:cNvSpPr>
             <a:spLocks noGrp="1"/>
           </p:cNvSpPr>
@@ -8880,6 +8770,7 @@
               <a:rPr lang="en-US" dirty="0"/>
               <a:t>Depending on the classification level, data may be subject to sanitization before it can be disposed. </a:t>
             </a:r>
+            <a:endParaRPr lang="en-US" dirty="0"/>
           </a:p>
           <a:p>
             <a:pPr algn="just"/>
@@ -8891,6 +8782,7 @@
               <a:rPr lang="en-US" dirty="0"/>
               <a:t>Sanitization methods include the following: </a:t>
             </a:r>
+            <a:endParaRPr lang="en-US" dirty="0"/>
           </a:p>
           <a:p>
             <a:pPr lvl="1" algn="just"/>
@@ -8898,6 +8790,7 @@
               <a:rPr lang="en-US" dirty="0"/>
               <a:t>Clearing: This technique should ensure protection against simple and noninvasive data recovery techniques.</a:t>
             </a:r>
+            <a:endParaRPr lang="en-US" dirty="0"/>
           </a:p>
           <a:p>
             <a:pPr lvl="1" algn="just"/>
@@ -8905,6 +8798,7 @@
               <a:rPr lang="en-US" dirty="0"/>
               <a:t>Purging: This technique should ensure protection against recovery attempts using state-of-the-art laboratory techniques. </a:t>
             </a:r>
+            <a:endParaRPr lang="en-US" dirty="0"/>
           </a:p>
           <a:p>
             <a:pPr lvl="1" algn="just"/>
@@ -8917,11 +8811,6 @@
         </p:txBody>
       </p:sp>
     </p:spTree>
-    <p:extLst>
-      <p:ext uri="{BB962C8B-B14F-4D97-AF65-F5344CB8AC3E}">
-        <p14:creationId xmlns:p14="http://schemas.microsoft.com/office/powerpoint/2010/main" val="2808325211"/>
-      </p:ext>
-    </p:extLst>
   </p:cSld>
   <p:clrMapOvr>
     <a:masterClrMapping/>
@@ -8948,13 +8837,7 @@
       </p:grpSpPr>
       <p:sp>
         <p:nvSpPr>
-          <p:cNvPr id="2" name="Title 1">
-            <a:extLst>
-              <a:ext uri="{FF2B5EF4-FFF2-40B4-BE49-F238E27FC236}">
-                <a16:creationId xmlns:a16="http://schemas.microsoft.com/office/drawing/2014/main" id="{08B0DFCF-7098-481C-B6C3-ED0686AA0528}"/>
-              </a:ext>
-            </a:extLst>
-          </p:cNvPr>
+          <p:cNvPr id="2" name="Title 1"/>
           <p:cNvSpPr>
             <a:spLocks noGrp="1"/>
           </p:cNvSpPr>
@@ -8971,18 +8854,13 @@
               <a:rPr lang="en-GB" dirty="0"/>
               <a:t>Types of Access Control</a:t>
             </a:r>
-          </a:p>
-        </p:txBody>
-      </p:sp>
-      <p:sp>
-        <p:nvSpPr>
-          <p:cNvPr id="3" name="Content Placeholder 2">
-            <a:extLst>
-              <a:ext uri="{FF2B5EF4-FFF2-40B4-BE49-F238E27FC236}">
-                <a16:creationId xmlns:a16="http://schemas.microsoft.com/office/drawing/2014/main" id="{6385DC9A-32DD-464A-BDEB-81EC2DC9A92C}"/>
-              </a:ext>
-            </a:extLst>
-          </p:cNvPr>
+            <a:endParaRPr lang="en-GB" dirty="0"/>
+          </a:p>
+        </p:txBody>
+      </p:sp>
+      <p:sp>
+        <p:nvSpPr>
+          <p:cNvPr id="3" name="Content Placeholder 2"/>
           <p:cNvSpPr>
             <a:spLocks noGrp="1"/>
           </p:cNvSpPr>
@@ -9000,6 +8878,7 @@
               <a:rPr lang="en-US" dirty="0"/>
               <a:t>There are several types of access controls. However, they can be classified into three main categories:</a:t>
             </a:r>
+            <a:endParaRPr lang="en-US" dirty="0"/>
           </a:p>
           <a:p>
             <a:pPr lvl="1" algn="just"/>
@@ -9007,6 +8886,7 @@
               <a:rPr lang="en-US" dirty="0"/>
               <a:t>Administrative controls</a:t>
             </a:r>
+            <a:endParaRPr lang="en-US" dirty="0"/>
           </a:p>
           <a:p>
             <a:pPr lvl="1" algn="just"/>
@@ -9014,6 +8894,7 @@
               <a:rPr lang="en-US" dirty="0"/>
               <a:t>Physical controls</a:t>
             </a:r>
+            <a:endParaRPr lang="en-US" dirty="0"/>
           </a:p>
           <a:p>
             <a:pPr lvl="1" algn="just"/>
@@ -9021,6 +8902,7 @@
               <a:rPr lang="en-US" dirty="0"/>
               <a:t>Technical controls</a:t>
             </a:r>
+            <a:endParaRPr lang="en-US" dirty="0"/>
           </a:p>
           <a:p>
             <a:pPr algn="just"/>
@@ -9033,11 +8915,6 @@
         </p:txBody>
       </p:sp>
     </p:spTree>
-    <p:extLst>
-      <p:ext uri="{BB962C8B-B14F-4D97-AF65-F5344CB8AC3E}">
-        <p14:creationId xmlns:p14="http://schemas.microsoft.com/office/powerpoint/2010/main" val="2980915822"/>
-      </p:ext>
-    </p:extLst>
   </p:cSld>
   <p:clrMapOvr>
     <a:masterClrMapping/>
@@ -9064,13 +8941,7 @@
       </p:grpSpPr>
       <p:sp>
         <p:nvSpPr>
-          <p:cNvPr id="2" name="Title 1">
-            <a:extLst>
-              <a:ext uri="{FF2B5EF4-FFF2-40B4-BE49-F238E27FC236}">
-                <a16:creationId xmlns:a16="http://schemas.microsoft.com/office/drawing/2014/main" id="{42DEB363-5A5D-46F4-8F53-9467575AB456}"/>
-              </a:ext>
-            </a:extLst>
-          </p:cNvPr>
+          <p:cNvPr id="2" name="Title 1"/>
           <p:cNvSpPr>
             <a:spLocks noGrp="1"/>
           </p:cNvSpPr>
@@ -9094,18 +8965,13 @@
               <a:rPr lang="en-GB" dirty="0"/>
               <a:t>Administrative Controls</a:t>
             </a:r>
-          </a:p>
-        </p:txBody>
-      </p:sp>
-      <p:sp>
-        <p:nvSpPr>
-          <p:cNvPr id="3" name="Content Placeholder 2">
-            <a:extLst>
-              <a:ext uri="{FF2B5EF4-FFF2-40B4-BE49-F238E27FC236}">
-                <a16:creationId xmlns:a16="http://schemas.microsoft.com/office/drawing/2014/main" id="{768B09AB-4C47-460C-B7F3-C62AB7AE3EF1}"/>
-              </a:ext>
-            </a:extLst>
-          </p:cNvPr>
+            <a:endParaRPr lang="en-GB" dirty="0"/>
+          </a:p>
+        </p:txBody>
+      </p:sp>
+      <p:sp>
+        <p:nvSpPr>
+          <p:cNvPr id="3" name="Content Placeholder 2"/>
           <p:cNvSpPr>
             <a:spLocks noGrp="1"/>
           </p:cNvSpPr>
@@ -9130,6 +8996,7 @@
               <a:rPr lang="en-US" dirty="0"/>
               <a:t>Administrative controls, sometime called management controls, these include the policies, procedures around the definition of access controls, definitions of information classifications, roles and responsibilities, and in general anything that is needed to manage access control from the administrative point of view. </a:t>
             </a:r>
+            <a:endParaRPr lang="en-US" dirty="0"/>
           </a:p>
           <a:p>
             <a:pPr algn="just"/>
@@ -9141,6 +9008,7 @@
               <a:rPr lang="en-US" dirty="0"/>
               <a:t>Administrative controls are usually directly overseen by senior management. Administrative controls include the following subcategories:</a:t>
             </a:r>
+            <a:endParaRPr lang="en-US" dirty="0"/>
           </a:p>
           <a:p>
             <a:pPr lvl="1" algn="just"/>
@@ -9148,6 +9016,7 @@
               <a:rPr lang="en-US" dirty="0"/>
               <a:t>Operational and security policies and procedures</a:t>
             </a:r>
+            <a:endParaRPr lang="en-US" dirty="0"/>
           </a:p>
           <a:p>
             <a:pPr lvl="1" algn="just"/>
@@ -9155,6 +9024,7 @@
               <a:rPr lang="en-US" dirty="0"/>
               <a:t>Policies around personnel or employee security</a:t>
             </a:r>
+            <a:endParaRPr lang="en-US" dirty="0"/>
           </a:p>
           <a:p>
             <a:pPr lvl="1" algn="just"/>
@@ -9162,6 +9032,7 @@
               <a:rPr lang="en-US" dirty="0"/>
               <a:t>Security education and training</a:t>
             </a:r>
+            <a:endParaRPr lang="en-US" dirty="0"/>
           </a:p>
           <a:p>
             <a:pPr lvl="1" algn="just"/>
@@ -9169,6 +9040,7 @@
               <a:rPr lang="en-US" dirty="0"/>
               <a:t>Auditing and monitoring policies</a:t>
             </a:r>
+            <a:endParaRPr lang="en-US" dirty="0"/>
           </a:p>
           <a:p>
             <a:pPr algn="just"/>
@@ -9197,11 +9069,6 @@
         </p:txBody>
       </p:sp>
     </p:spTree>
-    <p:extLst>
-      <p:ext uri="{BB962C8B-B14F-4D97-AF65-F5344CB8AC3E}">
-        <p14:creationId xmlns:p14="http://schemas.microsoft.com/office/powerpoint/2010/main" val="1302597227"/>
-      </p:ext>
-    </p:extLst>
   </p:cSld>
   <p:clrMapOvr>
     <a:masterClrMapping/>
@@ -9228,13 +9095,7 @@
       </p:grpSpPr>
       <p:sp>
         <p:nvSpPr>
-          <p:cNvPr id="2" name="Title 1">
-            <a:extLst>
-              <a:ext uri="{FF2B5EF4-FFF2-40B4-BE49-F238E27FC236}">
-                <a16:creationId xmlns:a16="http://schemas.microsoft.com/office/drawing/2014/main" id="{5F86FF14-A5AA-4465-A5AF-DE0424A96533}"/>
-              </a:ext>
-            </a:extLst>
-          </p:cNvPr>
+          <p:cNvPr id="2" name="Title 1"/>
           <p:cNvSpPr>
             <a:spLocks noGrp="1"/>
           </p:cNvSpPr>
@@ -9256,18 +9117,13 @@
               <a:rPr lang="en-GB" dirty="0"/>
               <a:t>Administrative Controls</a:t>
             </a:r>
-          </a:p>
-        </p:txBody>
-      </p:sp>
-      <p:sp>
-        <p:nvSpPr>
-          <p:cNvPr id="3" name="Content Placeholder 2">
-            <a:extLst>
-              <a:ext uri="{FF2B5EF4-FFF2-40B4-BE49-F238E27FC236}">
-                <a16:creationId xmlns:a16="http://schemas.microsoft.com/office/drawing/2014/main" id="{1BD66F48-219A-428B-9D00-0339BACC499A}"/>
-              </a:ext>
-            </a:extLst>
-          </p:cNvPr>
+            <a:endParaRPr lang="en-GB" dirty="0"/>
+          </a:p>
+        </p:txBody>
+      </p:sp>
+      <p:sp>
+        <p:nvSpPr>
+          <p:cNvPr id="3" name="Content Placeholder 2"/>
           <p:cNvSpPr>
             <a:spLocks noGrp="1"/>
           </p:cNvSpPr>
@@ -9292,6 +9148,7 @@
               <a:rPr lang="en-US" dirty="0"/>
               <a:t>Operational and security policies and procedures</a:t>
             </a:r>
+            <a:endParaRPr lang="en-US" dirty="0"/>
           </a:p>
           <a:p>
             <a:pPr lvl="1" algn="just"/>
@@ -9299,6 +9156,7 @@
               <a:rPr lang="en-US" dirty="0"/>
               <a:t>These could include policies about change control, vulnerability management, information classification, product lifecycle management, and so on.</a:t>
             </a:r>
+            <a:endParaRPr lang="en-US" dirty="0"/>
           </a:p>
           <a:p>
             <a:pPr algn="just"/>
@@ -9310,6 +9168,7 @@
               <a:rPr lang="en-US" dirty="0"/>
               <a:t>Policies around personnel or employee security</a:t>
             </a:r>
+            <a:endParaRPr lang="en-US" dirty="0"/>
           </a:p>
           <a:p>
             <a:pPr lvl="1" algn="just"/>
@@ -9317,6 +9176,7 @@
               <a:rPr lang="en-US" dirty="0"/>
               <a:t>These could include the level of clearance needed to access specific information, background checks on new hires, and so on. </a:t>
             </a:r>
+            <a:endParaRPr lang="en-US" dirty="0"/>
           </a:p>
           <a:p>
             <a:pPr lvl="1" algn="just"/>
@@ -9324,6 +9184,7 @@
               <a:rPr lang="en-US" dirty="0"/>
               <a:t>Generally, this category includes policies on all the controls that need to be in place before access is granted to a resource.</a:t>
             </a:r>
+            <a:endParaRPr lang="en-US" dirty="0"/>
           </a:p>
           <a:p>
             <a:pPr algn="just"/>
@@ -9335,6 +9196,7 @@
               <a:rPr lang="en-US" dirty="0"/>
               <a:t>Security education and training</a:t>
             </a:r>
+            <a:endParaRPr lang="en-US" dirty="0"/>
           </a:p>
           <a:p>
             <a:pPr lvl="1" algn="just"/>
@@ -9342,6 +9204,7 @@
               <a:rPr lang="en-US" dirty="0"/>
               <a:t>This subcategory includes all the policies and efforts needed to implement end-user training and education.</a:t>
             </a:r>
+            <a:endParaRPr lang="en-US" dirty="0"/>
           </a:p>
           <a:p>
             <a:pPr algn="just"/>
@@ -9353,6 +9216,7 @@
               <a:rPr lang="en-US" dirty="0"/>
               <a:t>Auditing and monitoring policies</a:t>
             </a:r>
+            <a:endParaRPr lang="en-US" dirty="0"/>
           </a:p>
           <a:p>
             <a:pPr lvl="1" algn="just"/>
@@ -9360,6 +9224,7 @@
               <a:rPr lang="en-US" dirty="0"/>
               <a:t>These might include policies on how to perform employee monitoring, system and compliance auditing, and so on.</a:t>
             </a:r>
+            <a:endParaRPr lang="en-US" dirty="0"/>
           </a:p>
           <a:p>
             <a:pPr algn="just"/>
@@ -9384,11 +9249,6 @@
         </p:txBody>
       </p:sp>
     </p:spTree>
-    <p:extLst>
-      <p:ext uri="{BB962C8B-B14F-4D97-AF65-F5344CB8AC3E}">
-        <p14:creationId xmlns:p14="http://schemas.microsoft.com/office/powerpoint/2010/main" val="1192230613"/>
-      </p:ext>
-    </p:extLst>
   </p:cSld>
   <p:clrMapOvr>
     <a:masterClrMapping/>
@@ -9415,13 +9275,7 @@
       </p:grpSpPr>
       <p:sp>
         <p:nvSpPr>
-          <p:cNvPr id="2" name="Title 1">
-            <a:extLst>
-              <a:ext uri="{FF2B5EF4-FFF2-40B4-BE49-F238E27FC236}">
-                <a16:creationId xmlns:a16="http://schemas.microsoft.com/office/drawing/2014/main" id="{10CD263C-7E2A-4828-AF0B-707F8C69F9E1}"/>
-              </a:ext>
-            </a:extLst>
-          </p:cNvPr>
+          <p:cNvPr id="2" name="Title 1"/>
           <p:cNvSpPr>
             <a:spLocks noGrp="1"/>
           </p:cNvSpPr>
@@ -9443,18 +9297,13 @@
               <a:rPr lang="en-GB" dirty="0"/>
               <a:t>Physical Controls</a:t>
             </a:r>
-          </a:p>
-        </p:txBody>
-      </p:sp>
-      <p:sp>
-        <p:nvSpPr>
-          <p:cNvPr id="3" name="Content Placeholder 2">
-            <a:extLst>
-              <a:ext uri="{FF2B5EF4-FFF2-40B4-BE49-F238E27FC236}">
-                <a16:creationId xmlns:a16="http://schemas.microsoft.com/office/drawing/2014/main" id="{9F76E4B1-226D-434E-AFA1-56C57234CD0E}"/>
-              </a:ext>
-            </a:extLst>
-          </p:cNvPr>
+            <a:endParaRPr lang="en-GB" dirty="0"/>
+          </a:p>
+        </p:txBody>
+      </p:sp>
+      <p:sp>
+        <p:nvSpPr>
+          <p:cNvPr id="3" name="Content Placeholder 2"/>
           <p:cNvSpPr>
             <a:spLocks noGrp="1"/>
           </p:cNvSpPr>
@@ -9479,6 +9328,7 @@
               <a:rPr lang="en-US" dirty="0"/>
               <a:t>This type of control is aimed at protecting the physical boundaries and ensuring employee safety. </a:t>
             </a:r>
+            <a:endParaRPr lang="en-US" dirty="0"/>
           </a:p>
           <a:p>
             <a:pPr algn="just"/>
@@ -9490,6 +9340,7 @@
               <a:rPr lang="en-US" dirty="0"/>
               <a:t>These types of controls are usually deployed in various layers in accordance to the concept of defense. </a:t>
             </a:r>
+            <a:endParaRPr lang="en-US" dirty="0"/>
           </a:p>
           <a:p>
             <a:pPr algn="just"/>
@@ -9501,6 +9352,7 @@
               <a:rPr lang="en-US" dirty="0"/>
               <a:t>Examples of these controls are the fence at the entrance of the building, fire alarms, surveillance systems, and security guards.</a:t>
             </a:r>
+            <a:endParaRPr lang="en-US" dirty="0"/>
           </a:p>
           <a:p>
             <a:pPr algn="just"/>
@@ -9512,6 +9364,7 @@
               <a:rPr lang="en-US" dirty="0"/>
               <a:t>Physical access controls are usually designed by defining security zones (for example, Data Center) and implementing physical controls, depending on the classification of the assets. </a:t>
             </a:r>
+            <a:endParaRPr lang="en-US" dirty="0"/>
           </a:p>
           <a:p>
             <a:pPr algn="just"/>
@@ -9528,11 +9381,6 @@
         </p:txBody>
       </p:sp>
     </p:spTree>
-    <p:extLst>
-      <p:ext uri="{BB962C8B-B14F-4D97-AF65-F5344CB8AC3E}">
-        <p14:creationId xmlns:p14="http://schemas.microsoft.com/office/powerpoint/2010/main" val="368754149"/>
-      </p:ext>
-    </p:extLst>
   </p:cSld>
   <p:clrMapOvr>
     <a:masterClrMapping/>
@@ -9559,13 +9407,7 @@
       </p:grpSpPr>
       <p:sp>
         <p:nvSpPr>
-          <p:cNvPr id="2" name="Title 1">
-            <a:extLst>
-              <a:ext uri="{FF2B5EF4-FFF2-40B4-BE49-F238E27FC236}">
-                <a16:creationId xmlns:a16="http://schemas.microsoft.com/office/drawing/2014/main" id="{5A1A61AD-7FAD-4349-BCB7-547580AAB58E}"/>
-              </a:ext>
-            </a:extLst>
-          </p:cNvPr>
+          <p:cNvPr id="2" name="Title 1"/>
           <p:cNvSpPr>
             <a:spLocks noGrp="1"/>
           </p:cNvSpPr>
@@ -9587,18 +9429,13 @@
               <a:rPr lang="en-GB" dirty="0"/>
               <a:t>Technical Controls</a:t>
             </a:r>
-          </a:p>
-        </p:txBody>
-      </p:sp>
-      <p:sp>
-        <p:nvSpPr>
-          <p:cNvPr id="3" name="Content Placeholder 2">
-            <a:extLst>
-              <a:ext uri="{FF2B5EF4-FFF2-40B4-BE49-F238E27FC236}">
-                <a16:creationId xmlns:a16="http://schemas.microsoft.com/office/drawing/2014/main" id="{B89F6AA7-7962-4DBD-9FE3-6E25533A4728}"/>
-              </a:ext>
-            </a:extLst>
-          </p:cNvPr>
+            <a:endParaRPr lang="en-GB" dirty="0"/>
+          </a:p>
+        </p:txBody>
+      </p:sp>
+      <p:sp>
+        <p:nvSpPr>
+          <p:cNvPr id="3" name="Content Placeholder 2"/>
           <p:cNvSpPr>
             <a:spLocks noGrp="1"/>
           </p:cNvSpPr>
@@ -9621,6 +9458,7 @@
               <a:rPr lang="en-US" dirty="0"/>
               <a:t>These controls, also called logical controls, are all the logical and technological systems in place to implement and enforce the controls included in the security policy and, in general, dictated by the administrative controls. </a:t>
             </a:r>
+            <a:endParaRPr lang="en-US" dirty="0"/>
           </a:p>
           <a:p>
             <a:pPr algn="just"/>
@@ -9637,11 +9475,6 @@
         </p:txBody>
       </p:sp>
     </p:spTree>
-    <p:extLst>
-      <p:ext uri="{BB962C8B-B14F-4D97-AF65-F5344CB8AC3E}">
-        <p14:creationId xmlns:p14="http://schemas.microsoft.com/office/powerpoint/2010/main" val="3433893945"/>
-      </p:ext>
-    </p:extLst>
   </p:cSld>
   <p:clrMapOvr>
     <a:masterClrMapping/>
@@ -9668,13 +9501,7 @@
       </p:grpSpPr>
       <p:sp>
         <p:nvSpPr>
-          <p:cNvPr id="2" name="Title 1">
-            <a:extLst>
-              <a:ext uri="{FF2B5EF4-FFF2-40B4-BE49-F238E27FC236}">
-                <a16:creationId xmlns:a16="http://schemas.microsoft.com/office/drawing/2014/main" id="{1635F413-A3B0-4672-B94E-4997E91FD7A2}"/>
-              </a:ext>
-            </a:extLst>
-          </p:cNvPr>
+          <p:cNvPr id="2" name="Title 1"/>
           <p:cNvSpPr>
             <a:spLocks noGrp="1"/>
           </p:cNvSpPr>
@@ -9696,18 +9523,13 @@
               <a:rPr lang="en-GB" dirty="0"/>
               <a:t>Access Control Models</a:t>
             </a:r>
-          </a:p>
-        </p:txBody>
-      </p:sp>
-      <p:sp>
-        <p:nvSpPr>
-          <p:cNvPr id="3" name="Content Placeholder 2">
-            <a:extLst>
-              <a:ext uri="{FF2B5EF4-FFF2-40B4-BE49-F238E27FC236}">
-                <a16:creationId xmlns:a16="http://schemas.microsoft.com/office/drawing/2014/main" id="{F8E6D998-1BFC-4680-ABFB-12E0137335D3}"/>
-              </a:ext>
-            </a:extLst>
-          </p:cNvPr>
+            <a:endParaRPr lang="en-GB" dirty="0"/>
+          </a:p>
+        </p:txBody>
+      </p:sp>
+      <p:sp>
+        <p:nvSpPr>
+          <p:cNvPr id="3" name="Content Placeholder 2"/>
           <p:cNvSpPr>
             <a:spLocks noGrp="1"/>
           </p:cNvSpPr>
@@ -9730,6 +9552,7 @@
               <a:rPr lang="en-US" dirty="0"/>
               <a:t>An access control model is a conceptual framework that describes how the access control should be designed (that is, how a subject interacts with an object). </a:t>
             </a:r>
+            <a:endParaRPr lang="en-US" dirty="0"/>
           </a:p>
           <a:p>
             <a:pPr algn="just"/>
@@ -9741,6 +9564,7 @@
               <a:rPr lang="en-US" dirty="0"/>
               <a:t>There are several access control models; for example, access controls that authorize access to resources based on the identity of the subject are called identity-based access controls (IBACs).</a:t>
             </a:r>
+            <a:endParaRPr lang="en-US" dirty="0"/>
           </a:p>
           <a:p>
             <a:pPr algn="just"/>
@@ -9752,6 +9576,7 @@
               <a:rPr lang="en-US" dirty="0"/>
               <a:t>However, any access controls can usually be categorized as discretionary access controls and nondiscretionary access controls.</a:t>
             </a:r>
+            <a:endParaRPr lang="en-US" dirty="0"/>
           </a:p>
           <a:p>
             <a:pPr algn="just"/>
@@ -9768,11 +9593,6 @@
         </p:txBody>
       </p:sp>
     </p:spTree>
-    <p:extLst>
-      <p:ext uri="{BB962C8B-B14F-4D97-AF65-F5344CB8AC3E}">
-        <p14:creationId xmlns:p14="http://schemas.microsoft.com/office/powerpoint/2010/main" val="1386518321"/>
-      </p:ext>
-    </p:extLst>
   </p:cSld>
   <p:clrMapOvr>
     <a:masterClrMapping/>
@@ -9799,13 +9619,7 @@
       </p:grpSpPr>
       <p:sp>
         <p:nvSpPr>
-          <p:cNvPr id="2" name="Title 1">
-            <a:extLst>
-              <a:ext uri="{FF2B5EF4-FFF2-40B4-BE49-F238E27FC236}">
-                <a16:creationId xmlns:a16="http://schemas.microsoft.com/office/drawing/2014/main" id="{3E6A7785-55FE-44AF-84BD-6E3F8CBF92FC}"/>
-              </a:ext>
-            </a:extLst>
-          </p:cNvPr>
+          <p:cNvPr id="2" name="Title 1"/>
           <p:cNvSpPr>
             <a:spLocks noGrp="1"/>
           </p:cNvSpPr>
@@ -9829,18 +9643,13 @@
               <a:rPr lang="en-GB" dirty="0"/>
               <a:t>Access Control Models</a:t>
             </a:r>
-          </a:p>
-        </p:txBody>
-      </p:sp>
-      <p:sp>
-        <p:nvSpPr>
-          <p:cNvPr id="3" name="Content Placeholder 2">
-            <a:extLst>
-              <a:ext uri="{FF2B5EF4-FFF2-40B4-BE49-F238E27FC236}">
-                <a16:creationId xmlns:a16="http://schemas.microsoft.com/office/drawing/2014/main" id="{B8A3C02E-9730-4641-AC6F-5F5FC55BB7D1}"/>
-              </a:ext>
-            </a:extLst>
-          </p:cNvPr>
+            <a:endParaRPr lang="en-GB" dirty="0"/>
+          </a:p>
+        </p:txBody>
+      </p:sp>
+      <p:sp>
+        <p:nvSpPr>
+          <p:cNvPr id="3" name="Content Placeholder 2"/>
           <p:cNvSpPr>
             <a:spLocks noGrp="1"/>
           </p:cNvSpPr>
@@ -9863,6 +9672,7 @@
               <a:rPr lang="en-US" dirty="0"/>
               <a:t>In discretionary access controls, the object owner has the right to decide who can access an object. </a:t>
             </a:r>
+            <a:endParaRPr lang="en-US" dirty="0"/>
           </a:p>
           <a:p>
             <a:pPr algn="just"/>
@@ -9874,6 +9684,7 @@
               <a:rPr lang="en-US" dirty="0"/>
               <a:t>Nondiscretionary access control is a broad category that includes all types of access control models where the authorization is decided by a central administrator instead of by the object owner.</a:t>
             </a:r>
+            <a:endParaRPr lang="en-US" dirty="0"/>
           </a:p>
           <a:p>
             <a:pPr algn="just"/>
@@ -9885,6 +9696,7 @@
               <a:rPr lang="en-US" dirty="0"/>
               <a:t>The common types of access control mechanisms considered here are:</a:t>
             </a:r>
+            <a:endParaRPr lang="en-US" dirty="0"/>
           </a:p>
           <a:p>
             <a:pPr lvl="1" algn="just"/>
@@ -9892,6 +9704,7 @@
               <a:rPr lang="en-US" dirty="0"/>
               <a:t>Discretionary access control (DAC)</a:t>
             </a:r>
+            <a:endParaRPr lang="en-US" dirty="0"/>
           </a:p>
           <a:p>
             <a:pPr lvl="1" algn="just"/>
@@ -9899,6 +9712,7 @@
               <a:rPr lang="en-US" dirty="0"/>
               <a:t>Mandatory access control (MAC)</a:t>
             </a:r>
+            <a:endParaRPr lang="en-US" dirty="0"/>
           </a:p>
           <a:p>
             <a:pPr lvl="1" algn="just"/>
@@ -9906,6 +9720,7 @@
               <a:rPr lang="en-US" dirty="0"/>
               <a:t>Role-based access control (RBAC)</a:t>
             </a:r>
+            <a:endParaRPr lang="en-US" dirty="0"/>
           </a:p>
           <a:p>
             <a:pPr lvl="1" algn="just"/>
@@ -9913,6 +9728,7 @@
               <a:rPr lang="en-US" dirty="0"/>
               <a:t>Attribute-based access control (ABAC)</a:t>
             </a:r>
+            <a:endParaRPr lang="en-US" dirty="0"/>
           </a:p>
           <a:p>
             <a:pPr algn="just"/>
@@ -9921,11 +9737,6 @@
         </p:txBody>
       </p:sp>
     </p:spTree>
-    <p:extLst>
-      <p:ext uri="{BB962C8B-B14F-4D97-AF65-F5344CB8AC3E}">
-        <p14:creationId xmlns:p14="http://schemas.microsoft.com/office/powerpoint/2010/main" val="1775872578"/>
-      </p:ext>
-    </p:extLst>
   </p:cSld>
   <p:clrMapOvr>
     <a:masterClrMapping/>
@@ -9952,13 +9763,7 @@
       </p:grpSpPr>
       <p:sp>
         <p:nvSpPr>
-          <p:cNvPr id="2" name="Title 1">
-            <a:extLst>
-              <a:ext uri="{FF2B5EF4-FFF2-40B4-BE49-F238E27FC236}">
-                <a16:creationId xmlns:a16="http://schemas.microsoft.com/office/drawing/2014/main" id="{36B61285-B24E-4050-B5C8-B5816D2FB502}"/>
-              </a:ext>
-            </a:extLst>
-          </p:cNvPr>
+          <p:cNvPr id="2" name="Title 1"/>
           <p:cNvSpPr>
             <a:spLocks noGrp="1"/>
           </p:cNvSpPr>
@@ -10000,18 +9805,13 @@
               <a:rPr lang="en-GB" dirty="0"/>
               <a:t>Access Control Process</a:t>
             </a:r>
-          </a:p>
-        </p:txBody>
-      </p:sp>
-      <p:sp>
-        <p:nvSpPr>
-          <p:cNvPr id="3" name="Subtitle 2">
-            <a:extLst>
-              <a:ext uri="{FF2B5EF4-FFF2-40B4-BE49-F238E27FC236}">
-                <a16:creationId xmlns:a16="http://schemas.microsoft.com/office/drawing/2014/main" id="{243558D5-B251-4E80-9DE2-F11603EEEB05}"/>
-              </a:ext>
-            </a:extLst>
-          </p:cNvPr>
+            <a:endParaRPr lang="en-GB" dirty="0"/>
+          </a:p>
+        </p:txBody>
+      </p:sp>
+      <p:sp>
+        <p:nvSpPr>
+          <p:cNvPr id="3" name="Subtitle 2"/>
           <p:cNvSpPr>
             <a:spLocks noGrp="1"/>
           </p:cNvSpPr>
@@ -10035,27 +9835,25 @@
               <a:rPr lang="en-GB" dirty="0"/>
               <a:t>Egena Onu, PhD.</a:t>
             </a:r>
+            <a:endParaRPr lang="en-GB" dirty="0"/>
           </a:p>
           <a:p>
             <a:r>
               <a:rPr lang="en-GB" dirty="0"/>
               <a:t>Computer Science Department,</a:t>
             </a:r>
+            <a:endParaRPr lang="en-GB" dirty="0"/>
           </a:p>
           <a:p>
             <a:r>
               <a:rPr lang="en-GB" dirty="0"/>
               <a:t>Bingham University.</a:t>
             </a:r>
+            <a:endParaRPr lang="en-GB" dirty="0"/>
           </a:p>
         </p:txBody>
       </p:sp>
     </p:spTree>
-    <p:extLst>
-      <p:ext uri="{BB962C8B-B14F-4D97-AF65-F5344CB8AC3E}">
-        <p14:creationId xmlns:p14="http://schemas.microsoft.com/office/powerpoint/2010/main" val="796197909"/>
-      </p:ext>
-    </p:extLst>
   </p:cSld>
   <p:clrMapOvr>
     <a:masterClrMapping/>
@@ -10082,13 +9880,7 @@
       </p:grpSpPr>
       <p:sp>
         <p:nvSpPr>
-          <p:cNvPr id="2" name="Title 1">
-            <a:extLst>
-              <a:ext uri="{FF2B5EF4-FFF2-40B4-BE49-F238E27FC236}">
-                <a16:creationId xmlns:a16="http://schemas.microsoft.com/office/drawing/2014/main" id="{3E6A7785-55FE-44AF-84BD-6E3F8CBF92FC}"/>
-              </a:ext>
-            </a:extLst>
-          </p:cNvPr>
+          <p:cNvPr id="2" name="Title 1"/>
           <p:cNvSpPr>
             <a:spLocks noGrp="1"/>
           </p:cNvSpPr>
@@ -10112,18 +9904,13 @@
               <a:rPr lang="en-GB" dirty="0"/>
               <a:t>Discretional Access Control</a:t>
             </a:r>
-          </a:p>
-        </p:txBody>
-      </p:sp>
-      <p:sp>
-        <p:nvSpPr>
-          <p:cNvPr id="3" name="Content Placeholder 2">
-            <a:extLst>
-              <a:ext uri="{FF2B5EF4-FFF2-40B4-BE49-F238E27FC236}">
-                <a16:creationId xmlns:a16="http://schemas.microsoft.com/office/drawing/2014/main" id="{B8A3C02E-9730-4641-AC6F-5F5FC55BB7D1}"/>
-              </a:ext>
-            </a:extLst>
-          </p:cNvPr>
+            <a:endParaRPr lang="en-GB" dirty="0"/>
+          </a:p>
+        </p:txBody>
+      </p:sp>
+      <p:sp>
+        <p:nvSpPr>
+          <p:cNvPr id="3" name="Content Placeholder 2"/>
           <p:cNvSpPr>
             <a:spLocks noGrp="1"/>
           </p:cNvSpPr>
@@ -10148,6 +9935,7 @@
               <a:rPr lang="en-US" dirty="0"/>
               <a:t>In a DAC model, each resource has a clearly identified owner. </a:t>
             </a:r>
+            <a:endParaRPr lang="en-US" dirty="0"/>
           </a:p>
           <a:p>
             <a:pPr algn="just"/>
@@ -10159,6 +9947,7 @@
               <a:rPr lang="en-US" dirty="0"/>
               <a:t>For example, a user creating a file becomes the owner of that file. The owner of a resource can decide at his discretion to allow other users or subjects access to that resource. </a:t>
             </a:r>
+            <a:endParaRPr lang="en-US" dirty="0"/>
           </a:p>
           <a:p>
             <a:pPr algn="just"/>
@@ -10170,6 +9959,7 @@
               <a:rPr lang="en-US" dirty="0"/>
               <a:t>The owner’s discretion is the main characteristic of DAC. When assigning permission, the owner should comply with the organization’s security policy; however, security policy compliance is not enforced by the operating system. </a:t>
             </a:r>
+            <a:endParaRPr lang="en-US" dirty="0"/>
           </a:p>
           <a:p>
             <a:pPr algn="just"/>
@@ -10186,11 +9976,6 @@
         </p:txBody>
       </p:sp>
     </p:spTree>
-    <p:extLst>
-      <p:ext uri="{BB962C8B-B14F-4D97-AF65-F5344CB8AC3E}">
-        <p14:creationId xmlns:p14="http://schemas.microsoft.com/office/powerpoint/2010/main" val="448576810"/>
-      </p:ext>
-    </p:extLst>
   </p:cSld>
   <p:clrMapOvr>
     <a:masterClrMapping/>
@@ -10217,13 +10002,7 @@
       </p:grpSpPr>
       <p:sp>
         <p:nvSpPr>
-          <p:cNvPr id="2" name="Title 1">
-            <a:extLst>
-              <a:ext uri="{FF2B5EF4-FFF2-40B4-BE49-F238E27FC236}">
-                <a16:creationId xmlns:a16="http://schemas.microsoft.com/office/drawing/2014/main" id="{3E6A7785-55FE-44AF-84BD-6E3F8CBF92FC}"/>
-              </a:ext>
-            </a:extLst>
-          </p:cNvPr>
+          <p:cNvPr id="2" name="Title 1"/>
           <p:cNvSpPr>
             <a:spLocks noGrp="1"/>
           </p:cNvSpPr>
@@ -10247,18 +10026,13 @@
               <a:rPr lang="en-GB" dirty="0"/>
               <a:t>Discretional Access Control</a:t>
             </a:r>
-          </a:p>
-        </p:txBody>
-      </p:sp>
-      <p:sp>
-        <p:nvSpPr>
-          <p:cNvPr id="3" name="Content Placeholder 2">
-            <a:extLst>
-              <a:ext uri="{FF2B5EF4-FFF2-40B4-BE49-F238E27FC236}">
-                <a16:creationId xmlns:a16="http://schemas.microsoft.com/office/drawing/2014/main" id="{B8A3C02E-9730-4641-AC6F-5F5FC55BB7D1}"/>
-              </a:ext>
-            </a:extLst>
-          </p:cNvPr>
+            <a:endParaRPr lang="en-GB" dirty="0"/>
+          </a:p>
+        </p:txBody>
+      </p:sp>
+      <p:sp>
+        <p:nvSpPr>
+          <p:cNvPr id="3" name="Content Placeholder 2"/>
           <p:cNvSpPr>
             <a:spLocks noGrp="1"/>
           </p:cNvSpPr>
@@ -10280,6 +10054,7 @@
               <a:rPr lang="en-US" dirty="0"/>
               <a:t>In a DAC model, users can also be organized in groups. The owner can grant access to a resource to the entire group instead of the individual user. </a:t>
             </a:r>
+            <a:endParaRPr lang="en-US" dirty="0"/>
           </a:p>
           <a:p>
             <a:endParaRPr lang="en-US" dirty="0"/>
@@ -10289,6 +10064,7 @@
               <a:rPr lang="en-US" dirty="0"/>
               <a:t>Also, permission attributes are assigned to a resource for the specific group.</a:t>
             </a:r>
+            <a:endParaRPr lang="en-US" dirty="0"/>
           </a:p>
           <a:p>
             <a:endParaRPr lang="en-US" dirty="0"/>
@@ -10298,6 +10074,7 @@
               <a:rPr lang="en-US" dirty="0"/>
               <a:t> A simple way to implement the DAC model is to use an access control list that is associated with each object. </a:t>
             </a:r>
+            <a:endParaRPr lang="en-US" dirty="0"/>
           </a:p>
           <a:p>
             <a:endParaRPr lang="en-US" dirty="0"/>
@@ -10312,11 +10089,6 @@
         </p:txBody>
       </p:sp>
     </p:spTree>
-    <p:extLst>
-      <p:ext uri="{BB962C8B-B14F-4D97-AF65-F5344CB8AC3E}">
-        <p14:creationId xmlns:p14="http://schemas.microsoft.com/office/powerpoint/2010/main" val="75737791"/>
-      </p:ext>
-    </p:extLst>
   </p:cSld>
   <p:clrMapOvr>
     <a:masterClrMapping/>
@@ -10343,13 +10115,7 @@
       </p:grpSpPr>
       <p:sp>
         <p:nvSpPr>
-          <p:cNvPr id="2" name="Title 1">
-            <a:extLst>
-              <a:ext uri="{FF2B5EF4-FFF2-40B4-BE49-F238E27FC236}">
-                <a16:creationId xmlns:a16="http://schemas.microsoft.com/office/drawing/2014/main" id="{3E6A7785-55FE-44AF-84BD-6E3F8CBF92FC}"/>
-              </a:ext>
-            </a:extLst>
-          </p:cNvPr>
+          <p:cNvPr id="2" name="Title 1"/>
           <p:cNvSpPr>
             <a:spLocks noGrp="1"/>
           </p:cNvSpPr>
@@ -10373,18 +10139,13 @@
               <a:rPr lang="en-GB" dirty="0"/>
               <a:t>Discretional Access Control</a:t>
             </a:r>
-          </a:p>
-        </p:txBody>
-      </p:sp>
-      <p:sp>
-        <p:nvSpPr>
-          <p:cNvPr id="3" name="Content Placeholder 2">
-            <a:extLst>
-              <a:ext uri="{FF2B5EF4-FFF2-40B4-BE49-F238E27FC236}">
-                <a16:creationId xmlns:a16="http://schemas.microsoft.com/office/drawing/2014/main" id="{B8A3C02E-9730-4641-AC6F-5F5FC55BB7D1}"/>
-              </a:ext>
-            </a:extLst>
-          </p:cNvPr>
+            <a:endParaRPr lang="en-GB" dirty="0"/>
+          </a:p>
+        </p:txBody>
+      </p:sp>
+      <p:sp>
+        <p:nvSpPr>
+          <p:cNvPr id="3" name="Content Placeholder 2"/>
           <p:cNvSpPr>
             <a:spLocks noGrp="1"/>
           </p:cNvSpPr>
@@ -10406,6 +10167,7 @@
               <a:rPr lang="en-US" dirty="0"/>
               <a:t>In a DAC model, users can also be organized in groups. The owner can grant access to a resource to the entire group instead of the individual user. </a:t>
             </a:r>
+            <a:endParaRPr lang="en-US" dirty="0"/>
           </a:p>
           <a:p>
             <a:endParaRPr lang="en-US" dirty="0"/>
@@ -10415,6 +10177,7 @@
               <a:rPr lang="en-US" dirty="0"/>
               <a:t>Also, permission attributes are assigned to a resource for the specific group.</a:t>
             </a:r>
+            <a:endParaRPr lang="en-US" dirty="0"/>
           </a:p>
           <a:p>
             <a:endParaRPr lang="en-US" dirty="0"/>
@@ -10424,6 +10187,7 @@
               <a:rPr lang="en-US" dirty="0"/>
               <a:t> A simple way to implement the DAC model is to use an access control list that is associated with each object. </a:t>
             </a:r>
+            <a:endParaRPr lang="en-US" dirty="0"/>
           </a:p>
           <a:p>
             <a:endParaRPr lang="en-US" dirty="0"/>
@@ -10439,20 +10203,14 @@
       </p:sp>
       <p:pic>
         <p:nvPicPr>
-          <p:cNvPr id="5" name="Picture 4">
-            <a:extLst>
-              <a:ext uri="{FF2B5EF4-FFF2-40B4-BE49-F238E27FC236}">
-                <a16:creationId xmlns:a16="http://schemas.microsoft.com/office/drawing/2014/main" id="{DA3A22E9-CF84-4C34-BB74-F662329FDBB5}"/>
-              </a:ext>
-            </a:extLst>
-          </p:cNvPr>
+          <p:cNvPr id="5" name="Picture 4"/>
           <p:cNvPicPr>
             <a:picLocks noChangeAspect="1"/>
           </p:cNvPicPr>
           <p:nvPr/>
         </p:nvPicPr>
         <p:blipFill>
-          <a:blip r:embed="rId2"/>
+          <a:blip r:embed="rId1"/>
           <a:stretch>
             <a:fillRect/>
           </a:stretch>
@@ -10468,11 +10226,6 @@
         </p:spPr>
       </p:pic>
     </p:spTree>
-    <p:extLst>
-      <p:ext uri="{BB962C8B-B14F-4D97-AF65-F5344CB8AC3E}">
-        <p14:creationId xmlns:p14="http://schemas.microsoft.com/office/powerpoint/2010/main" val="1213995748"/>
-      </p:ext>
-    </p:extLst>
   </p:cSld>
   <p:clrMapOvr>
     <a:masterClrMapping/>
@@ -10499,13 +10252,7 @@
       </p:grpSpPr>
       <p:sp>
         <p:nvSpPr>
-          <p:cNvPr id="2" name="Title 1">
-            <a:extLst>
-              <a:ext uri="{FF2B5EF4-FFF2-40B4-BE49-F238E27FC236}">
-                <a16:creationId xmlns:a16="http://schemas.microsoft.com/office/drawing/2014/main" id="{3E6A7785-55FE-44AF-84BD-6E3F8CBF92FC}"/>
-              </a:ext>
-            </a:extLst>
-          </p:cNvPr>
+          <p:cNvPr id="2" name="Title 1"/>
           <p:cNvSpPr>
             <a:spLocks noGrp="1"/>
           </p:cNvSpPr>
@@ -10529,18 +10276,13 @@
               <a:rPr lang="en-GB" dirty="0"/>
               <a:t>Discretional Access Control</a:t>
             </a:r>
-          </a:p>
-        </p:txBody>
-      </p:sp>
-      <p:sp>
-        <p:nvSpPr>
-          <p:cNvPr id="3" name="Content Placeholder 2">
-            <a:extLst>
-              <a:ext uri="{FF2B5EF4-FFF2-40B4-BE49-F238E27FC236}">
-                <a16:creationId xmlns:a16="http://schemas.microsoft.com/office/drawing/2014/main" id="{B8A3C02E-9730-4641-AC6F-5F5FC55BB7D1}"/>
-              </a:ext>
-            </a:extLst>
-          </p:cNvPr>
+            <a:endParaRPr lang="en-GB" dirty="0"/>
+          </a:p>
+        </p:txBody>
+      </p:sp>
+      <p:sp>
+        <p:nvSpPr>
+          <p:cNvPr id="3" name="Content Placeholder 2"/>
           <p:cNvSpPr>
             <a:spLocks noGrp="1"/>
           </p:cNvSpPr>
@@ -10565,6 +10307,7 @@
               <a:rPr lang="en-US" dirty="0"/>
               <a:t>Drawbacks of DAC</a:t>
             </a:r>
+            <a:endParaRPr lang="en-US" dirty="0"/>
           </a:p>
           <a:p>
             <a:pPr lvl="1" algn="just"/>
@@ -10572,6 +10315,7 @@
               <a:rPr lang="en-US" dirty="0"/>
               <a:t>One of the drawbacks of using a DAC model is that the security policy is left to the discretion of the data owner, and the security administrator has limited control over it.</a:t>
             </a:r>
+            <a:endParaRPr lang="en-US" dirty="0"/>
           </a:p>
           <a:p>
             <a:pPr algn="just"/>
@@ -10583,6 +10327,7 @@
               <a:rPr lang="en-US" dirty="0"/>
               <a:t>Additionally, with the number of subjects (users, processes, programs, and so on) accessing a large number of objects, maintaining permissions by respecting the need-to-know and least-privileges concepts becomes a complex administrative task. </a:t>
             </a:r>
+            <a:endParaRPr lang="en-US" dirty="0"/>
           </a:p>
           <a:p>
             <a:pPr algn="just"/>
@@ -10599,11 +10344,6 @@
         </p:txBody>
       </p:sp>
     </p:spTree>
-    <p:extLst>
-      <p:ext uri="{BB962C8B-B14F-4D97-AF65-F5344CB8AC3E}">
-        <p14:creationId xmlns:p14="http://schemas.microsoft.com/office/powerpoint/2010/main" val="2304612125"/>
-      </p:ext>
-    </p:extLst>
   </p:cSld>
   <p:clrMapOvr>
     <a:masterClrMapping/>
@@ -10630,13 +10370,7 @@
       </p:grpSpPr>
       <p:sp>
         <p:nvSpPr>
-          <p:cNvPr id="2" name="Title 1">
-            <a:extLst>
-              <a:ext uri="{FF2B5EF4-FFF2-40B4-BE49-F238E27FC236}">
-                <a16:creationId xmlns:a16="http://schemas.microsoft.com/office/drawing/2014/main" id="{3E6A7785-55FE-44AF-84BD-6E3F8CBF92FC}"/>
-              </a:ext>
-            </a:extLst>
-          </p:cNvPr>
+          <p:cNvPr id="2" name="Title 1"/>
           <p:cNvSpPr>
             <a:spLocks noGrp="1"/>
           </p:cNvSpPr>
@@ -10660,18 +10394,13 @@
               <a:rPr lang="en-GB" dirty="0"/>
               <a:t>Mandatory Access Control</a:t>
             </a:r>
-          </a:p>
-        </p:txBody>
-      </p:sp>
-      <p:sp>
-        <p:nvSpPr>
-          <p:cNvPr id="3" name="Content Placeholder 2">
-            <a:extLst>
-              <a:ext uri="{FF2B5EF4-FFF2-40B4-BE49-F238E27FC236}">
-                <a16:creationId xmlns:a16="http://schemas.microsoft.com/office/drawing/2014/main" id="{B8A3C02E-9730-4641-AC6F-5F5FC55BB7D1}"/>
-              </a:ext>
-            </a:extLst>
-          </p:cNvPr>
+            <a:endParaRPr lang="en-GB" dirty="0"/>
+          </a:p>
+        </p:txBody>
+      </p:sp>
+      <p:sp>
+        <p:nvSpPr>
+          <p:cNvPr id="3" name="Content Placeholder 2"/>
           <p:cNvSpPr>
             <a:spLocks noGrp="1"/>
           </p:cNvSpPr>
@@ -10695,6 +10424,7 @@
               <a:rPr lang="en-US" dirty="0"/>
               <a:t>In a MAC model, the access authorization is provided by the operating system itself, and the owner has no control over who can access the resource. </a:t>
             </a:r>
+            <a:endParaRPr lang="en-US" dirty="0"/>
           </a:p>
           <a:p>
             <a:endParaRPr lang="en-US" dirty="0"/>
@@ -10704,6 +10434,7 @@
               <a:rPr lang="en-US" dirty="0"/>
               <a:t>Each resource receives a sensitivity or security label that is determined during the classification steps outlined in the previous sections and includes two components: </a:t>
             </a:r>
+            <a:endParaRPr lang="en-US" dirty="0"/>
           </a:p>
           <a:p>
             <a:pPr lvl="1"/>
@@ -10711,6 +10442,7 @@
               <a:rPr lang="en-US" dirty="0"/>
               <a:t>The security classification of the object.</a:t>
             </a:r>
+            <a:endParaRPr lang="en-US" dirty="0"/>
           </a:p>
           <a:p>
             <a:pPr lvl="1"/>
@@ -10718,6 +10450,7 @@
               <a:rPr lang="en-US" dirty="0"/>
               <a:t>The compartment or category to which the object belongs. </a:t>
             </a:r>
+            <a:endParaRPr lang="en-US" dirty="0"/>
           </a:p>
           <a:p>
             <a:endParaRPr lang="en-US" dirty="0"/>
@@ -10743,6 +10476,7 @@
               <a:rPr lang="en-US" dirty="0"/>
               <a:t>. </a:t>
             </a:r>
+            <a:endParaRPr lang="en-US" dirty="0"/>
           </a:p>
           <a:p>
             <a:endParaRPr lang="en-US" dirty="0"/>
@@ -10757,11 +10491,6 @@
         </p:txBody>
       </p:sp>
     </p:spTree>
-    <p:extLst>
-      <p:ext uri="{BB962C8B-B14F-4D97-AF65-F5344CB8AC3E}">
-        <p14:creationId xmlns:p14="http://schemas.microsoft.com/office/powerpoint/2010/main" val="2110406254"/>
-      </p:ext>
-    </p:extLst>
   </p:cSld>
   <p:clrMapOvr>
     <a:masterClrMapping/>
@@ -10788,13 +10517,7 @@
       </p:grpSpPr>
       <p:sp>
         <p:nvSpPr>
-          <p:cNvPr id="2" name="Title 1">
-            <a:extLst>
-              <a:ext uri="{FF2B5EF4-FFF2-40B4-BE49-F238E27FC236}">
-                <a16:creationId xmlns:a16="http://schemas.microsoft.com/office/drawing/2014/main" id="{3E6A7785-55FE-44AF-84BD-6E3F8CBF92FC}"/>
-              </a:ext>
-            </a:extLst>
-          </p:cNvPr>
+          <p:cNvPr id="2" name="Title 1"/>
           <p:cNvSpPr>
             <a:spLocks noGrp="1"/>
           </p:cNvSpPr>
@@ -10818,18 +10541,13 @@
               <a:rPr lang="en-GB" dirty="0"/>
               <a:t>Mandatory Access Control</a:t>
             </a:r>
-          </a:p>
-        </p:txBody>
-      </p:sp>
-      <p:sp>
-        <p:nvSpPr>
-          <p:cNvPr id="3" name="Content Placeholder 2">
-            <a:extLst>
-              <a:ext uri="{FF2B5EF4-FFF2-40B4-BE49-F238E27FC236}">
-                <a16:creationId xmlns:a16="http://schemas.microsoft.com/office/drawing/2014/main" id="{B8A3C02E-9730-4641-AC6F-5F5FC55BB7D1}"/>
-              </a:ext>
-            </a:extLst>
-          </p:cNvPr>
+            <a:endParaRPr lang="en-GB" dirty="0"/>
+          </a:p>
+        </p:txBody>
+      </p:sp>
+      <p:sp>
+        <p:nvSpPr>
+          <p:cNvPr id="3" name="Content Placeholder 2"/>
           <p:cNvSpPr>
             <a:spLocks noGrp="1"/>
           </p:cNvSpPr>
@@ -10853,6 +10571,7 @@
               <a:rPr lang="en-US" dirty="0"/>
               <a:t>In a MAC model, the access authorization is provided by the operating system itself, and the owner has no control over who can access the resource. </a:t>
             </a:r>
+            <a:endParaRPr lang="en-US" dirty="0"/>
           </a:p>
           <a:p>
             <a:endParaRPr lang="en-US" dirty="0"/>
@@ -10862,6 +10581,7 @@
               <a:rPr lang="en-US" dirty="0"/>
               <a:t>Each resource receives a sensitivity or security label that is determined during the classification steps outlined in the previous sections and includes two components: </a:t>
             </a:r>
+            <a:endParaRPr lang="en-US" dirty="0"/>
           </a:p>
           <a:p>
             <a:pPr lvl="1"/>
@@ -10869,6 +10589,7 @@
               <a:rPr lang="en-US" dirty="0"/>
               <a:t>The security classification of the object.</a:t>
             </a:r>
+            <a:endParaRPr lang="en-US" dirty="0"/>
           </a:p>
           <a:p>
             <a:pPr lvl="1"/>
@@ -10876,6 +10597,7 @@
               <a:rPr lang="en-US" dirty="0"/>
               <a:t>The compartment or category to which the object belongs. </a:t>
             </a:r>
+            <a:endParaRPr lang="en-US" dirty="0"/>
           </a:p>
           <a:p>
             <a:endParaRPr lang="en-US" dirty="0"/>
@@ -10901,6 +10623,7 @@
               <a:rPr lang="en-US" dirty="0"/>
               <a:t>. </a:t>
             </a:r>
+            <a:endParaRPr lang="en-US" dirty="0"/>
           </a:p>
           <a:p>
             <a:endParaRPr lang="en-US" dirty="0"/>
@@ -10916,20 +10639,14 @@
       </p:sp>
       <p:pic>
         <p:nvPicPr>
-          <p:cNvPr id="5" name="Picture 4">
-            <a:extLst>
-              <a:ext uri="{FF2B5EF4-FFF2-40B4-BE49-F238E27FC236}">
-                <a16:creationId xmlns:a16="http://schemas.microsoft.com/office/drawing/2014/main" id="{443A331B-960A-4238-8BE2-36D393F795FE}"/>
-              </a:ext>
-            </a:extLst>
-          </p:cNvPr>
+          <p:cNvPr id="5" name="Picture 4"/>
           <p:cNvPicPr>
             <a:picLocks noChangeAspect="1"/>
           </p:cNvPicPr>
           <p:nvPr/>
         </p:nvPicPr>
         <p:blipFill>
-          <a:blip r:embed="rId2"/>
+          <a:blip r:embed="rId1"/>
           <a:stretch>
             <a:fillRect/>
           </a:stretch>
@@ -10945,11 +10662,6 @@
         </p:spPr>
       </p:pic>
     </p:spTree>
-    <p:extLst>
-      <p:ext uri="{BB962C8B-B14F-4D97-AF65-F5344CB8AC3E}">
-        <p14:creationId xmlns:p14="http://schemas.microsoft.com/office/powerpoint/2010/main" val="3875416157"/>
-      </p:ext>
-    </p:extLst>
   </p:cSld>
   <p:clrMapOvr>
     <a:masterClrMapping/>
@@ -10976,13 +10688,7 @@
       </p:grpSpPr>
       <p:sp>
         <p:nvSpPr>
-          <p:cNvPr id="2" name="Title 1">
-            <a:extLst>
-              <a:ext uri="{FF2B5EF4-FFF2-40B4-BE49-F238E27FC236}">
-                <a16:creationId xmlns:a16="http://schemas.microsoft.com/office/drawing/2014/main" id="{3E6A7785-55FE-44AF-84BD-6E3F8CBF92FC}"/>
-              </a:ext>
-            </a:extLst>
-          </p:cNvPr>
+          <p:cNvPr id="2" name="Title 1"/>
           <p:cNvSpPr>
             <a:spLocks noGrp="1"/>
           </p:cNvSpPr>
@@ -11006,18 +10712,13 @@
               <a:rPr lang="en-GB" dirty="0"/>
               <a:t>Mandatory Access Control</a:t>
             </a:r>
-          </a:p>
-        </p:txBody>
-      </p:sp>
-      <p:sp>
-        <p:nvSpPr>
-          <p:cNvPr id="3" name="Content Placeholder 2">
-            <a:extLst>
-              <a:ext uri="{FF2B5EF4-FFF2-40B4-BE49-F238E27FC236}">
-                <a16:creationId xmlns:a16="http://schemas.microsoft.com/office/drawing/2014/main" id="{B8A3C02E-9730-4641-AC6F-5F5FC55BB7D1}"/>
-              </a:ext>
-            </a:extLst>
-          </p:cNvPr>
+            <a:endParaRPr lang="en-GB" dirty="0"/>
+          </a:p>
+        </p:txBody>
+      </p:sp>
+      <p:sp>
+        <p:nvSpPr>
+          <p:cNvPr id="3" name="Content Placeholder 2"/>
           <p:cNvSpPr>
             <a:spLocks noGrp="1"/>
           </p:cNvSpPr>
@@ -11041,6 +10742,7 @@
               <a:rPr lang="en-US" dirty="0"/>
               <a:t>Examples of security classifications are:</a:t>
             </a:r>
+            <a:endParaRPr lang="en-US" dirty="0"/>
           </a:p>
           <a:p>
             <a:pPr lvl="1"/>
@@ -11048,6 +10750,7 @@
               <a:rPr lang="en-US" dirty="0"/>
               <a:t>For military and governmental environments </a:t>
             </a:r>
+            <a:endParaRPr lang="en-US" dirty="0"/>
           </a:p>
           <a:p>
             <a:pPr lvl="2"/>
@@ -11055,6 +10758,7 @@
               <a:rPr lang="en-US" dirty="0"/>
               <a:t>Top Secret</a:t>
             </a:r>
+            <a:endParaRPr lang="en-US" dirty="0"/>
           </a:p>
           <a:p>
             <a:pPr lvl="2"/>
@@ -11062,6 +10766,7 @@
               <a:rPr lang="en-US" dirty="0"/>
               <a:t>Secret</a:t>
             </a:r>
+            <a:endParaRPr lang="en-US" dirty="0"/>
           </a:p>
           <a:p>
             <a:pPr lvl="2"/>
@@ -11069,6 +10774,7 @@
               <a:rPr lang="en-US" dirty="0"/>
               <a:t>Confidential, and Unclassified; and </a:t>
             </a:r>
+            <a:endParaRPr lang="en-US" dirty="0"/>
           </a:p>
           <a:p>
             <a:pPr lvl="2"/>
@@ -11076,6 +10782,7 @@
               <a:rPr lang="en-US" dirty="0"/>
               <a:t>Confidential, </a:t>
             </a:r>
+            <a:endParaRPr lang="en-US" dirty="0"/>
           </a:p>
           <a:p>
             <a:pPr lvl="1"/>
@@ -11087,6 +10794,7 @@
               <a:rPr lang="en-US" dirty="0"/>
               <a:t>For the commercial sector:</a:t>
             </a:r>
+            <a:endParaRPr lang="en-US" dirty="0"/>
           </a:p>
           <a:p>
             <a:pPr lvl="2"/>
@@ -11094,6 +10802,7 @@
               <a:rPr lang="en-US" dirty="0"/>
               <a:t>Private</a:t>
             </a:r>
+            <a:endParaRPr lang="en-US" dirty="0"/>
           </a:p>
           <a:p>
             <a:pPr lvl="2"/>
@@ -11101,6 +10810,7 @@
               <a:rPr lang="en-US" dirty="0"/>
               <a:t>Sensitive, and </a:t>
             </a:r>
+            <a:endParaRPr lang="en-US" dirty="0"/>
           </a:p>
           <a:p>
             <a:pPr lvl="2"/>
@@ -11108,21 +10818,18 @@
               <a:rPr lang="en-US" dirty="0"/>
               <a:t>Public. </a:t>
             </a:r>
+            <a:endParaRPr lang="en-US" dirty="0"/>
           </a:p>
           <a:p>
             <a:r>
               <a:rPr lang="en-US" dirty="0"/>
               <a:t>Categories, on the other hand, can be anything that is meaningful for the organization. These can be workgroup, projects, business units, and so on.</a:t>
             </a:r>
+            <a:endParaRPr lang="en-US" dirty="0"/>
           </a:p>
         </p:txBody>
       </p:sp>
     </p:spTree>
-    <p:extLst>
-      <p:ext uri="{BB962C8B-B14F-4D97-AF65-F5344CB8AC3E}">
-        <p14:creationId xmlns:p14="http://schemas.microsoft.com/office/powerpoint/2010/main" val="2369144355"/>
-      </p:ext>
-    </p:extLst>
   </p:cSld>
   <p:clrMapOvr>
     <a:masterClrMapping/>
@@ -11149,13 +10856,7 @@
       </p:grpSpPr>
       <p:sp>
         <p:nvSpPr>
-          <p:cNvPr id="2" name="Title 1">
-            <a:extLst>
-              <a:ext uri="{FF2B5EF4-FFF2-40B4-BE49-F238E27FC236}">
-                <a16:creationId xmlns:a16="http://schemas.microsoft.com/office/drawing/2014/main" id="{3E6A7785-55FE-44AF-84BD-6E3F8CBF92FC}"/>
-              </a:ext>
-            </a:extLst>
-          </p:cNvPr>
+          <p:cNvPr id="2" name="Title 1"/>
           <p:cNvSpPr>
             <a:spLocks noGrp="1"/>
           </p:cNvSpPr>
@@ -11179,18 +10880,13 @@
               <a:rPr lang="en-GB" dirty="0"/>
               <a:t>Mandatory Access Control</a:t>
             </a:r>
-          </a:p>
-        </p:txBody>
-      </p:sp>
-      <p:sp>
-        <p:nvSpPr>
-          <p:cNvPr id="3" name="Content Placeholder 2">
-            <a:extLst>
-              <a:ext uri="{FF2B5EF4-FFF2-40B4-BE49-F238E27FC236}">
-                <a16:creationId xmlns:a16="http://schemas.microsoft.com/office/drawing/2014/main" id="{B8A3C02E-9730-4641-AC6F-5F5FC55BB7D1}"/>
-              </a:ext>
-            </a:extLst>
-          </p:cNvPr>
+            <a:endParaRPr lang="en-GB" dirty="0"/>
+          </a:p>
+        </p:txBody>
+      </p:sp>
+      <p:sp>
+        <p:nvSpPr>
+          <p:cNvPr id="3" name="Content Placeholder 2"/>
           <p:cNvSpPr>
             <a:spLocks noGrp="1"/>
           </p:cNvSpPr>
@@ -11214,6 +10910,7 @@
               <a:rPr lang="en-US" dirty="0"/>
               <a:t>A system using MAC model would authorize access to an object only if a subject has a label that is equal to or, for hierarchical systems, superior to the label attached to the object.</a:t>
             </a:r>
+            <a:endParaRPr lang="en-US" dirty="0"/>
           </a:p>
           <a:p>
             <a:endParaRPr lang="en-US" dirty="0"/>
@@ -11223,6 +10920,7 @@
               <a:rPr lang="en-US" dirty="0"/>
               <a:t>In a hierarchical system, a label is superior if it has the same or higher classification and includes all categories included in the object’s security label.</a:t>
             </a:r>
+            <a:endParaRPr lang="en-US" dirty="0"/>
           </a:p>
           <a:p>
             <a:endParaRPr lang="en-US" dirty="0"/>
@@ -11232,6 +10930,7 @@
               <a:rPr lang="en-US" dirty="0"/>
               <a:t>Systems based on a MAC model are considered more secure than systems based on a DAC model because the policy is enforced at the operating system, thus reducing the risk of mishandled permissions. </a:t>
             </a:r>
+            <a:endParaRPr lang="en-US" dirty="0"/>
           </a:p>
           <a:p>
             <a:endParaRPr lang="en-US" dirty="0"/>
@@ -11241,6 +10940,7 @@
               <a:rPr lang="en-US" dirty="0"/>
               <a:t>The drawback of a MAC-based system, however, is that it does not offer the same degree of flexibility offered by a DAC-based system.</a:t>
             </a:r>
+            <a:endParaRPr lang="en-US" dirty="0"/>
           </a:p>
           <a:p>
             <a:endParaRPr lang="en-US" dirty="0"/>
@@ -11250,6 +10950,7 @@
               <a:rPr lang="en-US" dirty="0"/>
               <a:t>Due to the issues of less flexibility and more complicated administration, MAC systems have historically been used in environments where high security is needed, such as in a military environment. </a:t>
             </a:r>
+            <a:endParaRPr lang="en-US" dirty="0"/>
           </a:p>
           <a:p>
             <a:endParaRPr lang="en-US" dirty="0"/>
@@ -11275,11 +10976,6 @@
         </p:txBody>
       </p:sp>
     </p:spTree>
-    <p:extLst>
-      <p:ext uri="{BB962C8B-B14F-4D97-AF65-F5344CB8AC3E}">
-        <p14:creationId xmlns:p14="http://schemas.microsoft.com/office/powerpoint/2010/main" val="3671096544"/>
-      </p:ext>
-    </p:extLst>
   </p:cSld>
   <p:clrMapOvr>
     <a:masterClrMapping/>
@@ -11306,13 +11002,7 @@
       </p:grpSpPr>
       <p:sp>
         <p:nvSpPr>
-          <p:cNvPr id="2" name="Title 1">
-            <a:extLst>
-              <a:ext uri="{FF2B5EF4-FFF2-40B4-BE49-F238E27FC236}">
-                <a16:creationId xmlns:a16="http://schemas.microsoft.com/office/drawing/2014/main" id="{3E6A7785-55FE-44AF-84BD-6E3F8CBF92FC}"/>
-              </a:ext>
-            </a:extLst>
-          </p:cNvPr>
+          <p:cNvPr id="2" name="Title 1"/>
           <p:cNvSpPr>
             <a:spLocks noGrp="1"/>
           </p:cNvSpPr>
@@ -11336,18 +11026,13 @@
               <a:rPr lang="en-GB" dirty="0"/>
               <a:t>Role-Based Access Control</a:t>
             </a:r>
-          </a:p>
-        </p:txBody>
-      </p:sp>
-      <p:sp>
-        <p:nvSpPr>
-          <p:cNvPr id="3" name="Content Placeholder 2">
-            <a:extLst>
-              <a:ext uri="{FF2B5EF4-FFF2-40B4-BE49-F238E27FC236}">
-                <a16:creationId xmlns:a16="http://schemas.microsoft.com/office/drawing/2014/main" id="{B8A3C02E-9730-4641-AC6F-5F5FC55BB7D1}"/>
-              </a:ext>
-            </a:extLst>
-          </p:cNvPr>
+            <a:endParaRPr lang="en-GB" dirty="0"/>
+          </a:p>
+        </p:txBody>
+      </p:sp>
+      <p:sp>
+        <p:nvSpPr>
+          <p:cNvPr id="3" name="Content Placeholder 2"/>
           <p:cNvSpPr>
             <a:spLocks noGrp="1"/>
           </p:cNvSpPr>
@@ -11371,6 +11056,7 @@
               <a:rPr lang="en-US" dirty="0"/>
               <a:t>The RBAC model uses a subject role to make authorization decisions. </a:t>
             </a:r>
+            <a:endParaRPr lang="en-US" dirty="0"/>
           </a:p>
           <a:p>
             <a:endParaRPr lang="en-US" dirty="0"/>
@@ -11380,6 +11066,7 @@
               <a:rPr lang="en-US" dirty="0"/>
               <a:t>Each subject needs to be assigned to a role; however, the assignment is done by the system administrator. This is called user assignment (UA). </a:t>
             </a:r>
+            <a:endParaRPr lang="en-US" dirty="0"/>
           </a:p>
           <a:p>
             <a:endParaRPr lang="en-US" dirty="0"/>
@@ -11389,6 +11076,7 @@
               <a:rPr lang="en-US" dirty="0"/>
               <a:t>Each role is then assigned permission over an object. This is called permission assignment (PA).</a:t>
             </a:r>
+            <a:endParaRPr lang="en-US" dirty="0"/>
           </a:p>
           <a:p>
             <a:endParaRPr lang="en-US" dirty="0"/>
@@ -11398,6 +11086,7 @@
               <a:rPr lang="en-US" dirty="0"/>
               <a:t>The RBAC model greatly improves scalability and simplifies administration because a subject can just be assigned to a role without the permission over an object needing to be changed. </a:t>
             </a:r>
+            <a:endParaRPr lang="en-US" dirty="0"/>
           </a:p>
           <a:p>
             <a:endParaRPr lang="en-US" dirty="0"/>
@@ -11412,11 +11101,6 @@
         </p:txBody>
       </p:sp>
     </p:spTree>
-    <p:extLst>
-      <p:ext uri="{BB962C8B-B14F-4D97-AF65-F5344CB8AC3E}">
-        <p14:creationId xmlns:p14="http://schemas.microsoft.com/office/powerpoint/2010/main" val="1733261499"/>
-      </p:ext>
-    </p:extLst>
   </p:cSld>
   <p:clrMapOvr>
     <a:masterClrMapping/>
@@ -11443,13 +11127,7 @@
       </p:grpSpPr>
       <p:sp>
         <p:nvSpPr>
-          <p:cNvPr id="2" name="Title 1">
-            <a:extLst>
-              <a:ext uri="{FF2B5EF4-FFF2-40B4-BE49-F238E27FC236}">
-                <a16:creationId xmlns:a16="http://schemas.microsoft.com/office/drawing/2014/main" id="{3E6A7785-55FE-44AF-84BD-6E3F8CBF92FC}"/>
-              </a:ext>
-            </a:extLst>
-          </p:cNvPr>
+          <p:cNvPr id="2" name="Title 1"/>
           <p:cNvSpPr>
             <a:spLocks noGrp="1"/>
           </p:cNvSpPr>
@@ -11473,18 +11151,13 @@
               <a:rPr lang="en-GB" dirty="0"/>
               <a:t>Role-Based Access Control</a:t>
             </a:r>
-          </a:p>
-        </p:txBody>
-      </p:sp>
-      <p:sp>
-        <p:nvSpPr>
-          <p:cNvPr id="3" name="Content Placeholder 2">
-            <a:extLst>
-              <a:ext uri="{FF2B5EF4-FFF2-40B4-BE49-F238E27FC236}">
-                <a16:creationId xmlns:a16="http://schemas.microsoft.com/office/drawing/2014/main" id="{B8A3C02E-9730-4641-AC6F-5F5FC55BB7D1}"/>
-              </a:ext>
-            </a:extLst>
-          </p:cNvPr>
+            <a:endParaRPr lang="en-GB" dirty="0"/>
+          </a:p>
+        </p:txBody>
+      </p:sp>
+      <p:sp>
+        <p:nvSpPr>
+          <p:cNvPr id="3" name="Content Placeholder 2"/>
           <p:cNvSpPr>
             <a:spLocks noGrp="1"/>
           </p:cNvSpPr>
@@ -11508,6 +11181,7 @@
               <a:rPr lang="en-US" dirty="0"/>
               <a:t>The RBAC model uses a subject role to make authorization decisions. </a:t>
             </a:r>
+            <a:endParaRPr lang="en-US" dirty="0"/>
           </a:p>
           <a:p>
             <a:endParaRPr lang="en-US" dirty="0"/>
@@ -11517,6 +11191,7 @@
               <a:rPr lang="en-US" dirty="0"/>
               <a:t>Each subject needs to be assigned to a role; however, the assignment is done by the system administrator. This is called user assignment (UA). </a:t>
             </a:r>
+            <a:endParaRPr lang="en-US" dirty="0"/>
           </a:p>
           <a:p>
             <a:endParaRPr lang="en-US" dirty="0"/>
@@ -11526,6 +11201,7 @@
               <a:rPr lang="en-US" dirty="0"/>
               <a:t>Each role is then assigned permission over an object. This is called permission assignment (PA).</a:t>
             </a:r>
+            <a:endParaRPr lang="en-US" dirty="0"/>
           </a:p>
           <a:p>
             <a:endParaRPr lang="en-US" dirty="0"/>
@@ -11535,6 +11211,7 @@
               <a:rPr lang="en-US" dirty="0"/>
               <a:t>The RBAC model greatly improves scalability and simplifies administration because a subject can just be assigned to a role without the permission over an object needing to be changed. </a:t>
             </a:r>
+            <a:endParaRPr lang="en-US" dirty="0"/>
           </a:p>
           <a:p>
             <a:endParaRPr lang="en-US" dirty="0"/>
@@ -11550,20 +11227,14 @@
       </p:sp>
       <p:pic>
         <p:nvPicPr>
-          <p:cNvPr id="6" name="Picture 5">
-            <a:extLst>
-              <a:ext uri="{FF2B5EF4-FFF2-40B4-BE49-F238E27FC236}">
-                <a16:creationId xmlns:a16="http://schemas.microsoft.com/office/drawing/2014/main" id="{C63836E8-E87B-435D-9320-76DE3078C1C5}"/>
-              </a:ext>
-            </a:extLst>
-          </p:cNvPr>
+          <p:cNvPr id="6" name="Picture 5"/>
           <p:cNvPicPr>
             <a:picLocks noChangeAspect="1"/>
           </p:cNvPicPr>
           <p:nvPr/>
         </p:nvPicPr>
         <p:blipFill>
-          <a:blip r:embed="rId2"/>
+          <a:blip r:embed="rId1"/>
           <a:stretch>
             <a:fillRect/>
           </a:stretch>
@@ -11579,11 +11250,6 @@
         </p:spPr>
       </p:pic>
     </p:spTree>
-    <p:extLst>
-      <p:ext uri="{BB962C8B-B14F-4D97-AF65-F5344CB8AC3E}">
-        <p14:creationId xmlns:p14="http://schemas.microsoft.com/office/powerpoint/2010/main" val="3558407034"/>
-      </p:ext>
-    </p:extLst>
   </p:cSld>
   <p:clrMapOvr>
     <a:masterClrMapping/>
@@ -11610,13 +11276,7 @@
       </p:grpSpPr>
       <p:sp>
         <p:nvSpPr>
-          <p:cNvPr id="2" name="Title 1">
-            <a:extLst>
-              <a:ext uri="{FF2B5EF4-FFF2-40B4-BE49-F238E27FC236}">
-                <a16:creationId xmlns:a16="http://schemas.microsoft.com/office/drawing/2014/main" id="{1A3BE46B-F24D-4C22-BAB5-2337AC2CCF40}"/>
-              </a:ext>
-            </a:extLst>
-          </p:cNvPr>
+          <p:cNvPr id="2" name="Title 1"/>
           <p:cNvSpPr>
             <a:spLocks noGrp="1"/>
           </p:cNvSpPr>
@@ -11638,18 +11298,13 @@
               <a:rPr lang="en-GB" dirty="0"/>
               <a:t>Access Control Process</a:t>
             </a:r>
-          </a:p>
-        </p:txBody>
-      </p:sp>
-      <p:sp>
-        <p:nvSpPr>
-          <p:cNvPr id="3" name="Content Placeholder 2">
-            <a:extLst>
-              <a:ext uri="{FF2B5EF4-FFF2-40B4-BE49-F238E27FC236}">
-                <a16:creationId xmlns:a16="http://schemas.microsoft.com/office/drawing/2014/main" id="{C99C1F06-01A1-41FA-A5E1-AAB7E32430F5}"/>
-              </a:ext>
-            </a:extLst>
-          </p:cNvPr>
+            <a:endParaRPr lang="en-GB" dirty="0"/>
+          </a:p>
+        </p:txBody>
+      </p:sp>
+      <p:sp>
+        <p:nvSpPr>
+          <p:cNvPr id="3" name="Content Placeholder 2"/>
           <p:cNvSpPr>
             <a:spLocks noGrp="1"/>
           </p:cNvSpPr>
@@ -11674,6 +11329,7 @@
               <a:rPr lang="en-US" dirty="0"/>
               <a:t>Access Control Process governs the granting, preventing, or revoking of access to a resource. </a:t>
             </a:r>
+            <a:endParaRPr lang="en-US" dirty="0"/>
           </a:p>
           <a:p>
             <a:pPr algn="just"/>
@@ -11685,6 +11341,7 @@
               <a:rPr lang="en-US" dirty="0"/>
               <a:t>The core of an access control process is the establishment of an access control policy or rule that determines which type of access to assign and when.</a:t>
             </a:r>
+            <a:endParaRPr lang="en-US" dirty="0"/>
           </a:p>
           <a:p>
             <a:pPr algn="just"/>
@@ -11696,6 +11353,7 @@
               <a:rPr lang="en-US" dirty="0"/>
               <a:t>To determine an access control policy, the policy owner needs an evaluation of the asset or data – this  is to understand the importance of an organization’s asset so that adequate controls can be established. </a:t>
             </a:r>
+            <a:endParaRPr lang="en-US" dirty="0"/>
           </a:p>
           <a:p>
             <a:pPr algn="just"/>
@@ -11712,11 +11370,6 @@
         </p:txBody>
       </p:sp>
     </p:spTree>
-    <p:extLst>
-      <p:ext uri="{BB962C8B-B14F-4D97-AF65-F5344CB8AC3E}">
-        <p14:creationId xmlns:p14="http://schemas.microsoft.com/office/powerpoint/2010/main" val="1275195985"/>
-      </p:ext>
-    </p:extLst>
   </p:cSld>
   <p:clrMapOvr>
     <a:masterClrMapping/>
@@ -11743,13 +11396,7 @@
       </p:grpSpPr>
       <p:sp>
         <p:nvSpPr>
-          <p:cNvPr id="2" name="Title 1">
-            <a:extLst>
-              <a:ext uri="{FF2B5EF4-FFF2-40B4-BE49-F238E27FC236}">
-                <a16:creationId xmlns:a16="http://schemas.microsoft.com/office/drawing/2014/main" id="{3E6A7785-55FE-44AF-84BD-6E3F8CBF92FC}"/>
-              </a:ext>
-            </a:extLst>
-          </p:cNvPr>
+          <p:cNvPr id="2" name="Title 1"/>
           <p:cNvSpPr>
             <a:spLocks noGrp="1"/>
           </p:cNvSpPr>
@@ -11773,18 +11420,13 @@
               <a:rPr lang="en-GB" dirty="0"/>
               <a:t>Role-Based Access Control</a:t>
             </a:r>
-          </a:p>
-        </p:txBody>
-      </p:sp>
-      <p:sp>
-        <p:nvSpPr>
-          <p:cNvPr id="3" name="Content Placeholder 2">
-            <a:extLst>
-              <a:ext uri="{FF2B5EF4-FFF2-40B4-BE49-F238E27FC236}">
-                <a16:creationId xmlns:a16="http://schemas.microsoft.com/office/drawing/2014/main" id="{B8A3C02E-9730-4641-AC6F-5F5FC55BB7D1}"/>
-              </a:ext>
-            </a:extLst>
-          </p:cNvPr>
+            <a:endParaRPr lang="en-GB" dirty="0"/>
+          </a:p>
+        </p:txBody>
+      </p:sp>
+      <p:sp>
+        <p:nvSpPr>
+          <p:cNvPr id="3" name="Content Placeholder 2"/>
           <p:cNvSpPr>
             <a:spLocks noGrp="1"/>
           </p:cNvSpPr>
@@ -11808,6 +11450,7 @@
               <a:rPr lang="en-US" dirty="0"/>
               <a:t>The RBAC model uses a subject role to make authorization decisions. </a:t>
             </a:r>
+            <a:endParaRPr lang="en-US" dirty="0"/>
           </a:p>
           <a:p>
             <a:endParaRPr lang="en-US" dirty="0"/>
@@ -11817,6 +11460,7 @@
               <a:rPr lang="en-US" dirty="0"/>
               <a:t>Each subject needs to be assigned to a role; however, the assignment is done by the system administrator. This is called user assignment (UA). </a:t>
             </a:r>
+            <a:endParaRPr lang="en-US" dirty="0"/>
           </a:p>
           <a:p>
             <a:endParaRPr lang="en-US" dirty="0"/>
@@ -11826,6 +11470,7 @@
               <a:rPr lang="en-US" dirty="0"/>
               <a:t>Each role is then assigned permission over an object. This is called permission assignment (PA).</a:t>
             </a:r>
+            <a:endParaRPr lang="en-US" dirty="0"/>
           </a:p>
           <a:p>
             <a:endParaRPr lang="en-US" dirty="0"/>
@@ -11835,6 +11480,7 @@
               <a:rPr lang="en-US" dirty="0"/>
               <a:t>The RBAC model greatly improves scalability and simplifies administration because a subject can just be assigned to a role without the permission over an object needing to be changed. </a:t>
             </a:r>
+            <a:endParaRPr lang="en-US" dirty="0"/>
           </a:p>
           <a:p>
             <a:endParaRPr lang="en-US" dirty="0"/>
@@ -11849,11 +11495,6 @@
         </p:txBody>
       </p:sp>
     </p:spTree>
-    <p:extLst>
-      <p:ext uri="{BB962C8B-B14F-4D97-AF65-F5344CB8AC3E}">
-        <p14:creationId xmlns:p14="http://schemas.microsoft.com/office/powerpoint/2010/main" val="3657934202"/>
-      </p:ext>
-    </p:extLst>
   </p:cSld>
   <p:clrMapOvr>
     <a:masterClrMapping/>
@@ -11880,13 +11521,7 @@
       </p:grpSpPr>
       <p:sp>
         <p:nvSpPr>
-          <p:cNvPr id="2" name="Title 1">
-            <a:extLst>
-              <a:ext uri="{FF2B5EF4-FFF2-40B4-BE49-F238E27FC236}">
-                <a16:creationId xmlns:a16="http://schemas.microsoft.com/office/drawing/2014/main" id="{3E6A7785-55FE-44AF-84BD-6E3F8CBF92FC}"/>
-              </a:ext>
-            </a:extLst>
-          </p:cNvPr>
+          <p:cNvPr id="2" name="Title 1"/>
           <p:cNvSpPr>
             <a:spLocks noGrp="1"/>
           </p:cNvSpPr>
@@ -11910,18 +11545,13 @@
               <a:rPr lang="en-GB" dirty="0"/>
               <a:t>Role-Based Access Control</a:t>
             </a:r>
-          </a:p>
-        </p:txBody>
-      </p:sp>
-      <p:sp>
-        <p:nvSpPr>
-          <p:cNvPr id="3" name="Content Placeholder 2">
-            <a:extLst>
-              <a:ext uri="{FF2B5EF4-FFF2-40B4-BE49-F238E27FC236}">
-                <a16:creationId xmlns:a16="http://schemas.microsoft.com/office/drawing/2014/main" id="{B8A3C02E-9730-4641-AC6F-5F5FC55BB7D1}"/>
-              </a:ext>
-            </a:extLst>
-          </p:cNvPr>
+            <a:endParaRPr lang="en-GB" dirty="0"/>
+          </a:p>
+        </p:txBody>
+      </p:sp>
+      <p:sp>
+        <p:nvSpPr>
+          <p:cNvPr id="3" name="Content Placeholder 2"/>
           <p:cNvSpPr>
             <a:spLocks noGrp="1"/>
           </p:cNvSpPr>
@@ -11945,6 +11575,7 @@
               <a:rPr lang="en-US" dirty="0"/>
               <a:t>A subject can be assigned to several roles, and a role can include multiple subjects.  </a:t>
             </a:r>
+            <a:endParaRPr lang="en-US" dirty="0"/>
           </a:p>
           <a:p>
             <a:endParaRPr lang="en-US" dirty="0"/>
@@ -11954,6 +11585,7 @@
               <a:rPr lang="en-US" dirty="0"/>
               <a:t>In the same way, a role can have multiple permissions, and the same permissions can be assigned to multiple roles. </a:t>
             </a:r>
+            <a:endParaRPr lang="en-US" dirty="0"/>
           </a:p>
           <a:p>
             <a:endParaRPr lang="en-US" dirty="0"/>
@@ -11963,6 +11595,7 @@
               <a:rPr lang="en-US" dirty="0"/>
               <a:t>This creates a many-to-many relationship. The RBAC model supports the principles of least privileges, separation of duties, and data abstraction.</a:t>
             </a:r>
+            <a:endParaRPr lang="en-US" dirty="0"/>
           </a:p>
           <a:p>
             <a:endParaRPr lang="en-US" dirty="0"/>
@@ -11972,6 +11605,7 @@
               <a:rPr lang="en-US" dirty="0"/>
               <a:t>The least-privileges principle is provided by configuring the RBAC system to assign only the privileges that are needed to execute a specific task to a role. </a:t>
             </a:r>
+            <a:endParaRPr lang="en-US" dirty="0"/>
           </a:p>
           <a:p>
             <a:endParaRPr lang="en-US" dirty="0"/>
@@ -11981,6 +11615,7 @@
               <a:rPr lang="en-US" dirty="0"/>
               <a:t>Separation of duties is obtained by configuring the system so that two roles that are mutually exclusive are  needed to finish a task.</a:t>
             </a:r>
+            <a:endParaRPr lang="en-US" dirty="0"/>
           </a:p>
           <a:p>
             <a:endParaRPr lang="en-US" dirty="0"/>
@@ -11990,6 +11625,7 @@
               <a:rPr lang="en-US" dirty="0"/>
               <a:t>Data abstraction is achieved by using abstract permissions (for example, open and close if the object is a lock instead of the typical read, write, and execute).</a:t>
             </a:r>
+            <a:endParaRPr lang="en-US" dirty="0"/>
           </a:p>
           <a:p>
             <a:endParaRPr lang="en-GB" dirty="0"/>
@@ -11997,11 +11633,6 @@
         </p:txBody>
       </p:sp>
     </p:spTree>
-    <p:extLst>
-      <p:ext uri="{BB962C8B-B14F-4D97-AF65-F5344CB8AC3E}">
-        <p14:creationId xmlns:p14="http://schemas.microsoft.com/office/powerpoint/2010/main" val="3095288624"/>
-      </p:ext>
-    </p:extLst>
   </p:cSld>
   <p:clrMapOvr>
     <a:masterClrMapping/>
@@ -12028,13 +11659,7 @@
       </p:grpSpPr>
       <p:sp>
         <p:nvSpPr>
-          <p:cNvPr id="2" name="Title 1">
-            <a:extLst>
-              <a:ext uri="{FF2B5EF4-FFF2-40B4-BE49-F238E27FC236}">
-                <a16:creationId xmlns:a16="http://schemas.microsoft.com/office/drawing/2014/main" id="{3E6A7785-55FE-44AF-84BD-6E3F8CBF92FC}"/>
-              </a:ext>
-            </a:extLst>
-          </p:cNvPr>
+          <p:cNvPr id="2" name="Title 1"/>
           <p:cNvSpPr>
             <a:spLocks noGrp="1"/>
           </p:cNvSpPr>
@@ -12058,18 +11683,13 @@
               <a:rPr lang="en-GB" dirty="0"/>
               <a:t>Components of Role-Based Access Control</a:t>
             </a:r>
-          </a:p>
-        </p:txBody>
-      </p:sp>
-      <p:sp>
-        <p:nvSpPr>
-          <p:cNvPr id="3" name="Content Placeholder 2">
-            <a:extLst>
-              <a:ext uri="{FF2B5EF4-FFF2-40B4-BE49-F238E27FC236}">
-                <a16:creationId xmlns:a16="http://schemas.microsoft.com/office/drawing/2014/main" id="{B8A3C02E-9730-4641-AC6F-5F5FC55BB7D1}"/>
-              </a:ext>
-            </a:extLst>
-          </p:cNvPr>
+            <a:endParaRPr lang="en-GB" dirty="0"/>
+          </a:p>
+        </p:txBody>
+      </p:sp>
+      <p:sp>
+        <p:nvSpPr>
+          <p:cNvPr id="3" name="Content Placeholder 2"/>
           <p:cNvSpPr>
             <a:spLocks noGrp="1"/>
           </p:cNvSpPr>
@@ -12091,6 +11711,7 @@
               <a:rPr lang="en-US" dirty="0"/>
               <a:t>According to the RBAC standard proposed by National Institute of Standards and Technology (NIST), there are three components of the RBAC model.</a:t>
             </a:r>
+            <a:endParaRPr lang="en-US" dirty="0"/>
           </a:p>
           <a:p>
             <a:endParaRPr lang="en-US" dirty="0"/>
@@ -12100,6 +11721,7 @@
               <a:rPr lang="en-US" dirty="0"/>
               <a:t>These are:</a:t>
             </a:r>
+            <a:endParaRPr lang="en-US" dirty="0"/>
           </a:p>
           <a:p>
             <a:pPr lvl="1"/>
@@ -12107,6 +11729,7 @@
               <a:rPr lang="en-US" dirty="0"/>
               <a:t>Core RABC</a:t>
             </a:r>
+            <a:endParaRPr lang="en-US" dirty="0"/>
           </a:p>
           <a:p>
             <a:pPr lvl="1"/>
@@ -12114,6 +11737,7 @@
               <a:rPr lang="en-US" dirty="0"/>
               <a:t>Hierarchical RBAC</a:t>
             </a:r>
+            <a:endParaRPr lang="en-US" dirty="0"/>
           </a:p>
           <a:p>
             <a:pPr lvl="1"/>
@@ -12121,6 +11745,7 @@
               <a:rPr lang="en-US" dirty="0"/>
               <a:t>Constraint RBAC</a:t>
             </a:r>
+            <a:endParaRPr lang="en-US" dirty="0"/>
           </a:p>
           <a:p>
             <a:endParaRPr lang="en-US" dirty="0"/>
@@ -12131,11 +11756,6 @@
         </p:txBody>
       </p:sp>
     </p:spTree>
-    <p:extLst>
-      <p:ext uri="{BB962C8B-B14F-4D97-AF65-F5344CB8AC3E}">
-        <p14:creationId xmlns:p14="http://schemas.microsoft.com/office/powerpoint/2010/main" val="1084104428"/>
-      </p:ext>
-    </p:extLst>
   </p:cSld>
   <p:clrMapOvr>
     <a:masterClrMapping/>
@@ -12162,13 +11782,7 @@
       </p:grpSpPr>
       <p:sp>
         <p:nvSpPr>
-          <p:cNvPr id="2" name="Title 1">
-            <a:extLst>
-              <a:ext uri="{FF2B5EF4-FFF2-40B4-BE49-F238E27FC236}">
-                <a16:creationId xmlns:a16="http://schemas.microsoft.com/office/drawing/2014/main" id="{3E6A7785-55FE-44AF-84BD-6E3F8CBF92FC}"/>
-              </a:ext>
-            </a:extLst>
-          </p:cNvPr>
+          <p:cNvPr id="2" name="Title 1"/>
           <p:cNvSpPr>
             <a:spLocks noGrp="1"/>
           </p:cNvSpPr>
@@ -12192,18 +11806,13 @@
               <a:rPr lang="en-GB" dirty="0"/>
               <a:t>Components of Role-Based Access Control</a:t>
             </a:r>
-          </a:p>
-        </p:txBody>
-      </p:sp>
-      <p:sp>
-        <p:nvSpPr>
-          <p:cNvPr id="3" name="Content Placeholder 2">
-            <a:extLst>
-              <a:ext uri="{FF2B5EF4-FFF2-40B4-BE49-F238E27FC236}">
-                <a16:creationId xmlns:a16="http://schemas.microsoft.com/office/drawing/2014/main" id="{B8A3C02E-9730-4641-AC6F-5F5FC55BB7D1}"/>
-              </a:ext>
-            </a:extLst>
-          </p:cNvPr>
+            <a:endParaRPr lang="en-GB" dirty="0"/>
+          </a:p>
+        </p:txBody>
+      </p:sp>
+      <p:sp>
+        <p:nvSpPr>
+          <p:cNvPr id="3" name="Content Placeholder 2"/>
           <p:cNvSpPr>
             <a:spLocks noGrp="1"/>
           </p:cNvSpPr>
@@ -12228,6 +11837,7 @@
               <a:rPr lang="en-US" dirty="0"/>
               <a:t>Core RBAC</a:t>
             </a:r>
+            <a:endParaRPr lang="en-US" dirty="0"/>
           </a:p>
           <a:p>
             <a:pPr lvl="1"/>
@@ -12235,6 +11845,7 @@
               <a:rPr lang="en-US" dirty="0"/>
               <a:t>This is the fundamental component of the RBAC model, and it implements the basic authorization based on the user roles. </a:t>
             </a:r>
+            <a:endParaRPr lang="en-US" dirty="0"/>
           </a:p>
           <a:p>
             <a:pPr lvl="1"/>
@@ -12246,6 +11857,7 @@
               <a:rPr lang="en-US" dirty="0"/>
               <a:t>A session in the context of RBAC is the way a subject or user activates a subset of roles. </a:t>
             </a:r>
+            <a:endParaRPr lang="en-US" dirty="0"/>
           </a:p>
           <a:p>
             <a:pPr lvl="1"/>
@@ -12257,6 +11869,7 @@
               <a:rPr lang="en-US" dirty="0"/>
               <a:t>For example, if a user is assigned to two roles (guest and administrator), then using a session as guest will activate only the permission given to the guest role. </a:t>
             </a:r>
+            <a:endParaRPr lang="en-US" dirty="0"/>
           </a:p>
           <a:p>
             <a:pPr lvl="1"/>
@@ -12273,11 +11886,6 @@
         </p:txBody>
       </p:sp>
     </p:spTree>
-    <p:extLst>
-      <p:ext uri="{BB962C8B-B14F-4D97-AF65-F5344CB8AC3E}">
-        <p14:creationId xmlns:p14="http://schemas.microsoft.com/office/powerpoint/2010/main" val="2018735684"/>
-      </p:ext>
-    </p:extLst>
   </p:cSld>
   <p:clrMapOvr>
     <a:masterClrMapping/>
@@ -12304,13 +11912,7 @@
       </p:grpSpPr>
       <p:sp>
         <p:nvSpPr>
-          <p:cNvPr id="2" name="Title 1">
-            <a:extLst>
-              <a:ext uri="{FF2B5EF4-FFF2-40B4-BE49-F238E27FC236}">
-                <a16:creationId xmlns:a16="http://schemas.microsoft.com/office/drawing/2014/main" id="{3E6A7785-55FE-44AF-84BD-6E3F8CBF92FC}"/>
-              </a:ext>
-            </a:extLst>
-          </p:cNvPr>
+          <p:cNvPr id="2" name="Title 1"/>
           <p:cNvSpPr>
             <a:spLocks noGrp="1"/>
           </p:cNvSpPr>
@@ -12334,18 +11936,13 @@
               <a:rPr lang="en-GB" dirty="0"/>
               <a:t>Components of Role-Based Access Control</a:t>
             </a:r>
-          </a:p>
-        </p:txBody>
-      </p:sp>
-      <p:sp>
-        <p:nvSpPr>
-          <p:cNvPr id="3" name="Content Placeholder 2">
-            <a:extLst>
-              <a:ext uri="{FF2B5EF4-FFF2-40B4-BE49-F238E27FC236}">
-                <a16:creationId xmlns:a16="http://schemas.microsoft.com/office/drawing/2014/main" id="{B8A3C02E-9730-4641-AC6F-5F5FC55BB7D1}"/>
-              </a:ext>
-            </a:extLst>
-          </p:cNvPr>
+            <a:endParaRPr lang="en-GB" dirty="0"/>
+          </a:p>
+        </p:txBody>
+      </p:sp>
+      <p:sp>
+        <p:nvSpPr>
+          <p:cNvPr id="3" name="Content Placeholder 2"/>
           <p:cNvSpPr>
             <a:spLocks noGrp="1"/>
           </p:cNvSpPr>
@@ -12372,6 +11969,7 @@
               <a:rPr lang="en-US" dirty="0"/>
               <a:t>Hierarchical RBAC</a:t>
             </a:r>
+            <a:endParaRPr lang="en-US" dirty="0"/>
           </a:p>
           <a:p>
             <a:pPr lvl="1"/>
@@ -12379,6 +11977,7 @@
               <a:rPr lang="en-US" dirty="0"/>
               <a:t>This component introduces hierarchy within the RBAC model and is added on top of the core RBAC.</a:t>
             </a:r>
+            <a:endParaRPr lang="en-US" dirty="0"/>
           </a:p>
           <a:p>
             <a:pPr lvl="1"/>
@@ -12390,6 +11989,7 @@
               <a:rPr lang="en-US" dirty="0"/>
               <a:t>This component facilitates the mapping to an organization, which is usually structured in a hierarchical way.</a:t>
             </a:r>
+            <a:endParaRPr lang="en-US" dirty="0"/>
           </a:p>
           <a:p>
             <a:pPr lvl="1"/>
@@ -12401,6 +12001,7 @@
               <a:rPr lang="en-US" dirty="0"/>
               <a:t>In simple terms, hierarchical RBAC allows permission inheritance from one role to the other.</a:t>
             </a:r>
+            <a:endParaRPr lang="en-US" dirty="0"/>
           </a:p>
           <a:p>
             <a:pPr lvl="1"/>
@@ -12412,6 +12013,7 @@
               <a:rPr lang="en-US" dirty="0"/>
               <a:t> For example, the head of multiple business units may inherit all the permissions assigned to each business unit, plus have the permission assigned to the “head of business units” role itself. </a:t>
             </a:r>
+            <a:endParaRPr lang="en-US" dirty="0"/>
           </a:p>
           <a:p>
             <a:pPr lvl="1"/>
@@ -12423,6 +12025,7 @@
               <a:rPr lang="en-US" dirty="0"/>
               <a:t>Within hierarchical RBAC, two models are defined: </a:t>
             </a:r>
+            <a:endParaRPr lang="en-US" dirty="0"/>
           </a:p>
           <a:p>
             <a:pPr lvl="2"/>
@@ -12430,6 +12033,7 @@
               <a:rPr lang="en-US" dirty="0"/>
               <a:t>General role hierarchy, which allows for multiple role inheritance, and </a:t>
             </a:r>
+            <a:endParaRPr lang="en-US" dirty="0"/>
           </a:p>
           <a:p>
             <a:pPr lvl="2"/>
@@ -12446,11 +12050,6 @@
         </p:txBody>
       </p:sp>
     </p:spTree>
-    <p:extLst>
-      <p:ext uri="{BB962C8B-B14F-4D97-AF65-F5344CB8AC3E}">
-        <p14:creationId xmlns:p14="http://schemas.microsoft.com/office/powerpoint/2010/main" val="1544757671"/>
-      </p:ext>
-    </p:extLst>
   </p:cSld>
   <p:clrMapOvr>
     <a:masterClrMapping/>
@@ -12477,13 +12076,7 @@
       </p:grpSpPr>
       <p:sp>
         <p:nvSpPr>
-          <p:cNvPr id="2" name="Title 1">
-            <a:extLst>
-              <a:ext uri="{FF2B5EF4-FFF2-40B4-BE49-F238E27FC236}">
-                <a16:creationId xmlns:a16="http://schemas.microsoft.com/office/drawing/2014/main" id="{3E6A7785-55FE-44AF-84BD-6E3F8CBF92FC}"/>
-              </a:ext>
-            </a:extLst>
-          </p:cNvPr>
+          <p:cNvPr id="2" name="Title 1"/>
           <p:cNvSpPr>
             <a:spLocks noGrp="1"/>
           </p:cNvSpPr>
@@ -12507,18 +12100,13 @@
               <a:rPr lang="en-GB" dirty="0"/>
               <a:t>Components of Role-Based Access Control</a:t>
             </a:r>
-          </a:p>
-        </p:txBody>
-      </p:sp>
-      <p:sp>
-        <p:nvSpPr>
-          <p:cNvPr id="3" name="Content Placeholder 2">
-            <a:extLst>
-              <a:ext uri="{FF2B5EF4-FFF2-40B4-BE49-F238E27FC236}">
-                <a16:creationId xmlns:a16="http://schemas.microsoft.com/office/drawing/2014/main" id="{B8A3C02E-9730-4641-AC6F-5F5FC55BB7D1}"/>
-              </a:ext>
-            </a:extLst>
-          </p:cNvPr>
+            <a:endParaRPr lang="en-GB" dirty="0"/>
+          </a:p>
+        </p:txBody>
+      </p:sp>
+      <p:sp>
+        <p:nvSpPr>
+          <p:cNvPr id="3" name="Content Placeholder 2"/>
           <p:cNvSpPr>
             <a:spLocks noGrp="1"/>
           </p:cNvSpPr>
@@ -12543,6 +12131,7 @@
               <a:rPr lang="en-US" dirty="0"/>
               <a:t>Constraint RBAC</a:t>
             </a:r>
+            <a:endParaRPr lang="en-US" dirty="0"/>
           </a:p>
           <a:p>
             <a:pPr lvl="1"/>
@@ -12550,6 +12139,7 @@
               <a:rPr lang="en-US" dirty="0"/>
               <a:t>This component introduces the concept of separation of duties. </a:t>
             </a:r>
+            <a:endParaRPr lang="en-US" dirty="0"/>
           </a:p>
           <a:p>
             <a:pPr lvl="1"/>
@@ -12561,6 +12151,7 @@
               <a:rPr lang="en-US" dirty="0"/>
               <a:t>The main goal of this component is to avoid collusion and fraud by making sure that more than one role is needed to complete a specific task.</a:t>
             </a:r>
+            <a:endParaRPr lang="en-US" dirty="0"/>
           </a:p>
           <a:p>
             <a:pPr lvl="1"/>
@@ -12572,6 +12163,7 @@
               <a:rPr lang="en-US" dirty="0"/>
               <a:t>It comes in two subcomponents:</a:t>
             </a:r>
+            <a:endParaRPr lang="en-US" dirty="0"/>
           </a:p>
           <a:p>
             <a:pPr lvl="2"/>
@@ -12587,6 +12179,7 @@
               <a:rPr lang="en-US" dirty="0"/>
               <a:t>)</a:t>
             </a:r>
+            <a:endParaRPr lang="en-US" dirty="0"/>
           </a:p>
           <a:p>
             <a:pPr lvl="2"/>
@@ -12607,11 +12200,6 @@
         </p:txBody>
       </p:sp>
     </p:spTree>
-    <p:extLst>
-      <p:ext uri="{BB962C8B-B14F-4D97-AF65-F5344CB8AC3E}">
-        <p14:creationId xmlns:p14="http://schemas.microsoft.com/office/powerpoint/2010/main" val="652719108"/>
-      </p:ext>
-    </p:extLst>
   </p:cSld>
   <p:clrMapOvr>
     <a:masterClrMapping/>
@@ -12638,13 +12226,7 @@
       </p:grpSpPr>
       <p:sp>
         <p:nvSpPr>
-          <p:cNvPr id="2" name="Title 1">
-            <a:extLst>
-              <a:ext uri="{FF2B5EF4-FFF2-40B4-BE49-F238E27FC236}">
-                <a16:creationId xmlns:a16="http://schemas.microsoft.com/office/drawing/2014/main" id="{3E6A7785-55FE-44AF-84BD-6E3F8CBF92FC}"/>
-              </a:ext>
-            </a:extLst>
-          </p:cNvPr>
+          <p:cNvPr id="2" name="Title 1"/>
           <p:cNvSpPr>
             <a:spLocks noGrp="1"/>
           </p:cNvSpPr>
@@ -12668,18 +12250,13 @@
               <a:rPr lang="en-GB" dirty="0"/>
               <a:t>Components of Role-Based Access Control</a:t>
             </a:r>
-          </a:p>
-        </p:txBody>
-      </p:sp>
-      <p:sp>
-        <p:nvSpPr>
-          <p:cNvPr id="3" name="Content Placeholder 2">
-            <a:extLst>
-              <a:ext uri="{FF2B5EF4-FFF2-40B4-BE49-F238E27FC236}">
-                <a16:creationId xmlns:a16="http://schemas.microsoft.com/office/drawing/2014/main" id="{B8A3C02E-9730-4641-AC6F-5F5FC55BB7D1}"/>
-              </a:ext>
-            </a:extLst>
-          </p:cNvPr>
+            <a:endParaRPr lang="en-GB" dirty="0"/>
+          </a:p>
+        </p:txBody>
+      </p:sp>
+      <p:sp>
+        <p:nvSpPr>
+          <p:cNvPr id="3" name="Content Placeholder 2"/>
           <p:cNvSpPr>
             <a:spLocks noGrp="1"/>
           </p:cNvSpPr>
@@ -12706,6 +12283,7 @@
               <a:rPr lang="en-GB" dirty="0"/>
               <a:t>Constraint RBAC</a:t>
             </a:r>
+            <a:endParaRPr lang="en-GB" dirty="0"/>
           </a:p>
           <a:p>
             <a:pPr lvl="1"/>
@@ -12721,6 +12299,7 @@
               <a:rPr lang="en-US" dirty="0"/>
               <a:t>)</a:t>
             </a:r>
+            <a:endParaRPr lang="en-US" dirty="0"/>
           </a:p>
           <a:p>
             <a:pPr lvl="2"/>
@@ -12728,6 +12307,7 @@
               <a:rPr lang="en-US" dirty="0"/>
               <a:t>This subcomponent puts constraints on the assignment of a user to a role. For example, the same user whose role is to implement the code of a product should not also be part of the auditor or assurance role. </a:t>
             </a:r>
+            <a:endParaRPr lang="en-US" dirty="0"/>
           </a:p>
           <a:p>
             <a:pPr lvl="2"/>
@@ -12735,6 +12315,7 @@
               <a:rPr lang="en-US" dirty="0"/>
               <a:t>If this component is built on top of a hierarchical RBAC, it will take permission inheritance in consideration when the constraint is formulated.</a:t>
             </a:r>
+            <a:endParaRPr lang="en-US" dirty="0"/>
           </a:p>
           <a:p>
             <a:pPr lvl="1"/>
@@ -12754,6 +12335,7 @@
               <a:rPr lang="en-US" dirty="0"/>
               <a:t>)</a:t>
             </a:r>
+            <a:endParaRPr lang="en-US" dirty="0"/>
           </a:p>
           <a:p>
             <a:pPr lvl="2"/>
@@ -12761,6 +12343,7 @@
               <a:rPr lang="en-US" dirty="0"/>
               <a:t>This subcomponent also limits the subject or user access to certain permissions; however, it does so in a dynamic way during a user session rather than forbidding a user/role relationship. </a:t>
             </a:r>
+            <a:endParaRPr lang="en-US" dirty="0"/>
           </a:p>
           <a:p>
             <a:pPr lvl="2"/>
@@ -12776,6 +12359,7 @@
               <a:rPr lang="en-US" dirty="0"/>
               <a:t> uses a session to regulate which permissions are available to a user. </a:t>
             </a:r>
+            <a:endParaRPr lang="en-US" dirty="0"/>
           </a:p>
           <a:p>
             <a:pPr lvl="2"/>
@@ -12788,11 +12372,6 @@
         </p:txBody>
       </p:sp>
     </p:spTree>
-    <p:extLst>
-      <p:ext uri="{BB962C8B-B14F-4D97-AF65-F5344CB8AC3E}">
-        <p14:creationId xmlns:p14="http://schemas.microsoft.com/office/powerpoint/2010/main" val="268920448"/>
-      </p:ext>
-    </p:extLst>
   </p:cSld>
   <p:clrMapOvr>
     <a:masterClrMapping/>
@@ -12819,13 +12398,7 @@
       </p:grpSpPr>
       <p:sp>
         <p:nvSpPr>
-          <p:cNvPr id="2" name="Title 1">
-            <a:extLst>
-              <a:ext uri="{FF2B5EF4-FFF2-40B4-BE49-F238E27FC236}">
-                <a16:creationId xmlns:a16="http://schemas.microsoft.com/office/drawing/2014/main" id="{3E6A7785-55FE-44AF-84BD-6E3F8CBF92FC}"/>
-              </a:ext>
-            </a:extLst>
-          </p:cNvPr>
+          <p:cNvPr id="2" name="Title 1"/>
           <p:cNvSpPr>
             <a:spLocks noGrp="1"/>
           </p:cNvSpPr>
@@ -12849,18 +12422,13 @@
               <a:rPr lang="en-GB" dirty="0"/>
               <a:t>Attribute-Based Access Control</a:t>
             </a:r>
-          </a:p>
-        </p:txBody>
-      </p:sp>
-      <p:sp>
-        <p:nvSpPr>
-          <p:cNvPr id="3" name="Content Placeholder 2">
-            <a:extLst>
-              <a:ext uri="{FF2B5EF4-FFF2-40B4-BE49-F238E27FC236}">
-                <a16:creationId xmlns:a16="http://schemas.microsoft.com/office/drawing/2014/main" id="{B8A3C02E-9730-4641-AC6F-5F5FC55BB7D1}"/>
-              </a:ext>
-            </a:extLst>
-          </p:cNvPr>
+            <a:endParaRPr lang="en-GB" dirty="0"/>
+          </a:p>
+        </p:txBody>
+      </p:sp>
+      <p:sp>
+        <p:nvSpPr>
+          <p:cNvPr id="3" name="Content Placeholder 2"/>
           <p:cNvSpPr>
             <a:spLocks noGrp="1"/>
           </p:cNvSpPr>
@@ -12887,6 +12455,7 @@
               <a:rPr lang="en-US" dirty="0"/>
               <a:t>Attribute-based access control (ABAC) is a further evolution in access control models that takes into consideration factors besides identity or role. </a:t>
             </a:r>
+            <a:endParaRPr lang="en-US" dirty="0"/>
           </a:p>
           <a:p>
             <a:endParaRPr lang="en-US" dirty="0"/>
@@ -12896,6 +12465,7 @@
               <a:rPr lang="en-US" dirty="0"/>
               <a:t>These factors could include the location of access, time or temporal constraints, the level of risk or threat, and so on.</a:t>
             </a:r>
+            <a:endParaRPr lang="en-US" dirty="0"/>
           </a:p>
           <a:p>
             <a:endParaRPr lang="en-US" dirty="0"/>
@@ -12905,6 +12475,7 @@
               <a:rPr lang="en-US" dirty="0"/>
               <a:t>With the ABAC model, the authorization decision is based on attributes assigned to subjects and objects, environmental conditions, and a set of policies linked to these attributes and conditions. </a:t>
             </a:r>
+            <a:endParaRPr lang="en-US" dirty="0"/>
           </a:p>
           <a:p>
             <a:endParaRPr lang="en-US" dirty="0"/>
@@ -12914,6 +12485,7 @@
               <a:rPr lang="en-US" dirty="0"/>
               <a:t>Attributes are defined as characteristics that belong to a subject (user), object (resource), or environment.</a:t>
             </a:r>
+            <a:endParaRPr lang="en-US" dirty="0"/>
           </a:p>
           <a:p>
             <a:endParaRPr lang="en-US" dirty="0"/>
@@ -12923,6 +12495,7 @@
               <a:rPr lang="en-US" dirty="0"/>
               <a:t>For example, a subject attribute could be name, nationality, organization, role, ID, security clearance, and so on. </a:t>
             </a:r>
+            <a:endParaRPr lang="en-US" dirty="0"/>
           </a:p>
           <a:p>
             <a:endParaRPr lang="en-US" dirty="0"/>
@@ -12937,11 +12510,6 @@
         </p:txBody>
       </p:sp>
     </p:spTree>
-    <p:extLst>
-      <p:ext uri="{BB962C8B-B14F-4D97-AF65-F5344CB8AC3E}">
-        <p14:creationId xmlns:p14="http://schemas.microsoft.com/office/powerpoint/2010/main" val="1043387251"/>
-      </p:ext>
-    </p:extLst>
   </p:cSld>
   <p:clrMapOvr>
     <a:masterClrMapping/>
@@ -12968,13 +12536,7 @@
       </p:grpSpPr>
       <p:sp>
         <p:nvSpPr>
-          <p:cNvPr id="2" name="Title 1">
-            <a:extLst>
-              <a:ext uri="{FF2B5EF4-FFF2-40B4-BE49-F238E27FC236}">
-                <a16:creationId xmlns:a16="http://schemas.microsoft.com/office/drawing/2014/main" id="{3E6A7785-55FE-44AF-84BD-6E3F8CBF92FC}"/>
-              </a:ext>
-            </a:extLst>
-          </p:cNvPr>
+          <p:cNvPr id="2" name="Title 1"/>
           <p:cNvSpPr>
             <a:spLocks noGrp="1"/>
           </p:cNvSpPr>
@@ -12998,18 +12560,13 @@
               <a:rPr lang="en-GB" dirty="0"/>
               <a:t>Attribute-Based Access Control</a:t>
             </a:r>
-          </a:p>
-        </p:txBody>
-      </p:sp>
-      <p:sp>
-        <p:nvSpPr>
-          <p:cNvPr id="3" name="Content Placeholder 2">
-            <a:extLst>
-              <a:ext uri="{FF2B5EF4-FFF2-40B4-BE49-F238E27FC236}">
-                <a16:creationId xmlns:a16="http://schemas.microsoft.com/office/drawing/2014/main" id="{B8A3C02E-9730-4641-AC6F-5F5FC55BB7D1}"/>
-              </a:ext>
-            </a:extLst>
-          </p:cNvPr>
+            <a:endParaRPr lang="en-GB" dirty="0"/>
+          </a:p>
+        </p:txBody>
+      </p:sp>
+      <p:sp>
+        <p:nvSpPr>
+          <p:cNvPr id="3" name="Content Placeholder 2"/>
           <p:cNvSpPr>
             <a:spLocks noGrp="1"/>
           </p:cNvSpPr>
@@ -13033,6 +12590,7 @@
               <a:rPr lang="en-US" dirty="0"/>
               <a:t>Environment conditions are contextual information associated with the access request.</a:t>
             </a:r>
+            <a:endParaRPr lang="en-US" dirty="0"/>
           </a:p>
           <a:p>
             <a:endParaRPr lang="en-US" dirty="0"/>
@@ -13042,6 +12600,7 @@
               <a:rPr lang="en-US" dirty="0"/>
               <a:t>Location of the access, time of the access, and the threat level are all examples of environmental attributes. </a:t>
             </a:r>
+            <a:endParaRPr lang="en-US" dirty="0"/>
           </a:p>
           <a:p>
             <a:endParaRPr lang="en-US" dirty="0"/>
@@ -13051,6 +12610,7 @@
               <a:rPr lang="en-US" dirty="0"/>
               <a:t>Every object should also be associated with at least one policy that regulates which operations a subject with certain attributes, given some environmental constraints, can perform on the object. </a:t>
             </a:r>
+            <a:endParaRPr lang="en-US" dirty="0"/>
           </a:p>
           <a:p>
             <a:endParaRPr lang="en-US" dirty="0"/>
@@ -13060,6 +12620,7 @@
               <a:rPr lang="en-US" dirty="0"/>
               <a:t>For example, a policy could be formulated as “all Engineers who work in the Security Business Unit and are assigned to the Next-Gen Firewall Project are allowed to Read and Write all the Design Documents in the Next-Gen Firewall Project folder when connecting from Building A.”</a:t>
             </a:r>
+            <a:endParaRPr lang="en-US" dirty="0"/>
           </a:p>
           <a:p>
             <a:endParaRPr lang="en-GB" dirty="0"/>
@@ -13067,11 +12628,6 @@
         </p:txBody>
       </p:sp>
     </p:spTree>
-    <p:extLst>
-      <p:ext uri="{BB962C8B-B14F-4D97-AF65-F5344CB8AC3E}">
-        <p14:creationId xmlns:p14="http://schemas.microsoft.com/office/powerpoint/2010/main" val="2741732859"/>
-      </p:ext>
-    </p:extLst>
   </p:cSld>
   <p:clrMapOvr>
     <a:masterClrMapping/>
@@ -13098,13 +12654,7 @@
       </p:grpSpPr>
       <p:sp>
         <p:nvSpPr>
-          <p:cNvPr id="2" name="Title 1">
-            <a:extLst>
-              <a:ext uri="{FF2B5EF4-FFF2-40B4-BE49-F238E27FC236}">
-                <a16:creationId xmlns:a16="http://schemas.microsoft.com/office/drawing/2014/main" id="{3E6A7785-55FE-44AF-84BD-6E3F8CBF92FC}"/>
-              </a:ext>
-            </a:extLst>
-          </p:cNvPr>
+          <p:cNvPr id="2" name="Title 1"/>
           <p:cNvSpPr>
             <a:spLocks noGrp="1"/>
           </p:cNvSpPr>
@@ -13128,18 +12678,13 @@
               <a:rPr lang="en-GB" dirty="0"/>
               <a:t>Attribute-Based Access Control</a:t>
             </a:r>
-          </a:p>
-        </p:txBody>
-      </p:sp>
-      <p:sp>
-        <p:nvSpPr>
-          <p:cNvPr id="3" name="Content Placeholder 2">
-            <a:extLst>
-              <a:ext uri="{FF2B5EF4-FFF2-40B4-BE49-F238E27FC236}">
-                <a16:creationId xmlns:a16="http://schemas.microsoft.com/office/drawing/2014/main" id="{B8A3C02E-9730-4641-AC6F-5F5FC55BB7D1}"/>
-              </a:ext>
-            </a:extLst>
-          </p:cNvPr>
+            <a:endParaRPr lang="en-GB" dirty="0"/>
+          </a:p>
+        </p:txBody>
+      </p:sp>
+      <p:sp>
+        <p:nvSpPr>
+          <p:cNvPr id="3" name="Content Placeholder 2"/>
           <p:cNvSpPr>
             <a:spLocks noGrp="1"/>
           </p:cNvSpPr>
@@ -13163,6 +12708,7 @@
               <a:rPr lang="en-US" dirty="0"/>
               <a:t>Environment conditions are contextual information associated with the access request.</a:t>
             </a:r>
+            <a:endParaRPr lang="en-US" dirty="0"/>
           </a:p>
           <a:p>
             <a:endParaRPr lang="en-US" dirty="0"/>
@@ -13172,6 +12718,7 @@
               <a:rPr lang="en-US" dirty="0"/>
               <a:t>Location of the access, time of the access, and the threat level are all examples of environmental attributes. </a:t>
             </a:r>
+            <a:endParaRPr lang="en-US" dirty="0"/>
           </a:p>
           <a:p>
             <a:endParaRPr lang="en-US" dirty="0"/>
@@ -13181,6 +12728,7 @@
               <a:rPr lang="en-US" dirty="0"/>
               <a:t>Every object should also be associated with at least one policy that regulates which operations a subject with certain attributes, given some environmental constraints, can perform on the object. </a:t>
             </a:r>
+            <a:endParaRPr lang="en-US" dirty="0"/>
           </a:p>
           <a:p>
             <a:endParaRPr lang="en-US" dirty="0"/>
@@ -13190,6 +12738,7 @@
               <a:rPr lang="en-US" dirty="0"/>
               <a:t>For example, a policy could be formulated as “all Engineers who work in the Security Business Unit and are assigned to the Next-Gen Firewall Project are allowed to Read and Write all the Design Documents in the Next-Gen Firewall Project folder when connecting from Building A.”</a:t>
             </a:r>
+            <a:endParaRPr lang="en-US" dirty="0"/>
           </a:p>
           <a:p>
             <a:endParaRPr lang="en-GB" dirty="0"/>
@@ -13198,20 +12747,14 @@
       </p:sp>
       <p:pic>
         <p:nvPicPr>
-          <p:cNvPr id="5" name="Picture 4">
-            <a:extLst>
-              <a:ext uri="{FF2B5EF4-FFF2-40B4-BE49-F238E27FC236}">
-                <a16:creationId xmlns:a16="http://schemas.microsoft.com/office/drawing/2014/main" id="{8F9886E6-9765-4981-861F-10A738EF583A}"/>
-              </a:ext>
-            </a:extLst>
-          </p:cNvPr>
+          <p:cNvPr id="5" name="Picture 4"/>
           <p:cNvPicPr>
             <a:picLocks noChangeAspect="1"/>
           </p:cNvPicPr>
           <p:nvPr/>
         </p:nvPicPr>
         <p:blipFill>
-          <a:blip r:embed="rId2"/>
+          <a:blip r:embed="rId1"/>
           <a:stretch>
             <a:fillRect/>
           </a:stretch>
@@ -13227,11 +12770,6 @@
         </p:spPr>
       </p:pic>
     </p:spTree>
-    <p:extLst>
-      <p:ext uri="{BB962C8B-B14F-4D97-AF65-F5344CB8AC3E}">
-        <p14:creationId xmlns:p14="http://schemas.microsoft.com/office/powerpoint/2010/main" val="3224782470"/>
-      </p:ext>
-    </p:extLst>
   </p:cSld>
   <p:clrMapOvr>
     <a:masterClrMapping/>
@@ -13258,13 +12796,7 @@
       </p:grpSpPr>
       <p:sp>
         <p:nvSpPr>
-          <p:cNvPr id="2" name="Title 1">
-            <a:extLst>
-              <a:ext uri="{FF2B5EF4-FFF2-40B4-BE49-F238E27FC236}">
-                <a16:creationId xmlns:a16="http://schemas.microsoft.com/office/drawing/2014/main" id="{00775709-46EE-45C5-969F-2E92796D6975}"/>
-              </a:ext>
-            </a:extLst>
-          </p:cNvPr>
+          <p:cNvPr id="2" name="Title 1"/>
           <p:cNvSpPr>
             <a:spLocks noGrp="1"/>
           </p:cNvSpPr>
@@ -13286,18 +12818,13 @@
               <a:rPr lang="en-GB" dirty="0"/>
               <a:t>Access Control Process</a:t>
             </a:r>
-          </a:p>
-        </p:txBody>
-      </p:sp>
-      <p:sp>
-        <p:nvSpPr>
-          <p:cNvPr id="3" name="Content Placeholder 2">
-            <a:extLst>
-              <a:ext uri="{FF2B5EF4-FFF2-40B4-BE49-F238E27FC236}">
-                <a16:creationId xmlns:a16="http://schemas.microsoft.com/office/drawing/2014/main" id="{F2C91CDA-C747-4251-B970-CA93FDFAA475}"/>
-              </a:ext>
-            </a:extLst>
-          </p:cNvPr>
+            <a:endParaRPr lang="en-GB" dirty="0"/>
+          </a:p>
+        </p:txBody>
+      </p:sp>
+      <p:sp>
+        <p:nvSpPr>
+          <p:cNvPr id="3" name="Content Placeholder 2"/>
           <p:cNvSpPr>
             <a:spLocks noGrp="1"/>
           </p:cNvSpPr>
@@ -13320,6 +12847,7 @@
               <a:rPr lang="en-GB" dirty="0"/>
               <a:t>The initial phase of access control process include:</a:t>
             </a:r>
+            <a:endParaRPr lang="en-GB" dirty="0"/>
           </a:p>
           <a:p>
             <a:pPr lvl="1" algn="just"/>
@@ -13327,6 +12855,7 @@
               <a:rPr lang="en-GB" dirty="0"/>
               <a:t>Asset/data classification</a:t>
             </a:r>
+            <a:endParaRPr lang="en-GB" dirty="0"/>
           </a:p>
           <a:p>
             <a:pPr lvl="1" algn="just"/>
@@ -13334,6 +12863,7 @@
               <a:rPr lang="en-GB" dirty="0"/>
               <a:t>Asset marking</a:t>
             </a:r>
+            <a:endParaRPr lang="en-GB" dirty="0"/>
           </a:p>
           <a:p>
             <a:pPr lvl="1" algn="just"/>
@@ -13341,6 +12871,7 @@
               <a:rPr lang="en-GB" dirty="0"/>
               <a:t>Access policy definition</a:t>
             </a:r>
+            <a:endParaRPr lang="en-GB" dirty="0"/>
           </a:p>
           <a:p>
             <a:pPr lvl="1" algn="just"/>
@@ -13348,6 +12879,7 @@
               <a:rPr lang="en-GB" dirty="0"/>
               <a:t>Data disposal</a:t>
             </a:r>
+            <a:endParaRPr lang="en-GB" dirty="0"/>
           </a:p>
           <a:p>
             <a:pPr algn="just"/>
@@ -13356,11 +12888,6 @@
         </p:txBody>
       </p:sp>
     </p:spTree>
-    <p:extLst>
-      <p:ext uri="{BB962C8B-B14F-4D97-AF65-F5344CB8AC3E}">
-        <p14:creationId xmlns:p14="http://schemas.microsoft.com/office/powerpoint/2010/main" val="1219403040"/>
-      </p:ext>
-    </p:extLst>
   </p:cSld>
   <p:clrMapOvr>
     <a:masterClrMapping/>
@@ -13387,13 +12914,7 @@
       </p:grpSpPr>
       <p:sp>
         <p:nvSpPr>
-          <p:cNvPr id="2" name="Title 1">
-            <a:extLst>
-              <a:ext uri="{FF2B5EF4-FFF2-40B4-BE49-F238E27FC236}">
-                <a16:creationId xmlns:a16="http://schemas.microsoft.com/office/drawing/2014/main" id="{3E6A7785-55FE-44AF-84BD-6E3F8CBF92FC}"/>
-              </a:ext>
-            </a:extLst>
-          </p:cNvPr>
+          <p:cNvPr id="2" name="Title 1"/>
           <p:cNvSpPr>
             <a:spLocks noGrp="1"/>
           </p:cNvSpPr>
@@ -13417,18 +12938,13 @@
               <a:rPr lang="en-GB" dirty="0"/>
               <a:t>Attribute-Based Access Control</a:t>
             </a:r>
-          </a:p>
-        </p:txBody>
-      </p:sp>
-      <p:sp>
-        <p:nvSpPr>
-          <p:cNvPr id="3" name="Content Placeholder 2">
-            <a:extLst>
-              <a:ext uri="{FF2B5EF4-FFF2-40B4-BE49-F238E27FC236}">
-                <a16:creationId xmlns:a16="http://schemas.microsoft.com/office/drawing/2014/main" id="{B8A3C02E-9730-4641-AC6F-5F5FC55BB7D1}"/>
-              </a:ext>
-            </a:extLst>
-          </p:cNvPr>
+            <a:endParaRPr lang="en-GB" dirty="0"/>
+          </a:p>
+        </p:txBody>
+      </p:sp>
+      <p:sp>
+        <p:nvSpPr>
+          <p:cNvPr id="3" name="Content Placeholder 2"/>
           <p:cNvSpPr>
             <a:spLocks noGrp="1"/>
           </p:cNvSpPr>
@@ -13452,6 +12968,7 @@
               <a:rPr lang="en-US" dirty="0"/>
               <a:t>Environment conditions are contextual information associated with the access request.</a:t>
             </a:r>
+            <a:endParaRPr lang="en-US" dirty="0"/>
           </a:p>
           <a:p>
             <a:endParaRPr lang="en-US" dirty="0"/>
@@ -13461,6 +12978,7 @@
               <a:rPr lang="en-US" dirty="0"/>
               <a:t>Location of the access, time of the access, and the threat level are all examples of environmental attributes. </a:t>
             </a:r>
+            <a:endParaRPr lang="en-US" dirty="0"/>
           </a:p>
           <a:p>
             <a:endParaRPr lang="en-US" dirty="0"/>
@@ -13470,6 +12988,7 @@
               <a:rPr lang="en-US" dirty="0"/>
               <a:t>Every object should also be associated with at least one policy that regulates which operations a subject with certain attributes, given some environmental constraints, can perform on the object. </a:t>
             </a:r>
+            <a:endParaRPr lang="en-US" dirty="0"/>
           </a:p>
           <a:p>
             <a:endParaRPr lang="en-US" dirty="0"/>
@@ -13479,6 +12998,7 @@
               <a:rPr lang="en-US" dirty="0"/>
               <a:t>For example, a policy could be formulated as “all Engineers who work in the Security Business Unit and are assigned to the Next-Gen Firewall Project are allowed to Read and Write all the Design Documents in the Next-Gen Firewall Project folder when connecting from Building A.”</a:t>
             </a:r>
+            <a:endParaRPr lang="en-US" dirty="0"/>
           </a:p>
           <a:p>
             <a:endParaRPr lang="en-GB" dirty="0"/>
@@ -13486,11 +13006,6 @@
         </p:txBody>
       </p:sp>
     </p:spTree>
-    <p:extLst>
-      <p:ext uri="{BB962C8B-B14F-4D97-AF65-F5344CB8AC3E}">
-        <p14:creationId xmlns:p14="http://schemas.microsoft.com/office/powerpoint/2010/main" val="864876523"/>
-      </p:ext>
-    </p:extLst>
   </p:cSld>
   <p:clrMapOvr>
     <a:masterClrMapping/>
@@ -13517,13 +13032,7 @@
       </p:grpSpPr>
       <p:sp>
         <p:nvSpPr>
-          <p:cNvPr id="2" name="Title 1">
-            <a:extLst>
-              <a:ext uri="{FF2B5EF4-FFF2-40B4-BE49-F238E27FC236}">
-                <a16:creationId xmlns:a16="http://schemas.microsoft.com/office/drawing/2014/main" id="{3E6A7785-55FE-44AF-84BD-6E3F8CBF92FC}"/>
-              </a:ext>
-            </a:extLst>
-          </p:cNvPr>
+          <p:cNvPr id="2" name="Title 1"/>
           <p:cNvSpPr>
             <a:spLocks noGrp="1"/>
           </p:cNvSpPr>
@@ -13547,18 +13056,13 @@
               <a:rPr lang="en-GB" dirty="0"/>
               <a:t>Attribute-Based Access Control</a:t>
             </a:r>
-          </a:p>
-        </p:txBody>
-      </p:sp>
-      <p:sp>
-        <p:nvSpPr>
-          <p:cNvPr id="3" name="Content Placeholder 2">
-            <a:extLst>
-              <a:ext uri="{FF2B5EF4-FFF2-40B4-BE49-F238E27FC236}">
-                <a16:creationId xmlns:a16="http://schemas.microsoft.com/office/drawing/2014/main" id="{B8A3C02E-9730-4641-AC6F-5F5FC55BB7D1}"/>
-              </a:ext>
-            </a:extLst>
-          </p:cNvPr>
+            <a:endParaRPr lang="en-GB" dirty="0"/>
+          </a:p>
+        </p:txBody>
+      </p:sp>
+      <p:sp>
+        <p:nvSpPr>
+          <p:cNvPr id="3" name="Content Placeholder 2"/>
           <p:cNvSpPr>
             <a:spLocks noGrp="1"/>
           </p:cNvSpPr>
@@ -13582,6 +13086,7 @@
               <a:rPr lang="en-US" dirty="0"/>
               <a:t>Environment conditions are contextual information associated with the access request.</a:t>
             </a:r>
+            <a:endParaRPr lang="en-US" dirty="0"/>
           </a:p>
           <a:p>
             <a:endParaRPr lang="en-US" dirty="0"/>
@@ -13591,6 +13096,7 @@
               <a:rPr lang="en-US" dirty="0"/>
               <a:t>Location of the access, time of the access, and the threat level are all examples of environmental attributes. </a:t>
             </a:r>
+            <a:endParaRPr lang="en-US" dirty="0"/>
           </a:p>
           <a:p>
             <a:endParaRPr lang="en-US" dirty="0"/>
@@ -13600,6 +13106,7 @@
               <a:rPr lang="en-US" dirty="0"/>
               <a:t>Every object should also be associated with at least one policy that regulates which operations a subject with certain attributes, given some environmental constraints, can perform on the object. </a:t>
             </a:r>
+            <a:endParaRPr lang="en-US" dirty="0"/>
           </a:p>
           <a:p>
             <a:endParaRPr lang="en-US" dirty="0"/>
@@ -13609,6 +13116,7 @@
               <a:rPr lang="en-US" dirty="0"/>
               <a:t>For example, a policy could be formulated as “all Engineers who work in the Security Business Unit and are assigned to the Next-Gen Firewall Project are allowed to Read and Write all the Design Documents in the Next-Gen Firewall Project folder when connecting from Building A.”</a:t>
             </a:r>
+            <a:endParaRPr lang="en-US" dirty="0"/>
           </a:p>
           <a:p>
             <a:endParaRPr lang="en-GB" dirty="0"/>
@@ -13617,20 +13125,14 @@
       </p:sp>
       <p:pic>
         <p:nvPicPr>
-          <p:cNvPr id="5" name="Picture 4">
-            <a:extLst>
-              <a:ext uri="{FF2B5EF4-FFF2-40B4-BE49-F238E27FC236}">
-                <a16:creationId xmlns:a16="http://schemas.microsoft.com/office/drawing/2014/main" id="{FCF7C2CF-E799-4BC8-8417-FF1E176CB963}"/>
-              </a:ext>
-            </a:extLst>
-          </p:cNvPr>
+          <p:cNvPr id="5" name="Picture 4"/>
           <p:cNvPicPr>
             <a:picLocks noChangeAspect="1"/>
           </p:cNvPicPr>
           <p:nvPr/>
         </p:nvPicPr>
         <p:blipFill>
-          <a:blip r:embed="rId2"/>
+          <a:blip r:embed="rId1"/>
           <a:stretch>
             <a:fillRect/>
           </a:stretch>
@@ -13646,11 +13148,6 @@
         </p:spPr>
       </p:pic>
     </p:spTree>
-    <p:extLst>
-      <p:ext uri="{BB962C8B-B14F-4D97-AF65-F5344CB8AC3E}">
-        <p14:creationId xmlns:p14="http://schemas.microsoft.com/office/powerpoint/2010/main" val="560628354"/>
-      </p:ext>
-    </p:extLst>
   </p:cSld>
   <p:clrMapOvr>
     <a:masterClrMapping/>
@@ -13677,13 +13174,7 @@
       </p:grpSpPr>
       <p:sp>
         <p:nvSpPr>
-          <p:cNvPr id="2" name="Title 1">
-            <a:extLst>
-              <a:ext uri="{FF2B5EF4-FFF2-40B4-BE49-F238E27FC236}">
-                <a16:creationId xmlns:a16="http://schemas.microsoft.com/office/drawing/2014/main" id="{3E6A7785-55FE-44AF-84BD-6E3F8CBF92FC}"/>
-              </a:ext>
-            </a:extLst>
-          </p:cNvPr>
+          <p:cNvPr id="2" name="Title 1"/>
           <p:cNvSpPr>
             <a:spLocks noGrp="1"/>
           </p:cNvSpPr>
@@ -13707,18 +13198,13 @@
               <a:rPr lang="en-GB" dirty="0"/>
               <a:t>Attribute-Based Access Control</a:t>
             </a:r>
-          </a:p>
-        </p:txBody>
-      </p:sp>
-      <p:sp>
-        <p:nvSpPr>
-          <p:cNvPr id="3" name="Content Placeholder 2">
-            <a:extLst>
-              <a:ext uri="{FF2B5EF4-FFF2-40B4-BE49-F238E27FC236}">
-                <a16:creationId xmlns:a16="http://schemas.microsoft.com/office/drawing/2014/main" id="{B8A3C02E-9730-4641-AC6F-5F5FC55BB7D1}"/>
-              </a:ext>
-            </a:extLst>
-          </p:cNvPr>
+            <a:endParaRPr lang="en-GB" dirty="0"/>
+          </a:p>
+        </p:txBody>
+      </p:sp>
+      <p:sp>
+        <p:nvSpPr>
+          <p:cNvPr id="3" name="Content Placeholder 2"/>
           <p:cNvSpPr>
             <a:spLocks noGrp="1"/>
           </p:cNvSpPr>
@@ -13742,6 +13228,7 @@
               <a:rPr lang="en-US" dirty="0"/>
               <a:t>Environment conditions are contextual information associated with the access request.</a:t>
             </a:r>
+            <a:endParaRPr lang="en-US" dirty="0"/>
           </a:p>
           <a:p>
             <a:endParaRPr lang="en-US" dirty="0"/>
@@ -13751,6 +13238,7 @@
               <a:rPr lang="en-US" dirty="0"/>
               <a:t>Location of the access, time of the access, and the threat level are all examples of environmental attributes. </a:t>
             </a:r>
+            <a:endParaRPr lang="en-US" dirty="0"/>
           </a:p>
           <a:p>
             <a:endParaRPr lang="en-US" dirty="0"/>
@@ -13760,6 +13248,7 @@
               <a:rPr lang="en-US" dirty="0"/>
               <a:t>Every object should also be associated with at least one policy that regulates which operations a subject with certain attributes, given some environmental constraints, can perform on the object. </a:t>
             </a:r>
+            <a:endParaRPr lang="en-US" dirty="0"/>
           </a:p>
           <a:p>
             <a:endParaRPr lang="en-US" dirty="0"/>
@@ -13769,6 +13258,7 @@
               <a:rPr lang="en-US" dirty="0"/>
               <a:t>For example, a policy could be formulated as “all Engineers who work in the Security Business Unit and are assigned to the Next-Gen Firewall Project are allowed to Read and Write all the Design Documents in the Next-Gen Firewall Project folder when connecting from Building A.”</a:t>
             </a:r>
+            <a:endParaRPr lang="en-US" dirty="0"/>
           </a:p>
           <a:p>
             <a:endParaRPr lang="en-GB" dirty="0"/>
@@ -13776,11 +13266,6 @@
         </p:txBody>
       </p:sp>
     </p:spTree>
-    <p:extLst>
-      <p:ext uri="{BB962C8B-B14F-4D97-AF65-F5344CB8AC3E}">
-        <p14:creationId xmlns:p14="http://schemas.microsoft.com/office/powerpoint/2010/main" val="2889053536"/>
-      </p:ext>
-    </p:extLst>
   </p:cSld>
   <p:clrMapOvr>
     <a:masterClrMapping/>
@@ -13807,13 +13292,7 @@
       </p:grpSpPr>
       <p:sp>
         <p:nvSpPr>
-          <p:cNvPr id="2" name="Title 1">
-            <a:extLst>
-              <a:ext uri="{FF2B5EF4-FFF2-40B4-BE49-F238E27FC236}">
-                <a16:creationId xmlns:a16="http://schemas.microsoft.com/office/drawing/2014/main" id="{5009A54D-71BA-440C-A30D-C62ED9798A86}"/>
-              </a:ext>
-            </a:extLst>
-          </p:cNvPr>
+          <p:cNvPr id="2" name="Title 1"/>
           <p:cNvSpPr>
             <a:spLocks noGrp="1"/>
           </p:cNvSpPr>
@@ -13836,15 +13315,11 @@
               <a:rPr lang="en-GB" dirty="0"/>
               <a:t>Questions!</a:t>
             </a:r>
+            <a:endParaRPr lang="en-GB" dirty="0"/>
           </a:p>
         </p:txBody>
       </p:sp>
     </p:spTree>
-    <p:extLst>
-      <p:ext uri="{BB962C8B-B14F-4D97-AF65-F5344CB8AC3E}">
-        <p14:creationId xmlns:p14="http://schemas.microsoft.com/office/powerpoint/2010/main" val="2888131456"/>
-      </p:ext>
-    </p:extLst>
   </p:cSld>
   <p:clrMapOvr>
     <a:masterClrMapping/>
@@ -13871,13 +13346,7 @@
       </p:grpSpPr>
       <p:sp>
         <p:nvSpPr>
-          <p:cNvPr id="2" name="Title 1">
-            <a:extLst>
-              <a:ext uri="{FF2B5EF4-FFF2-40B4-BE49-F238E27FC236}">
-                <a16:creationId xmlns:a16="http://schemas.microsoft.com/office/drawing/2014/main" id="{34BDD2C2-94DF-41EE-9A3B-D45BF81E1B02}"/>
-              </a:ext>
-            </a:extLst>
-          </p:cNvPr>
+          <p:cNvPr id="2" name="Title 1"/>
           <p:cNvSpPr>
             <a:spLocks noGrp="1"/>
           </p:cNvSpPr>
@@ -13910,13 +13379,7 @@
       </p:sp>
       <p:sp>
         <p:nvSpPr>
-          <p:cNvPr id="3" name="Content Placeholder 2">
-            <a:extLst>
-              <a:ext uri="{FF2B5EF4-FFF2-40B4-BE49-F238E27FC236}">
-                <a16:creationId xmlns:a16="http://schemas.microsoft.com/office/drawing/2014/main" id="{5183D95D-4D0B-419B-8222-7B072096D417}"/>
-              </a:ext>
-            </a:extLst>
-          </p:cNvPr>
+          <p:cNvPr id="3" name="Content Placeholder 2"/>
           <p:cNvSpPr>
             <a:spLocks noGrp="1"/>
           </p:cNvSpPr>
@@ -13949,6 +13412,7 @@
               <a:rPr lang="en-US" dirty="0"/>
               <a:t> related to a breach on the confidentiality, integrity, and availability of the data.</a:t>
             </a:r>
+            <a:endParaRPr lang="en-US" dirty="0"/>
           </a:p>
           <a:p>
             <a:pPr algn="just"/>
@@ -13960,6 +13424,7 @@
               <a:rPr lang="en-US" dirty="0"/>
               <a:t>To protect an asset, an organization first needs to understand how important that asset is.</a:t>
             </a:r>
+            <a:endParaRPr lang="en-US" dirty="0"/>
           </a:p>
           <a:p>
             <a:pPr algn="just"/>
@@ -13971,6 +13436,7 @@
               <a:rPr lang="en-US" dirty="0"/>
               <a:t>For example, the unauthorized disclosure of the source code of a product might be more impactful on an organization than the disclosure of a public configuration guide.</a:t>
             </a:r>
+            <a:endParaRPr lang="en-US" dirty="0"/>
           </a:p>
           <a:p>
             <a:pPr algn="just"/>
@@ -13987,11 +13453,6 @@
         </p:txBody>
       </p:sp>
     </p:spTree>
-    <p:extLst>
-      <p:ext uri="{BB962C8B-B14F-4D97-AF65-F5344CB8AC3E}">
-        <p14:creationId xmlns:p14="http://schemas.microsoft.com/office/powerpoint/2010/main" val="6117358"/>
-      </p:ext>
-    </p:extLst>
   </p:cSld>
   <p:clrMapOvr>
     <a:masterClrMapping/>
@@ -14018,13 +13479,7 @@
       </p:grpSpPr>
       <p:sp>
         <p:nvSpPr>
-          <p:cNvPr id="2" name="Title 1">
-            <a:extLst>
-              <a:ext uri="{FF2B5EF4-FFF2-40B4-BE49-F238E27FC236}">
-                <a16:creationId xmlns:a16="http://schemas.microsoft.com/office/drawing/2014/main" id="{0DC18CB1-B1F6-47E7-BA9C-7580B587B990}"/>
-              </a:ext>
-            </a:extLst>
-          </p:cNvPr>
+          <p:cNvPr id="2" name="Title 1"/>
           <p:cNvSpPr>
             <a:spLocks noGrp="1"/>
           </p:cNvSpPr>
@@ -14046,18 +13501,13 @@
               <a:rPr lang="en-GB" dirty="0"/>
               <a:t>Asset/Data Classification</a:t>
             </a:r>
-          </a:p>
-        </p:txBody>
-      </p:sp>
-      <p:sp>
-        <p:nvSpPr>
-          <p:cNvPr id="3" name="Content Placeholder 2">
-            <a:extLst>
-              <a:ext uri="{FF2B5EF4-FFF2-40B4-BE49-F238E27FC236}">
-                <a16:creationId xmlns:a16="http://schemas.microsoft.com/office/drawing/2014/main" id="{1CD61EC9-0A79-4217-A512-82BA8DF9D491}"/>
-              </a:ext>
-            </a:extLst>
-          </p:cNvPr>
+            <a:endParaRPr lang="en-GB" dirty="0"/>
+          </a:p>
+        </p:txBody>
+      </p:sp>
+      <p:sp>
+        <p:nvSpPr>
+          <p:cNvPr id="3" name="Content Placeholder 2"/>
           <p:cNvSpPr>
             <a:spLocks noGrp="1"/>
           </p:cNvSpPr>
@@ -14082,6 +13532,7 @@
               <a:rPr lang="en-US" dirty="0"/>
               <a:t>For example, military and governmental organizations commonly use the following classification definitions:</a:t>
             </a:r>
+            <a:endParaRPr lang="en-US" dirty="0"/>
           </a:p>
           <a:p>
             <a:pPr lvl="1" algn="just"/>
@@ -14093,6 +13544,7 @@
               <a:rPr lang="en-US" dirty="0"/>
               <a:t>: Unauthorized access to top-secret information would cause grave damage to national security.</a:t>
             </a:r>
+            <a:endParaRPr lang="en-US" dirty="0"/>
           </a:p>
           <a:p>
             <a:pPr lvl="1" algn="just"/>
@@ -14108,6 +13560,7 @@
               <a:rPr lang="en-US" dirty="0"/>
               <a:t>: Unauthorized access to secret information would cause severe damage to national security.</a:t>
             </a:r>
+            <a:endParaRPr lang="en-US" dirty="0"/>
           </a:p>
           <a:p>
             <a:pPr lvl="1" algn="just"/>
@@ -14123,6 +13576,7 @@
               <a:rPr lang="en-US" dirty="0"/>
               <a:t>: Unauthorized access to confidential information would cause damage to national security. </a:t>
             </a:r>
+            <a:endParaRPr lang="en-US" dirty="0"/>
           </a:p>
           <a:p>
             <a:pPr lvl="1" algn="just"/>
@@ -14143,11 +13597,6 @@
         </p:txBody>
       </p:sp>
     </p:spTree>
-    <p:extLst>
-      <p:ext uri="{BB962C8B-B14F-4D97-AF65-F5344CB8AC3E}">
-        <p14:creationId xmlns:p14="http://schemas.microsoft.com/office/powerpoint/2010/main" val="2383302508"/>
-      </p:ext>
-    </p:extLst>
   </p:cSld>
   <p:clrMapOvr>
     <a:masterClrMapping/>
@@ -14174,13 +13623,7 @@
       </p:grpSpPr>
       <p:sp>
         <p:nvSpPr>
-          <p:cNvPr id="2" name="Title 1">
-            <a:extLst>
-              <a:ext uri="{FF2B5EF4-FFF2-40B4-BE49-F238E27FC236}">
-                <a16:creationId xmlns:a16="http://schemas.microsoft.com/office/drawing/2014/main" id="{CDA50B6D-051D-419E-851B-65FB1EEE3603}"/>
-              </a:ext>
-            </a:extLst>
-          </p:cNvPr>
+          <p:cNvPr id="2" name="Title 1"/>
           <p:cNvSpPr>
             <a:spLocks noGrp="1"/>
           </p:cNvSpPr>
@@ -14202,18 +13645,13 @@
               <a:rPr lang="en-GB" dirty="0"/>
               <a:t>Asset/Data Classification</a:t>
             </a:r>
-          </a:p>
-        </p:txBody>
-      </p:sp>
-      <p:sp>
-        <p:nvSpPr>
-          <p:cNvPr id="3" name="Content Placeholder 2">
-            <a:extLst>
-              <a:ext uri="{FF2B5EF4-FFF2-40B4-BE49-F238E27FC236}">
-                <a16:creationId xmlns:a16="http://schemas.microsoft.com/office/drawing/2014/main" id="{4EA95441-EC42-444B-B495-D898C1444BBA}"/>
-              </a:ext>
-            </a:extLst>
-          </p:cNvPr>
+            <a:endParaRPr lang="en-GB" dirty="0"/>
+          </a:p>
+        </p:txBody>
+      </p:sp>
+      <p:sp>
+        <p:nvSpPr>
+          <p:cNvPr id="3" name="Content Placeholder 2"/>
           <p:cNvSpPr>
             <a:spLocks noGrp="1"/>
           </p:cNvSpPr>
@@ -14238,6 +13676,7 @@
               <a:rPr lang="en-US" dirty="0"/>
               <a:t>The commercial sector has more variety in the way data classification is done – more specifically, to the label used in the classification.</a:t>
             </a:r>
+            <a:endParaRPr lang="en-US" dirty="0"/>
           </a:p>
           <a:p>
             <a:pPr algn="just"/>
@@ -14249,6 +13688,7 @@
               <a:rPr lang="en-US" dirty="0"/>
               <a:t>Commonly used classification labels in the commercial sector are: </a:t>
             </a:r>
+            <a:endParaRPr lang="en-US" dirty="0"/>
           </a:p>
           <a:p>
             <a:pPr lvl="1" algn="just"/>
@@ -14260,6 +13700,7 @@
               <a:rPr lang="en-US" dirty="0"/>
               <a:t>: Unauthorized access to confidential or proprietary information could cause grave damage to the organization. Examples of information or assets that could receive this type of classification include source code and trade secrets.</a:t>
             </a:r>
+            <a:endParaRPr lang="en-US" dirty="0"/>
           </a:p>
           <a:p>
             <a:pPr lvl="1" algn="just"/>
@@ -14275,6 +13716,7 @@
               <a:rPr lang="en-US" dirty="0"/>
               <a:t>: Unauthorized access to private information could cause severe damage to the organization. Examples of information or assets that could receive this type of classification are human resource information (for example, employee salaries), medical records, and so on.</a:t>
             </a:r>
+            <a:endParaRPr lang="en-US" dirty="0"/>
           </a:p>
           <a:p>
             <a:pPr algn="just"/>
@@ -14290,6 +13732,7 @@
               <a:rPr lang="en-US" dirty="0"/>
               <a:t>: Unauthorized access to sensitive information could cause some damage to the organization. Examples of information or assets that could receive this type of classification are internal team email, financial information, and so on.</a:t>
             </a:r>
+            <a:endParaRPr lang="en-US" dirty="0"/>
           </a:p>
           <a:p>
             <a:pPr lvl="1" algn="just"/>
@@ -14310,11 +13753,6 @@
         </p:txBody>
       </p:sp>
     </p:spTree>
-    <p:extLst>
-      <p:ext uri="{BB962C8B-B14F-4D97-AF65-F5344CB8AC3E}">
-        <p14:creationId xmlns:p14="http://schemas.microsoft.com/office/powerpoint/2010/main" val="475840346"/>
-      </p:ext>
-    </p:extLst>
   </p:cSld>
   <p:clrMapOvr>
     <a:masterClrMapping/>
@@ -14341,13 +13779,7 @@
       </p:grpSpPr>
       <p:sp>
         <p:nvSpPr>
-          <p:cNvPr id="2" name="Title 1">
-            <a:extLst>
-              <a:ext uri="{FF2B5EF4-FFF2-40B4-BE49-F238E27FC236}">
-                <a16:creationId xmlns:a16="http://schemas.microsoft.com/office/drawing/2014/main" id="{44B61EA9-F252-46F5-8F98-57AB31F16BC7}"/>
-              </a:ext>
-            </a:extLst>
-          </p:cNvPr>
+          <p:cNvPr id="2" name="Title 1"/>
           <p:cNvSpPr>
             <a:spLocks noGrp="1"/>
           </p:cNvSpPr>
@@ -14369,18 +13801,13 @@
               <a:rPr lang="en-GB" dirty="0"/>
               <a:t>Asset Marking</a:t>
             </a:r>
-          </a:p>
-        </p:txBody>
-      </p:sp>
-      <p:sp>
-        <p:nvSpPr>
-          <p:cNvPr id="3" name="Content Placeholder 2">
-            <a:extLst>
-              <a:ext uri="{FF2B5EF4-FFF2-40B4-BE49-F238E27FC236}">
-                <a16:creationId xmlns:a16="http://schemas.microsoft.com/office/drawing/2014/main" id="{C23610D1-0986-4E83-AEDE-A0E8B0052181}"/>
-              </a:ext>
-            </a:extLst>
-          </p:cNvPr>
+            <a:endParaRPr lang="en-GB" dirty="0"/>
+          </a:p>
+        </p:txBody>
+      </p:sp>
+      <p:sp>
+        <p:nvSpPr>
+          <p:cNvPr id="3" name="Content Placeholder 2"/>
           <p:cNvSpPr>
             <a:spLocks noGrp="1"/>
           </p:cNvSpPr>
@@ -14402,6 +13829,7 @@
               <a:rPr lang="en-US" dirty="0"/>
               <a:t>Once an asset has been classified with a specific category, a mark or label needs to be applied to the asset itself so that the classification level is clear to the user accessing the asset. </a:t>
             </a:r>
+            <a:endParaRPr lang="en-US" dirty="0"/>
           </a:p>
           <a:p>
             <a:endParaRPr lang="en-US" dirty="0"/>
@@ -14416,11 +13844,6 @@
         </p:txBody>
       </p:sp>
     </p:spTree>
-    <p:extLst>
-      <p:ext uri="{BB962C8B-B14F-4D97-AF65-F5344CB8AC3E}">
-        <p14:creationId xmlns:p14="http://schemas.microsoft.com/office/powerpoint/2010/main" val="1875336209"/>
-      </p:ext>
-    </p:extLst>
   </p:cSld>
   <p:clrMapOvr>
     <a:masterClrMapping/>
@@ -14447,13 +13870,7 @@
       </p:grpSpPr>
       <p:sp>
         <p:nvSpPr>
-          <p:cNvPr id="2" name="Title 1">
-            <a:extLst>
-              <a:ext uri="{FF2B5EF4-FFF2-40B4-BE49-F238E27FC236}">
-                <a16:creationId xmlns:a16="http://schemas.microsoft.com/office/drawing/2014/main" id="{2EAD1C7C-6C27-4D03-A6EF-CBE4C8209A5A}"/>
-              </a:ext>
-            </a:extLst>
-          </p:cNvPr>
+          <p:cNvPr id="2" name="Title 1"/>
           <p:cNvSpPr>
             <a:spLocks noGrp="1"/>
           </p:cNvSpPr>
@@ -14475,18 +13892,13 @@
               <a:rPr lang="en-GB" dirty="0"/>
               <a:t>Access Control Policy</a:t>
             </a:r>
-          </a:p>
-        </p:txBody>
-      </p:sp>
-      <p:sp>
-        <p:nvSpPr>
-          <p:cNvPr id="3" name="Content Placeholder 2">
-            <a:extLst>
-              <a:ext uri="{FF2B5EF4-FFF2-40B4-BE49-F238E27FC236}">
-                <a16:creationId xmlns:a16="http://schemas.microsoft.com/office/drawing/2014/main" id="{D5A2B0D1-06F2-4445-9610-F939A7D45289}"/>
-              </a:ext>
-            </a:extLst>
-          </p:cNvPr>
+            <a:endParaRPr lang="en-GB" dirty="0"/>
+          </a:p>
+        </p:txBody>
+      </p:sp>
+      <p:sp>
+        <p:nvSpPr>
+          <p:cNvPr id="3" name="Content Placeholder 2"/>
           <p:cNvSpPr>
             <a:spLocks noGrp="1"/>
           </p:cNvSpPr>
@@ -14511,6 +13923,7 @@
               <a:rPr lang="en-US" dirty="0"/>
               <a:t>The next step of an access control process is to establish the access control policy for each asset or data. This will be based on the label the asset received in the classification and marking steps described in the preceding sections.</a:t>
             </a:r>
+            <a:endParaRPr lang="en-US" dirty="0"/>
           </a:p>
           <a:p>
             <a:pPr algn="just"/>
@@ -14522,6 +13935,7 @@
               <a:rPr lang="en-US" dirty="0"/>
               <a:t>The access control policy should include information on who can access the asset or data, when, and in which mode. </a:t>
             </a:r>
+            <a:endParaRPr lang="en-US" dirty="0"/>
           </a:p>
           <a:p>
             <a:pPr algn="just"/>
@@ -14533,6 +13947,7 @@
               <a:rPr lang="en-US" dirty="0"/>
               <a:t>The access control policy will also describe how the access should be protected, depending on its state which could be any of the following:</a:t>
             </a:r>
+            <a:endParaRPr lang="en-US" dirty="0"/>
           </a:p>
           <a:p>
             <a:pPr lvl="1" algn="just"/>
@@ -14540,15 +13955,11 @@
               <a:rPr lang="en-US" dirty="0"/>
               <a:t>Data at rest refers to data that resides in a storage device such as a hard drive, CD or DVD, or magnetic drive. Data is in this state most of its lifetime. Data at rest is usually protected by using strong access controls and encryption.</a:t>
             </a:r>
+            <a:endParaRPr lang="en-US" dirty="0"/>
           </a:p>
         </p:txBody>
       </p:sp>
     </p:spTree>
-    <p:extLst>
-      <p:ext uri="{BB962C8B-B14F-4D97-AF65-F5344CB8AC3E}">
-        <p14:creationId xmlns:p14="http://schemas.microsoft.com/office/powerpoint/2010/main" val="3227467099"/>
-      </p:ext>
-    </p:extLst>
   </p:cSld>
   <p:clrMapOvr>
     <a:masterClrMapping/>
@@ -14599,7 +14010,7 @@
     </a:clrScheme>
     <a:fontScheme name="Wisp">
       <a:majorFont>
-        <a:latin typeface="Century Gothic" panose="020B0502020202020204"/>
+        <a:latin typeface="Century Gothic"/>
         <a:ea typeface=""/>
         <a:cs typeface=""/>
         <a:font script="Jpan" typeface="メイリオ"/>
@@ -14634,7 +14045,7 @@
         <a:font script="Geor" typeface="Sylfaen"/>
       </a:majorFont>
       <a:minorFont>
-        <a:latin typeface="Century Gothic" panose="020B0502020202020204"/>
+        <a:latin typeface="Century Gothic"/>
         <a:ea typeface=""/>
         <a:cs typeface=""/>
         <a:font script="Jpan" typeface="メイリオ"/>
@@ -14789,11 +14200,9 @@
       </a:bgFillStyleLst>
     </a:fmtScheme>
   </a:themeElements>
-  <a:objectDefaults/>
-  <a:extraClrSchemeLst/>
   <a:extLst>
     <a:ext uri="{05A4C25C-085E-4340-85A3-A5531E510DB2}">
-      <thm15:themeFamily xmlns:thm15="http://schemas.microsoft.com/office/thememl/2012/main" name="Wisp" id="{7CB32D59-10C0-40DD-B7BD-2E94284A981C}" vid="{24B1A44C-C006-48B2-A4D7-E5549B3D8CD4}"/>
+      <thm15:themeFamily xmlns:thm15="http://schemas.microsoft.com/office/thememl/2012/main" name="Office Theme" id="{62F939B6-93AF-4DB8-9C6B-D6C7DFDC589F}" vid="{4A3C46E8-61CC-4603-A589-7422A47A8E4A}"/>
     </a:ext>
   </a:extLst>
 </a:theme>
@@ -14842,7 +14251,7 @@
     </a:clrScheme>
     <a:fontScheme name="Office">
       <a:majorFont>
-        <a:latin typeface="Calibri Light" panose="020F0302020204030204"/>
+        <a:latin typeface="Calibri Light"/>
         <a:ea typeface=""/>
         <a:cs typeface=""/>
         <a:font script="Jpan" typeface="游ゴシック Light"/>
@@ -14875,26 +14284,9 @@
         <a:font script="Viet" typeface="Times New Roman"/>
         <a:font script="Uigh" typeface="Microsoft Uighur"/>
         <a:font script="Geor" typeface="Sylfaen"/>
-        <a:font script="Armn" typeface="Arial"/>
-        <a:font script="Bugi" typeface="Leelawadee UI"/>
-        <a:font script="Bopo" typeface="Microsoft JhengHei"/>
-        <a:font script="Java" typeface="Javanese Text"/>
-        <a:font script="Lisu" typeface="Segoe UI"/>
-        <a:font script="Mymr" typeface="Myanmar Text"/>
-        <a:font script="Nkoo" typeface="Ebrima"/>
-        <a:font script="Olck" typeface="Nirmala UI"/>
-        <a:font script="Osma" typeface="Ebrima"/>
-        <a:font script="Phag" typeface="Phagspa"/>
-        <a:font script="Syrn" typeface="Estrangelo Edessa"/>
-        <a:font script="Syrj" typeface="Estrangelo Edessa"/>
-        <a:font script="Syre" typeface="Estrangelo Edessa"/>
-        <a:font script="Sora" typeface="Nirmala UI"/>
-        <a:font script="Tale" typeface="Microsoft Tai Le"/>
-        <a:font script="Talu" typeface="Microsoft New Tai Lue"/>
-        <a:font script="Tfng" typeface="Ebrima"/>
       </a:majorFont>
       <a:minorFont>
-        <a:latin typeface="Calibri" panose="020F0502020204030204"/>
+        <a:latin typeface="Calibri"/>
         <a:ea typeface=""/>
         <a:cs typeface=""/>
         <a:font script="Jpan" typeface="游ゴシック"/>
@@ -14927,23 +14319,6 @@
         <a:font script="Viet" typeface="Arial"/>
         <a:font script="Uigh" typeface="Microsoft Uighur"/>
         <a:font script="Geor" typeface="Sylfaen"/>
-        <a:font script="Armn" typeface="Arial"/>
-        <a:font script="Bugi" typeface="Leelawadee UI"/>
-        <a:font script="Bopo" typeface="Microsoft JhengHei"/>
-        <a:font script="Java" typeface="Javanese Text"/>
-        <a:font script="Lisu" typeface="Segoe UI"/>
-        <a:font script="Mymr" typeface="Myanmar Text"/>
-        <a:font script="Nkoo" typeface="Ebrima"/>
-        <a:font script="Olck" typeface="Nirmala UI"/>
-        <a:font script="Osma" typeface="Ebrima"/>
-        <a:font script="Phag" typeface="Phagspa"/>
-        <a:font script="Syrn" typeface="Estrangelo Edessa"/>
-        <a:font script="Syrj" typeface="Estrangelo Edessa"/>
-        <a:font script="Syre" typeface="Estrangelo Edessa"/>
-        <a:font script="Sora" typeface="Nirmala UI"/>
-        <a:font script="Tale" typeface="Microsoft Tai Le"/>
-        <a:font script="Talu" typeface="Microsoft New Tai Lue"/>
-        <a:font script="Tfng" typeface="Ebrima"/>
       </a:minorFont>
     </a:fontScheme>
     <a:fmtScheme name="Office">
@@ -15084,8 +14459,6 @@
       </a:bgFillStyleLst>
     </a:fmtScheme>
   </a:themeElements>
-  <a:objectDefaults/>
-  <a:extraClrSchemeLst/>
   <a:extLst>
     <a:ext uri="{05A4C25C-085E-4340-85A3-A5531E510DB2}">
       <thm15:themeFamily xmlns:thm15="http://schemas.microsoft.com/office/thememl/2012/main" name="Office Theme" id="{62F939B6-93AF-4DB8-9C6B-D6C7DFDC589F}" vid="{4A3C46E8-61CC-4603-A589-7422A47A8E4A}"/>
